--- a/Health and Wellness Guide.pptx
+++ b/Health and Wellness Guide.pptx
@@ -1,41 +1,41 @@
 
 <file path=ppt/presentation.xml><?xml version="1.0" encoding="utf-8"?>
-<p:presentation xmlns:a="http://schemas.openxmlformats.org/drawingml/2006/main" xmlns:r="http://schemas.openxmlformats.org/officeDocument/2006/relationships" xmlns:mc="http://schemas.openxmlformats.org/markup-compatibility/2006" xmlns:mv="urn:schemas-microsoft-com:mac:vml" xmlns:p="http://schemas.openxmlformats.org/presentationml/2006/main" xmlns:c="http://schemas.openxmlformats.org/drawingml/2006/chart" xmlns:dgm="http://schemas.openxmlformats.org/drawingml/2006/diagram" xmlns:o="urn:schemas-microsoft-com:office:office" xmlns:v="urn:schemas-microsoft-com:vml" xmlns:pvml="urn:schemas-microsoft-com:office:powerpoint" xmlns:com="http://schemas.openxmlformats.org/drawingml/2006/compatibility" xmlns:p14="http://schemas.microsoft.com/office/powerpoint/2010/main" xmlns:p15="http://schemas.microsoft.com/office/powerpoint/2012/main" xmlns:ahyp="http://schemas.microsoft.com/office/drawing/2018/hyperlinkcolor" autoCompressPictures="0" embedTrueTypeFonts="1" strictFirstAndLastChars="0" saveSubsetFonts="1">
+<p:presentation xmlns:a="http://schemas.openxmlformats.org/drawingml/2006/main" xmlns:r="http://schemas.openxmlformats.org/officeDocument/2006/relationships" xmlns:p="http://schemas.openxmlformats.org/presentationml/2006/main" strictFirstAndLastChars="0" embedTrueTypeFonts="1" saveSubsetFonts="1" autoCompressPictures="0">
   <p:sldMasterIdLst>
-    <p:sldMasterId id="2147483659" r:id="rId4"/>
+    <p:sldMasterId id="2147483648" r:id="rId1"/>
   </p:sldMasterIdLst>
   <p:notesMasterIdLst>
-    <p:notesMasterId r:id="rId5"/>
+    <p:notesMasterId r:id="rId4"/>
   </p:notesMasterIdLst>
   <p:sldIdLst>
-    <p:sldId id="256" r:id="rId6"/>
-    <p:sldId id="257" r:id="rId7"/>
-    <p:sldId id="258" r:id="rId8"/>
-    <p:sldId id="259" r:id="rId9"/>
-    <p:sldId id="260" r:id="rId10"/>
-    <p:sldId id="261" r:id="rId11"/>
-    <p:sldId id="262" r:id="rId12"/>
-    <p:sldId id="263" r:id="rId13"/>
-    <p:sldId id="264" r:id="rId14"/>
+    <p:sldId id="256" r:id="rId3"/>
+    <p:sldId id="257" r:id="rId5"/>
+    <p:sldId id="258" r:id="rId6"/>
+    <p:sldId id="259" r:id="rId7"/>
+    <p:sldId id="260" r:id="rId8"/>
+    <p:sldId id="261" r:id="rId9"/>
+    <p:sldId id="262" r:id="rId10"/>
+    <p:sldId id="263" r:id="rId11"/>
+    <p:sldId id="264" r:id="rId12"/>
   </p:sldIdLst>
-  <p:sldSz cy="5143500" cx="9144000"/>
+  <p:sldSz cx="9144000" cy="5143500"/>
   <p:notesSz cx="6858000" cy="9144000"/>
   <p:embeddedFontLst>
     <p:embeddedFont>
-      <p:font typeface="PT Sans Narrow"/>
-      <p:regular r:id="rId15"/>
-      <p:bold r:id="rId16"/>
+      <p:font typeface="PT Sans Narrow" charset="0"/>
+      <p:regular r:id="rId16"/>
+      <p:bold r:id="rId17"/>
     </p:embeddedFont>
     <p:embeddedFont>
-      <p:font typeface="Open Sans"/>
-      <p:regular r:id="rId17"/>
-      <p:bold r:id="rId18"/>
-      <p:italic r:id="rId19"/>
-      <p:boldItalic r:id="rId20"/>
+      <p:font typeface="Open Sans" charset="0"/>
+      <p:regular r:id="rId18"/>
+      <p:bold r:id="rId19"/>
+      <p:italic r:id="rId20"/>
+      <p:boldItalic r:id="rId21"/>
     </p:embeddedFont>
   </p:embeddedFontLst>
   <p:defaultTextStyle>
-    <a:defPPr lvl="0" marR="0" rtl="0" algn="l">
+    <a:defPPr marR="0" lvl="0" algn="l" rtl="0">
       <a:lnSpc>
         <a:spcPct val="100000"/>
       </a:lnSpc>
@@ -46,7 +46,7 @@
         <a:spcPts val="0"/>
       </a:spcAft>
     </a:defPPr>
-    <a:lvl1pPr lvl="0" marR="0" rtl="0" algn="l">
+    <a:lvl1pPr marR="0" lvl="0" algn="l" rtl="0">
       <a:lnSpc>
         <a:spcPct val="100000"/>
       </a:lnSpc>
@@ -59,18 +59,18 @@
       <a:buClr>
         <a:srgbClr val="000000"/>
       </a:buClr>
-      <a:buFont typeface="Arial"/>
-      <a:defRPr b="0" i="0" sz="1400" u="none" cap="none" strike="noStrike">
+      <a:buFont typeface="Arial" panose="020B0604020202020204"/>
+      <a:defRPr sz="1400" b="0" i="0" u="none" strike="noStrike" cap="none">
         <a:solidFill>
           <a:srgbClr val="000000"/>
         </a:solidFill>
-        <a:latin typeface="Arial"/>
-        <a:ea typeface="Arial"/>
-        <a:cs typeface="Arial"/>
-        <a:sym typeface="Arial"/>
+        <a:latin typeface="Arial" panose="020B0604020202020204"/>
+        <a:ea typeface="Arial" panose="020B0604020202020204"/>
+        <a:cs typeface="Arial" panose="020B0604020202020204"/>
+        <a:sym typeface="Arial" panose="020B0604020202020204"/>
       </a:defRPr>
     </a:lvl1pPr>
-    <a:lvl2pPr lvl="1" marR="0" rtl="0" algn="l">
+    <a:lvl2pPr marR="0" lvl="1" algn="l" rtl="0">
       <a:lnSpc>
         <a:spcPct val="100000"/>
       </a:lnSpc>
@@ -83,18 +83,18 @@
       <a:buClr>
         <a:srgbClr val="000000"/>
       </a:buClr>
-      <a:buFont typeface="Arial"/>
-      <a:defRPr b="0" i="0" sz="1400" u="none" cap="none" strike="noStrike">
+      <a:buFont typeface="Arial" panose="020B0604020202020204"/>
+      <a:defRPr sz="1400" b="0" i="0" u="none" strike="noStrike" cap="none">
         <a:solidFill>
           <a:srgbClr val="000000"/>
         </a:solidFill>
-        <a:latin typeface="Arial"/>
-        <a:ea typeface="Arial"/>
-        <a:cs typeface="Arial"/>
-        <a:sym typeface="Arial"/>
+        <a:latin typeface="Arial" panose="020B0604020202020204"/>
+        <a:ea typeface="Arial" panose="020B0604020202020204"/>
+        <a:cs typeface="Arial" panose="020B0604020202020204"/>
+        <a:sym typeface="Arial" panose="020B0604020202020204"/>
       </a:defRPr>
     </a:lvl2pPr>
-    <a:lvl3pPr lvl="2" marR="0" rtl="0" algn="l">
+    <a:lvl3pPr marR="0" lvl="2" algn="l" rtl="0">
       <a:lnSpc>
         <a:spcPct val="100000"/>
       </a:lnSpc>
@@ -107,18 +107,18 @@
       <a:buClr>
         <a:srgbClr val="000000"/>
       </a:buClr>
-      <a:buFont typeface="Arial"/>
-      <a:defRPr b="0" i="0" sz="1400" u="none" cap="none" strike="noStrike">
+      <a:buFont typeface="Arial" panose="020B0604020202020204"/>
+      <a:defRPr sz="1400" b="0" i="0" u="none" strike="noStrike" cap="none">
         <a:solidFill>
           <a:srgbClr val="000000"/>
         </a:solidFill>
-        <a:latin typeface="Arial"/>
-        <a:ea typeface="Arial"/>
-        <a:cs typeface="Arial"/>
-        <a:sym typeface="Arial"/>
+        <a:latin typeface="Arial" panose="020B0604020202020204"/>
+        <a:ea typeface="Arial" panose="020B0604020202020204"/>
+        <a:cs typeface="Arial" panose="020B0604020202020204"/>
+        <a:sym typeface="Arial" panose="020B0604020202020204"/>
       </a:defRPr>
     </a:lvl3pPr>
-    <a:lvl4pPr lvl="3" marR="0" rtl="0" algn="l">
+    <a:lvl4pPr marR="0" lvl="3" algn="l" rtl="0">
       <a:lnSpc>
         <a:spcPct val="100000"/>
       </a:lnSpc>
@@ -131,18 +131,18 @@
       <a:buClr>
         <a:srgbClr val="000000"/>
       </a:buClr>
-      <a:buFont typeface="Arial"/>
-      <a:defRPr b="0" i="0" sz="1400" u="none" cap="none" strike="noStrike">
+      <a:buFont typeface="Arial" panose="020B0604020202020204"/>
+      <a:defRPr sz="1400" b="0" i="0" u="none" strike="noStrike" cap="none">
         <a:solidFill>
           <a:srgbClr val="000000"/>
         </a:solidFill>
-        <a:latin typeface="Arial"/>
-        <a:ea typeface="Arial"/>
-        <a:cs typeface="Arial"/>
-        <a:sym typeface="Arial"/>
+        <a:latin typeface="Arial" panose="020B0604020202020204"/>
+        <a:ea typeface="Arial" panose="020B0604020202020204"/>
+        <a:cs typeface="Arial" panose="020B0604020202020204"/>
+        <a:sym typeface="Arial" panose="020B0604020202020204"/>
       </a:defRPr>
     </a:lvl4pPr>
-    <a:lvl5pPr lvl="4" marR="0" rtl="0" algn="l">
+    <a:lvl5pPr marR="0" lvl="4" algn="l" rtl="0">
       <a:lnSpc>
         <a:spcPct val="100000"/>
       </a:lnSpc>
@@ -155,18 +155,18 @@
       <a:buClr>
         <a:srgbClr val="000000"/>
       </a:buClr>
-      <a:buFont typeface="Arial"/>
-      <a:defRPr b="0" i="0" sz="1400" u="none" cap="none" strike="noStrike">
+      <a:buFont typeface="Arial" panose="020B0604020202020204"/>
+      <a:defRPr sz="1400" b="0" i="0" u="none" strike="noStrike" cap="none">
         <a:solidFill>
           <a:srgbClr val="000000"/>
         </a:solidFill>
-        <a:latin typeface="Arial"/>
-        <a:ea typeface="Arial"/>
-        <a:cs typeface="Arial"/>
-        <a:sym typeface="Arial"/>
+        <a:latin typeface="Arial" panose="020B0604020202020204"/>
+        <a:ea typeface="Arial" panose="020B0604020202020204"/>
+        <a:cs typeface="Arial" panose="020B0604020202020204"/>
+        <a:sym typeface="Arial" panose="020B0604020202020204"/>
       </a:defRPr>
     </a:lvl5pPr>
-    <a:lvl6pPr lvl="5" marR="0" rtl="0" algn="l">
+    <a:lvl6pPr marR="0" lvl="5" algn="l" rtl="0">
       <a:lnSpc>
         <a:spcPct val="100000"/>
       </a:lnSpc>
@@ -179,18 +179,18 @@
       <a:buClr>
         <a:srgbClr val="000000"/>
       </a:buClr>
-      <a:buFont typeface="Arial"/>
-      <a:defRPr b="0" i="0" sz="1400" u="none" cap="none" strike="noStrike">
+      <a:buFont typeface="Arial" panose="020B0604020202020204"/>
+      <a:defRPr sz="1400" b="0" i="0" u="none" strike="noStrike" cap="none">
         <a:solidFill>
           <a:srgbClr val="000000"/>
         </a:solidFill>
-        <a:latin typeface="Arial"/>
-        <a:ea typeface="Arial"/>
-        <a:cs typeface="Arial"/>
-        <a:sym typeface="Arial"/>
+        <a:latin typeface="Arial" panose="020B0604020202020204"/>
+        <a:ea typeface="Arial" panose="020B0604020202020204"/>
+        <a:cs typeface="Arial" panose="020B0604020202020204"/>
+        <a:sym typeface="Arial" panose="020B0604020202020204"/>
       </a:defRPr>
     </a:lvl6pPr>
-    <a:lvl7pPr lvl="6" marR="0" rtl="0" algn="l">
+    <a:lvl7pPr marR="0" lvl="6" algn="l" rtl="0">
       <a:lnSpc>
         <a:spcPct val="100000"/>
       </a:lnSpc>
@@ -203,18 +203,18 @@
       <a:buClr>
         <a:srgbClr val="000000"/>
       </a:buClr>
-      <a:buFont typeface="Arial"/>
-      <a:defRPr b="0" i="0" sz="1400" u="none" cap="none" strike="noStrike">
+      <a:buFont typeface="Arial" panose="020B0604020202020204"/>
+      <a:defRPr sz="1400" b="0" i="0" u="none" strike="noStrike" cap="none">
         <a:solidFill>
           <a:srgbClr val="000000"/>
         </a:solidFill>
-        <a:latin typeface="Arial"/>
-        <a:ea typeface="Arial"/>
-        <a:cs typeface="Arial"/>
-        <a:sym typeface="Arial"/>
+        <a:latin typeface="Arial" panose="020B0604020202020204"/>
+        <a:ea typeface="Arial" panose="020B0604020202020204"/>
+        <a:cs typeface="Arial" panose="020B0604020202020204"/>
+        <a:sym typeface="Arial" panose="020B0604020202020204"/>
       </a:defRPr>
     </a:lvl7pPr>
-    <a:lvl8pPr lvl="7" marR="0" rtl="0" algn="l">
+    <a:lvl8pPr marR="0" lvl="7" algn="l" rtl="0">
       <a:lnSpc>
         <a:spcPct val="100000"/>
       </a:lnSpc>
@@ -227,18 +227,18 @@
       <a:buClr>
         <a:srgbClr val="000000"/>
       </a:buClr>
-      <a:buFont typeface="Arial"/>
-      <a:defRPr b="0" i="0" sz="1400" u="none" cap="none" strike="noStrike">
+      <a:buFont typeface="Arial" panose="020B0604020202020204"/>
+      <a:defRPr sz="1400" b="0" i="0" u="none" strike="noStrike" cap="none">
         <a:solidFill>
           <a:srgbClr val="000000"/>
         </a:solidFill>
-        <a:latin typeface="Arial"/>
-        <a:ea typeface="Arial"/>
-        <a:cs typeface="Arial"/>
-        <a:sym typeface="Arial"/>
+        <a:latin typeface="Arial" panose="020B0604020202020204"/>
+        <a:ea typeface="Arial" panose="020B0604020202020204"/>
+        <a:cs typeface="Arial" panose="020B0604020202020204"/>
+        <a:sym typeface="Arial" panose="020B0604020202020204"/>
       </a:defRPr>
     </a:lvl8pPr>
-    <a:lvl9pPr lvl="8" marR="0" rtl="0" algn="l">
+    <a:lvl9pPr marR="0" lvl="8" algn="l" rtl="0">
       <a:lnSpc>
         <a:spcPct val="100000"/>
       </a:lnSpc>
@@ -251,40 +251,29 @@
       <a:buClr>
         <a:srgbClr val="000000"/>
       </a:buClr>
-      <a:buFont typeface="Arial"/>
-      <a:defRPr b="0" i="0" sz="1400" u="none" cap="none" strike="noStrike">
+      <a:buFont typeface="Arial" panose="020B0604020202020204"/>
+      <a:defRPr sz="1400" b="0" i="0" u="none" strike="noStrike" cap="none">
         <a:solidFill>
           <a:srgbClr val="000000"/>
         </a:solidFill>
-        <a:latin typeface="Arial"/>
-        <a:ea typeface="Arial"/>
-        <a:cs typeface="Arial"/>
-        <a:sym typeface="Arial"/>
+        <a:latin typeface="Arial" panose="020B0604020202020204"/>
+        <a:ea typeface="Arial" panose="020B0604020202020204"/>
+        <a:cs typeface="Arial" panose="020B0604020202020204"/>
+        <a:sym typeface="Arial" panose="020B0604020202020204"/>
       </a:defRPr>
     </a:lvl9pPr>
   </p:defaultTextStyle>
-  <p:extLst>
-    <p:ext uri="{EFAFB233-063F-42B5-8137-9DF3F51BA10A}">
-      <p15:sldGuideLst>
-        <p15:guide id="1" orient="horz" pos="1620">
-          <p15:clr>
-            <a:srgbClr val="747775"/>
-          </p15:clr>
-        </p15:guide>
-        <p15:guide id="2" pos="2880">
-          <p15:clr>
-            <a:srgbClr val="747775"/>
-          </p15:clr>
-        </p15:guide>
-      </p15:sldGuideLst>
-    </p:ext>
-  </p:extLst>
 </p:presentation>
 </file>
 
 <file path=ppt/notesMasters/notesMaster1.xml><?xml version="1.0" encoding="utf-8"?>
-<p:notesMaster xmlns:a="http://schemas.openxmlformats.org/drawingml/2006/main" xmlns:r="http://schemas.openxmlformats.org/officeDocument/2006/relationships" xmlns:mc="http://schemas.openxmlformats.org/markup-compatibility/2006" xmlns:mv="urn:schemas-microsoft-com:mac:vml" xmlns:p="http://schemas.openxmlformats.org/presentationml/2006/main" xmlns:c="http://schemas.openxmlformats.org/drawingml/2006/chart" xmlns:dgm="http://schemas.openxmlformats.org/drawingml/2006/diagram" xmlns:o="urn:schemas-microsoft-com:office:office" xmlns:v="urn:schemas-microsoft-com:vml" xmlns:pvml="urn:schemas-microsoft-com:office:powerpoint" xmlns:com="http://schemas.openxmlformats.org/drawingml/2006/compatibility" xmlns:p14="http://schemas.microsoft.com/office/powerpoint/2010/main" xmlns:p15="http://schemas.microsoft.com/office/powerpoint/2012/main" xmlns:ahyp="http://schemas.microsoft.com/office/drawing/2018/hyperlinkcolor">
+<p:notesMaster xmlns:a="http://schemas.openxmlformats.org/drawingml/2006/main" xmlns:r="http://schemas.openxmlformats.org/officeDocument/2006/relationships" xmlns:p="http://schemas.openxmlformats.org/presentationml/2006/main">
   <p:cSld>
+    <p:bg>
+      <p:bgRef idx="1001">
+        <a:schemeClr val="bg1"/>
+      </p:bgRef>
+    </p:bg>
     <p:spTree>
       <p:nvGrpSpPr>
         <p:cNvPr id="2" name="Shape 2"/>
@@ -304,7 +293,7 @@
           <p:cNvPr id="3" name="Google Shape;3;n"/>
           <p:cNvSpPr/>
           <p:nvPr>
-            <p:ph idx="2" type="sldImg"/>
+            <p:ph type="sldImg" idx="2"/>
           </p:nvPr>
         </p:nvSpPr>
         <p:spPr>
@@ -313,9 +302,13 @@
             <a:ext cx="6096075" cy="3429000"/>
           </a:xfrm>
           <a:custGeom>
-            <a:rect b="b" l="l" r="r" t="t"/>
+            <a:avLst/>
+            <a:gdLst/>
+            <a:ahLst/>
+            <a:cxnLst/>
+            <a:rect l="l" t="t" r="r" b="b"/>
             <a:pathLst>
-              <a:path extrusionOk="0" h="120000" w="120000">
+              <a:path w="120000" h="120000" extrusionOk="0">
                 <a:moveTo>
                   <a:pt x="0" y="0"/>
                 </a:moveTo>
@@ -333,14 +326,14 @@
             </a:pathLst>
           </a:custGeom>
           <a:noFill/>
-          <a:ln cap="flat" cmpd="sng" w="9525">
+          <a:ln w="9525" cap="flat" cmpd="sng">
             <a:solidFill>
               <a:srgbClr val="000000"/>
             </a:solidFill>
             <a:prstDash val="solid"/>
             <a:round/>
-            <a:headEnd len="sm" w="sm" type="none"/>
-            <a:tailEnd len="sm" w="sm" type="none"/>
+            <a:headEnd type="none" w="sm" len="sm"/>
+            <a:tailEnd type="none" w="sm" len="sm"/>
           </a:ln>
         </p:spPr>
       </p:sp>
@@ -349,7 +342,7 @@
           <p:cNvPr id="4" name="Google Shape;4;n"/>
           <p:cNvSpPr txBox="1"/>
           <p:nvPr>
-            <p:ph idx="1" type="body"/>
+            <p:ph type="body" idx="1"/>
           </p:nvPr>
         </p:nvSpPr>
         <p:spPr>
@@ -366,11 +359,11 @@
           </a:ln>
         </p:spPr>
         <p:txBody>
-          <a:bodyPr anchorCtr="0" anchor="t" bIns="91425" lIns="91425" spcFirstLastPara="1" rIns="91425" wrap="square" tIns="91425">
+          <a:bodyPr spcFirstLastPara="1" wrap="square" lIns="91425" tIns="91425" rIns="91425" bIns="91425" anchor="t" anchorCtr="0">
             <a:noAutofit/>
           </a:bodyPr>
           <a:lstStyle>
-            <a:lvl1pPr indent="-298450" lvl="0" marL="457200">
+            <a:lvl1pPr marL="457200" lvl="0" indent="-298450">
               <a:spcBef>
                 <a:spcPts val="0"/>
               </a:spcBef>
@@ -381,7 +374,7 @@
               <a:buChar char="●"/>
               <a:defRPr sz="1100"/>
             </a:lvl1pPr>
-            <a:lvl2pPr indent="-298450" lvl="1" marL="914400">
+            <a:lvl2pPr marL="914400" lvl="1" indent="-298450">
               <a:spcBef>
                 <a:spcPts val="0"/>
               </a:spcBef>
@@ -392,7 +385,7 @@
               <a:buChar char="○"/>
               <a:defRPr sz="1100"/>
             </a:lvl2pPr>
-            <a:lvl3pPr indent="-298450" lvl="2" marL="1371600">
+            <a:lvl3pPr marL="1371600" lvl="2" indent="-298450">
               <a:spcBef>
                 <a:spcPts val="0"/>
               </a:spcBef>
@@ -403,7 +396,7 @@
               <a:buChar char="■"/>
               <a:defRPr sz="1100"/>
             </a:lvl3pPr>
-            <a:lvl4pPr indent="-298450" lvl="3" marL="1828800">
+            <a:lvl4pPr marL="1828800" lvl="3" indent="-298450">
               <a:spcBef>
                 <a:spcPts val="0"/>
               </a:spcBef>
@@ -414,7 +407,7 @@
               <a:buChar char="●"/>
               <a:defRPr sz="1100"/>
             </a:lvl4pPr>
-            <a:lvl5pPr indent="-298450" lvl="4" marL="2286000">
+            <a:lvl5pPr marL="2286000" lvl="4" indent="-298450">
               <a:spcBef>
                 <a:spcPts val="0"/>
               </a:spcBef>
@@ -425,7 +418,7 @@
               <a:buChar char="○"/>
               <a:defRPr sz="1100"/>
             </a:lvl5pPr>
-            <a:lvl6pPr indent="-298450" lvl="5" marL="2743200">
+            <a:lvl6pPr marL="2743200" lvl="5" indent="-298450">
               <a:spcBef>
                 <a:spcPts val="0"/>
               </a:spcBef>
@@ -436,7 +429,7 @@
               <a:buChar char="■"/>
               <a:defRPr sz="1100"/>
             </a:lvl6pPr>
-            <a:lvl7pPr indent="-298450" lvl="6" marL="3200400">
+            <a:lvl7pPr marL="3200400" lvl="6" indent="-298450">
               <a:spcBef>
                 <a:spcPts val="0"/>
               </a:spcBef>
@@ -447,7 +440,7 @@
               <a:buChar char="●"/>
               <a:defRPr sz="1100"/>
             </a:lvl7pPr>
-            <a:lvl8pPr indent="-298450" lvl="7" marL="3657600">
+            <a:lvl8pPr marL="3657600" lvl="7" indent="-298450">
               <a:spcBef>
                 <a:spcPts val="0"/>
               </a:spcBef>
@@ -458,7 +451,7 @@
               <a:buChar char="○"/>
               <a:defRPr sz="1100"/>
             </a:lvl8pPr>
-            <a:lvl9pPr indent="-298450" lvl="8" marL="4114800">
+            <a:lvl9pPr marL="4114800" lvl="8" indent="-298450">
               <a:spcBef>
                 <a:spcPts val="0"/>
               </a:spcBef>
@@ -475,9 +468,9 @@
       </p:sp>
     </p:spTree>
   </p:cSld>
-  <p:clrMap accent1="accent1" accent2="accent2" accent3="accent3" accent4="accent4" accent5="accent5" accent6="accent6" bg1="lt1" bg2="dk2" tx1="dk1" tx2="lt2" folHlink="folHlink" hlink="hlink"/>
+  <p:clrMap bg1="lt1" tx1="dk1" bg2="dk2" tx2="lt2" accent1="accent1" accent2="accent2" accent3="accent3" accent4="accent4" accent5="accent5" accent6="accent6" hlink="hlink" folHlink="folHlink"/>
   <p:notesStyle>
-    <a:defPPr lvl="0" marR="0" rtl="0" algn="l">
+    <a:defPPr marR="0" lvl="0" algn="l" rtl="0">
       <a:lnSpc>
         <a:spcPct val="100000"/>
       </a:lnSpc>
@@ -488,7 +481,7 @@
         <a:spcPts val="0"/>
       </a:spcAft>
     </a:defPPr>
-    <a:lvl1pPr lvl="0" marR="0" rtl="0" algn="l">
+    <a:lvl1pPr marR="0" lvl="0" algn="l" rtl="0">
       <a:lnSpc>
         <a:spcPct val="100000"/>
       </a:lnSpc>
@@ -501,18 +494,18 @@
       <a:buClr>
         <a:srgbClr val="000000"/>
       </a:buClr>
-      <a:buFont typeface="Arial"/>
-      <a:defRPr b="0" i="0" sz="1400" u="none" cap="none" strike="noStrike">
+      <a:buFont typeface="Arial" panose="020B0604020202020204"/>
+      <a:defRPr sz="1400" b="0" i="0" u="none" strike="noStrike" cap="none">
         <a:solidFill>
           <a:srgbClr val="000000"/>
         </a:solidFill>
-        <a:latin typeface="Arial"/>
-        <a:ea typeface="Arial"/>
-        <a:cs typeface="Arial"/>
-        <a:sym typeface="Arial"/>
+        <a:latin typeface="Arial" panose="020B0604020202020204"/>
+        <a:ea typeface="Arial" panose="020B0604020202020204"/>
+        <a:cs typeface="Arial" panose="020B0604020202020204"/>
+        <a:sym typeface="Arial" panose="020B0604020202020204"/>
       </a:defRPr>
     </a:lvl1pPr>
-    <a:lvl2pPr lvl="1" marR="0" rtl="0" algn="l">
+    <a:lvl2pPr marR="0" lvl="1" algn="l" rtl="0">
       <a:lnSpc>
         <a:spcPct val="100000"/>
       </a:lnSpc>
@@ -525,18 +518,18 @@
       <a:buClr>
         <a:srgbClr val="000000"/>
       </a:buClr>
-      <a:buFont typeface="Arial"/>
-      <a:defRPr b="0" i="0" sz="1400" u="none" cap="none" strike="noStrike">
+      <a:buFont typeface="Arial" panose="020B0604020202020204"/>
+      <a:defRPr sz="1400" b="0" i="0" u="none" strike="noStrike" cap="none">
         <a:solidFill>
           <a:srgbClr val="000000"/>
         </a:solidFill>
-        <a:latin typeface="Arial"/>
-        <a:ea typeface="Arial"/>
-        <a:cs typeface="Arial"/>
-        <a:sym typeface="Arial"/>
+        <a:latin typeface="Arial" panose="020B0604020202020204"/>
+        <a:ea typeface="Arial" panose="020B0604020202020204"/>
+        <a:cs typeface="Arial" panose="020B0604020202020204"/>
+        <a:sym typeface="Arial" panose="020B0604020202020204"/>
       </a:defRPr>
     </a:lvl2pPr>
-    <a:lvl3pPr lvl="2" marR="0" rtl="0" algn="l">
+    <a:lvl3pPr marR="0" lvl="2" algn="l" rtl="0">
       <a:lnSpc>
         <a:spcPct val="100000"/>
       </a:lnSpc>
@@ -549,18 +542,18 @@
       <a:buClr>
         <a:srgbClr val="000000"/>
       </a:buClr>
-      <a:buFont typeface="Arial"/>
-      <a:defRPr b="0" i="0" sz="1400" u="none" cap="none" strike="noStrike">
+      <a:buFont typeface="Arial" panose="020B0604020202020204"/>
+      <a:defRPr sz="1400" b="0" i="0" u="none" strike="noStrike" cap="none">
         <a:solidFill>
           <a:srgbClr val="000000"/>
         </a:solidFill>
-        <a:latin typeface="Arial"/>
-        <a:ea typeface="Arial"/>
-        <a:cs typeface="Arial"/>
-        <a:sym typeface="Arial"/>
+        <a:latin typeface="Arial" panose="020B0604020202020204"/>
+        <a:ea typeface="Arial" panose="020B0604020202020204"/>
+        <a:cs typeface="Arial" panose="020B0604020202020204"/>
+        <a:sym typeface="Arial" panose="020B0604020202020204"/>
       </a:defRPr>
     </a:lvl3pPr>
-    <a:lvl4pPr lvl="3" marR="0" rtl="0" algn="l">
+    <a:lvl4pPr marR="0" lvl="3" algn="l" rtl="0">
       <a:lnSpc>
         <a:spcPct val="100000"/>
       </a:lnSpc>
@@ -573,18 +566,18 @@
       <a:buClr>
         <a:srgbClr val="000000"/>
       </a:buClr>
-      <a:buFont typeface="Arial"/>
-      <a:defRPr b="0" i="0" sz="1400" u="none" cap="none" strike="noStrike">
+      <a:buFont typeface="Arial" panose="020B0604020202020204"/>
+      <a:defRPr sz="1400" b="0" i="0" u="none" strike="noStrike" cap="none">
         <a:solidFill>
           <a:srgbClr val="000000"/>
         </a:solidFill>
-        <a:latin typeface="Arial"/>
-        <a:ea typeface="Arial"/>
-        <a:cs typeface="Arial"/>
-        <a:sym typeface="Arial"/>
+        <a:latin typeface="Arial" panose="020B0604020202020204"/>
+        <a:ea typeface="Arial" panose="020B0604020202020204"/>
+        <a:cs typeface="Arial" panose="020B0604020202020204"/>
+        <a:sym typeface="Arial" panose="020B0604020202020204"/>
       </a:defRPr>
     </a:lvl4pPr>
-    <a:lvl5pPr lvl="4" marR="0" rtl="0" algn="l">
+    <a:lvl5pPr marR="0" lvl="4" algn="l" rtl="0">
       <a:lnSpc>
         <a:spcPct val="100000"/>
       </a:lnSpc>
@@ -597,18 +590,18 @@
       <a:buClr>
         <a:srgbClr val="000000"/>
       </a:buClr>
-      <a:buFont typeface="Arial"/>
-      <a:defRPr b="0" i="0" sz="1400" u="none" cap="none" strike="noStrike">
+      <a:buFont typeface="Arial" panose="020B0604020202020204"/>
+      <a:defRPr sz="1400" b="0" i="0" u="none" strike="noStrike" cap="none">
         <a:solidFill>
           <a:srgbClr val="000000"/>
         </a:solidFill>
-        <a:latin typeface="Arial"/>
-        <a:ea typeface="Arial"/>
-        <a:cs typeface="Arial"/>
-        <a:sym typeface="Arial"/>
+        <a:latin typeface="Arial" panose="020B0604020202020204"/>
+        <a:ea typeface="Arial" panose="020B0604020202020204"/>
+        <a:cs typeface="Arial" panose="020B0604020202020204"/>
+        <a:sym typeface="Arial" panose="020B0604020202020204"/>
       </a:defRPr>
     </a:lvl5pPr>
-    <a:lvl6pPr lvl="5" marR="0" rtl="0" algn="l">
+    <a:lvl6pPr marR="0" lvl="5" algn="l" rtl="0">
       <a:lnSpc>
         <a:spcPct val="100000"/>
       </a:lnSpc>
@@ -621,18 +614,18 @@
       <a:buClr>
         <a:srgbClr val="000000"/>
       </a:buClr>
-      <a:buFont typeface="Arial"/>
-      <a:defRPr b="0" i="0" sz="1400" u="none" cap="none" strike="noStrike">
+      <a:buFont typeface="Arial" panose="020B0604020202020204"/>
+      <a:defRPr sz="1400" b="0" i="0" u="none" strike="noStrike" cap="none">
         <a:solidFill>
           <a:srgbClr val="000000"/>
         </a:solidFill>
-        <a:latin typeface="Arial"/>
-        <a:ea typeface="Arial"/>
-        <a:cs typeface="Arial"/>
-        <a:sym typeface="Arial"/>
+        <a:latin typeface="Arial" panose="020B0604020202020204"/>
+        <a:ea typeface="Arial" panose="020B0604020202020204"/>
+        <a:cs typeface="Arial" panose="020B0604020202020204"/>
+        <a:sym typeface="Arial" panose="020B0604020202020204"/>
       </a:defRPr>
     </a:lvl6pPr>
-    <a:lvl7pPr lvl="6" marR="0" rtl="0" algn="l">
+    <a:lvl7pPr marR="0" lvl="6" algn="l" rtl="0">
       <a:lnSpc>
         <a:spcPct val="100000"/>
       </a:lnSpc>
@@ -645,18 +638,18 @@
       <a:buClr>
         <a:srgbClr val="000000"/>
       </a:buClr>
-      <a:buFont typeface="Arial"/>
-      <a:defRPr b="0" i="0" sz="1400" u="none" cap="none" strike="noStrike">
+      <a:buFont typeface="Arial" panose="020B0604020202020204"/>
+      <a:defRPr sz="1400" b="0" i="0" u="none" strike="noStrike" cap="none">
         <a:solidFill>
           <a:srgbClr val="000000"/>
         </a:solidFill>
-        <a:latin typeface="Arial"/>
-        <a:ea typeface="Arial"/>
-        <a:cs typeface="Arial"/>
-        <a:sym typeface="Arial"/>
+        <a:latin typeface="Arial" panose="020B0604020202020204"/>
+        <a:ea typeface="Arial" panose="020B0604020202020204"/>
+        <a:cs typeface="Arial" panose="020B0604020202020204"/>
+        <a:sym typeface="Arial" panose="020B0604020202020204"/>
       </a:defRPr>
     </a:lvl7pPr>
-    <a:lvl8pPr lvl="7" marR="0" rtl="0" algn="l">
+    <a:lvl8pPr marR="0" lvl="7" algn="l" rtl="0">
       <a:lnSpc>
         <a:spcPct val="100000"/>
       </a:lnSpc>
@@ -669,18 +662,18 @@
       <a:buClr>
         <a:srgbClr val="000000"/>
       </a:buClr>
-      <a:buFont typeface="Arial"/>
-      <a:defRPr b="0" i="0" sz="1400" u="none" cap="none" strike="noStrike">
+      <a:buFont typeface="Arial" panose="020B0604020202020204"/>
+      <a:defRPr sz="1400" b="0" i="0" u="none" strike="noStrike" cap="none">
         <a:solidFill>
           <a:srgbClr val="000000"/>
         </a:solidFill>
-        <a:latin typeface="Arial"/>
-        <a:ea typeface="Arial"/>
-        <a:cs typeface="Arial"/>
-        <a:sym typeface="Arial"/>
+        <a:latin typeface="Arial" panose="020B0604020202020204"/>
+        <a:ea typeface="Arial" panose="020B0604020202020204"/>
+        <a:cs typeface="Arial" panose="020B0604020202020204"/>
+        <a:sym typeface="Arial" panose="020B0604020202020204"/>
       </a:defRPr>
     </a:lvl8pPr>
-    <a:lvl9pPr lvl="8" marR="0" rtl="0" algn="l">
+    <a:lvl9pPr marR="0" lvl="8" algn="l" rtl="0">
       <a:lnSpc>
         <a:spcPct val="100000"/>
       </a:lnSpc>
@@ -693,15 +686,15 @@
       <a:buClr>
         <a:srgbClr val="000000"/>
       </a:buClr>
-      <a:buFont typeface="Arial"/>
-      <a:defRPr b="0" i="0" sz="1400" u="none" cap="none" strike="noStrike">
+      <a:buFont typeface="Arial" panose="020B0604020202020204"/>
+      <a:defRPr sz="1400" b="0" i="0" u="none" strike="noStrike" cap="none">
         <a:solidFill>
           <a:srgbClr val="000000"/>
         </a:solidFill>
-        <a:latin typeface="Arial"/>
-        <a:ea typeface="Arial"/>
-        <a:cs typeface="Arial"/>
-        <a:sym typeface="Arial"/>
+        <a:latin typeface="Arial" panose="020B0604020202020204"/>
+        <a:ea typeface="Arial" panose="020B0604020202020204"/>
+        <a:cs typeface="Arial" panose="020B0604020202020204"/>
+        <a:sym typeface="Arial" panose="020B0604020202020204"/>
       </a:defRPr>
     </a:lvl9pPr>
   </p:notesStyle>
@@ -709,7 +702,7 @@
 </file>
 
 <file path=ppt/notesSlides/notesSlide1.xml><?xml version="1.0" encoding="utf-8"?>
-<p:notes xmlns:a="http://schemas.openxmlformats.org/drawingml/2006/main" xmlns:r="http://schemas.openxmlformats.org/officeDocument/2006/relationships" xmlns:mc="http://schemas.openxmlformats.org/markup-compatibility/2006" xmlns:mv="urn:schemas-microsoft-com:mac:vml" xmlns:p="http://schemas.openxmlformats.org/presentationml/2006/main" xmlns:c="http://schemas.openxmlformats.org/drawingml/2006/chart" xmlns:dgm="http://schemas.openxmlformats.org/drawingml/2006/diagram" xmlns:o="urn:schemas-microsoft-com:office:office" xmlns:v="urn:schemas-microsoft-com:vml" xmlns:pvml="urn:schemas-microsoft-com:office:powerpoint" xmlns:com="http://schemas.openxmlformats.org/drawingml/2006/compatibility" xmlns:p14="http://schemas.microsoft.com/office/powerpoint/2010/main" xmlns:p15="http://schemas.microsoft.com/office/powerpoint/2012/main" xmlns:ahyp="http://schemas.microsoft.com/office/drawing/2018/hyperlinkcolor" showMasterPhAnim="0" showMasterSp="0">
+<p:notes xmlns:a="http://schemas.openxmlformats.org/drawingml/2006/main" xmlns:r="http://schemas.openxmlformats.org/officeDocument/2006/relationships" xmlns:p="http://schemas.openxmlformats.org/presentationml/2006/main" showMasterPhAnim="0" showMasterSp="0">
   <p:cSld>
     <p:spTree>
       <p:nvGrpSpPr>
@@ -730,7 +723,7 @@
           <p:cNvPr id="63" name="Google Shape;63;p:notes"/>
           <p:cNvSpPr/>
           <p:nvPr>
-            <p:ph idx="2" type="sldImg"/>
+            <p:ph type="sldImg" idx="2"/>
           </p:nvPr>
         </p:nvSpPr>
         <p:spPr>
@@ -739,9 +732,13 @@
             <a:ext cx="6096075" cy="3429000"/>
           </a:xfrm>
           <a:custGeom>
-            <a:rect b="b" l="l" r="r" t="t"/>
+            <a:avLst/>
+            <a:gdLst/>
+            <a:ahLst/>
+            <a:cxnLst/>
+            <a:rect l="l" t="t" r="r" b="b"/>
             <a:pathLst>
-              <a:path extrusionOk="0" h="120000" w="120000">
+              <a:path w="120000" h="120000" extrusionOk="0">
                 <a:moveTo>
                   <a:pt x="0" y="0"/>
                 </a:moveTo>
@@ -765,7 +762,7 @@
           <p:cNvPr id="64" name="Google Shape;64;p:notes"/>
           <p:cNvSpPr txBox="1"/>
           <p:nvPr>
-            <p:ph idx="1" type="body"/>
+            <p:ph type="body" idx="1"/>
           </p:nvPr>
         </p:nvSpPr>
         <p:spPr>
@@ -778,12 +775,12 @@
           </a:prstGeom>
         </p:spPr>
         <p:txBody>
-          <a:bodyPr anchorCtr="0" anchor="t" bIns="91425" lIns="91425" spcFirstLastPara="1" rIns="91425" wrap="square" tIns="91425">
+          <a:bodyPr spcFirstLastPara="1" wrap="square" lIns="91425" tIns="91425" rIns="91425" bIns="91425" anchor="t" anchorCtr="0">
             <a:noAutofit/>
           </a:bodyPr>
           <a:lstStyle/>
           <a:p>
-            <a:pPr indent="0" lvl="0" marL="0" rtl="0" algn="l">
+            <a:pPr marL="0" lvl="0" indent="0" algn="l" rtl="0">
               <a:spcBef>
                 <a:spcPts val="0"/>
               </a:spcBef>
@@ -792,10 +789,6 @@
               </a:spcAft>
               <a:buNone/>
             </a:pPr>
-            <a:r>
-              <a:t/>
-            </a:r>
-            <a:endParaRPr/>
           </a:p>
         </p:txBody>
       </p:sp>
@@ -808,7 +801,7 @@
 </file>
 
 <file path=ppt/notesSlides/notesSlide2.xml><?xml version="1.0" encoding="utf-8"?>
-<p:notes xmlns:a="http://schemas.openxmlformats.org/drawingml/2006/main" xmlns:r="http://schemas.openxmlformats.org/officeDocument/2006/relationships" xmlns:mc="http://schemas.openxmlformats.org/markup-compatibility/2006" xmlns:mv="urn:schemas-microsoft-com:mac:vml" xmlns:p="http://schemas.openxmlformats.org/presentationml/2006/main" xmlns:c="http://schemas.openxmlformats.org/drawingml/2006/chart" xmlns:dgm="http://schemas.openxmlformats.org/drawingml/2006/diagram" xmlns:o="urn:schemas-microsoft-com:office:office" xmlns:v="urn:schemas-microsoft-com:vml" xmlns:pvml="urn:schemas-microsoft-com:office:powerpoint" xmlns:com="http://schemas.openxmlformats.org/drawingml/2006/compatibility" xmlns:p14="http://schemas.microsoft.com/office/powerpoint/2010/main" xmlns:p15="http://schemas.microsoft.com/office/powerpoint/2012/main" xmlns:ahyp="http://schemas.microsoft.com/office/drawing/2018/hyperlinkcolor" showMasterPhAnim="0" showMasterSp="0">
+<p:notes xmlns:a="http://schemas.openxmlformats.org/drawingml/2006/main" xmlns:r="http://schemas.openxmlformats.org/officeDocument/2006/relationships" xmlns:p="http://schemas.openxmlformats.org/presentationml/2006/main" showMasterPhAnim="0" showMasterSp="0">
   <p:cSld>
     <p:spTree>
       <p:nvGrpSpPr>
@@ -829,7 +822,7 @@
           <p:cNvPr id="69" name="Google Shape;69;g30884a1d2d1_0_968:notes"/>
           <p:cNvSpPr/>
           <p:nvPr>
-            <p:ph idx="2" type="sldImg"/>
+            <p:ph type="sldImg" idx="2"/>
           </p:nvPr>
         </p:nvSpPr>
         <p:spPr>
@@ -838,9 +831,13 @@
             <a:ext cx="6096000" cy="3429000"/>
           </a:xfrm>
           <a:custGeom>
-            <a:rect b="b" l="l" r="r" t="t"/>
+            <a:avLst/>
+            <a:gdLst/>
+            <a:ahLst/>
+            <a:cxnLst/>
+            <a:rect l="l" t="t" r="r" b="b"/>
             <a:pathLst>
-              <a:path extrusionOk="0" h="120000" w="120000">
+              <a:path w="120000" h="120000" extrusionOk="0">
                 <a:moveTo>
                   <a:pt x="0" y="0"/>
                 </a:moveTo>
@@ -864,7 +861,7 @@
           <p:cNvPr id="70" name="Google Shape;70;g30884a1d2d1_0_968:notes"/>
           <p:cNvSpPr txBox="1"/>
           <p:nvPr>
-            <p:ph idx="1" type="body"/>
+            <p:ph type="body" idx="1"/>
           </p:nvPr>
         </p:nvSpPr>
         <p:spPr>
@@ -877,12 +874,12 @@
           </a:prstGeom>
         </p:spPr>
         <p:txBody>
-          <a:bodyPr anchorCtr="0" anchor="t" bIns="91425" lIns="91425" spcFirstLastPara="1" rIns="91425" wrap="square" tIns="91425">
+          <a:bodyPr spcFirstLastPara="1" wrap="square" lIns="91425" tIns="91425" rIns="91425" bIns="91425" anchor="t" anchorCtr="0">
             <a:noAutofit/>
           </a:bodyPr>
           <a:lstStyle/>
           <a:p>
-            <a:pPr indent="0" lvl="0" marL="0" rtl="0" algn="l">
+            <a:pPr marL="0" lvl="0" indent="0" algn="l" rtl="0">
               <a:spcBef>
                 <a:spcPts val="0"/>
               </a:spcBef>
@@ -891,10 +888,6 @@
               </a:spcAft>
               <a:buNone/>
             </a:pPr>
-            <a:r>
-              <a:t/>
-            </a:r>
-            <a:endParaRPr/>
           </a:p>
         </p:txBody>
       </p:sp>
@@ -907,7 +900,7 @@
 </file>
 
 <file path=ppt/notesSlides/notesSlide3.xml><?xml version="1.0" encoding="utf-8"?>
-<p:notes xmlns:a="http://schemas.openxmlformats.org/drawingml/2006/main" xmlns:r="http://schemas.openxmlformats.org/officeDocument/2006/relationships" xmlns:mc="http://schemas.openxmlformats.org/markup-compatibility/2006" xmlns:mv="urn:schemas-microsoft-com:mac:vml" xmlns:p="http://schemas.openxmlformats.org/presentationml/2006/main" xmlns:c="http://schemas.openxmlformats.org/drawingml/2006/chart" xmlns:dgm="http://schemas.openxmlformats.org/drawingml/2006/diagram" xmlns:o="urn:schemas-microsoft-com:office:office" xmlns:v="urn:schemas-microsoft-com:vml" xmlns:pvml="urn:schemas-microsoft-com:office:powerpoint" xmlns:com="http://schemas.openxmlformats.org/drawingml/2006/compatibility" xmlns:p14="http://schemas.microsoft.com/office/powerpoint/2010/main" xmlns:p15="http://schemas.microsoft.com/office/powerpoint/2012/main" xmlns:ahyp="http://schemas.microsoft.com/office/drawing/2018/hyperlinkcolor" showMasterPhAnim="0" showMasterSp="0">
+<p:notes xmlns:a="http://schemas.openxmlformats.org/drawingml/2006/main" xmlns:r="http://schemas.openxmlformats.org/officeDocument/2006/relationships" xmlns:p="http://schemas.openxmlformats.org/presentationml/2006/main" showMasterPhAnim="0" showMasterSp="0">
   <p:cSld>
     <p:spTree>
       <p:nvGrpSpPr>
@@ -928,7 +921,7 @@
           <p:cNvPr id="75" name="Google Shape;75;g30884a1d2d1_0_981:notes"/>
           <p:cNvSpPr/>
           <p:nvPr>
-            <p:ph idx="2" type="sldImg"/>
+            <p:ph type="sldImg" idx="2"/>
           </p:nvPr>
         </p:nvSpPr>
         <p:spPr>
@@ -937,9 +930,13 @@
             <a:ext cx="6096000" cy="3429000"/>
           </a:xfrm>
           <a:custGeom>
-            <a:rect b="b" l="l" r="r" t="t"/>
+            <a:avLst/>
+            <a:gdLst/>
+            <a:ahLst/>
+            <a:cxnLst/>
+            <a:rect l="l" t="t" r="r" b="b"/>
             <a:pathLst>
-              <a:path extrusionOk="0" h="120000" w="120000">
+              <a:path w="120000" h="120000" extrusionOk="0">
                 <a:moveTo>
                   <a:pt x="0" y="0"/>
                 </a:moveTo>
@@ -963,7 +960,7 @@
           <p:cNvPr id="76" name="Google Shape;76;g30884a1d2d1_0_981:notes"/>
           <p:cNvSpPr txBox="1"/>
           <p:nvPr>
-            <p:ph idx="1" type="body"/>
+            <p:ph type="body" idx="1"/>
           </p:nvPr>
         </p:nvSpPr>
         <p:spPr>
@@ -976,12 +973,12 @@
           </a:prstGeom>
         </p:spPr>
         <p:txBody>
-          <a:bodyPr anchorCtr="0" anchor="t" bIns="91425" lIns="91425" spcFirstLastPara="1" rIns="91425" wrap="square" tIns="91425">
+          <a:bodyPr spcFirstLastPara="1" wrap="square" lIns="91425" tIns="91425" rIns="91425" bIns="91425" anchor="t" anchorCtr="0">
             <a:noAutofit/>
           </a:bodyPr>
           <a:lstStyle/>
           <a:p>
-            <a:pPr indent="0" lvl="0" marL="0" rtl="0" algn="l">
+            <a:pPr marL="0" lvl="0" indent="0" algn="l" rtl="0">
               <a:spcBef>
                 <a:spcPts val="0"/>
               </a:spcBef>
@@ -990,10 +987,6 @@
               </a:spcAft>
               <a:buNone/>
             </a:pPr>
-            <a:r>
-              <a:t/>
-            </a:r>
-            <a:endParaRPr/>
           </a:p>
         </p:txBody>
       </p:sp>
@@ -1006,7 +999,7 @@
 </file>
 
 <file path=ppt/notesSlides/notesSlide4.xml><?xml version="1.0" encoding="utf-8"?>
-<p:notes xmlns:a="http://schemas.openxmlformats.org/drawingml/2006/main" xmlns:r="http://schemas.openxmlformats.org/officeDocument/2006/relationships" xmlns:mc="http://schemas.openxmlformats.org/markup-compatibility/2006" xmlns:mv="urn:schemas-microsoft-com:mac:vml" xmlns:p="http://schemas.openxmlformats.org/presentationml/2006/main" xmlns:c="http://schemas.openxmlformats.org/drawingml/2006/chart" xmlns:dgm="http://schemas.openxmlformats.org/drawingml/2006/diagram" xmlns:o="urn:schemas-microsoft-com:office:office" xmlns:v="urn:schemas-microsoft-com:vml" xmlns:pvml="urn:schemas-microsoft-com:office:powerpoint" xmlns:com="http://schemas.openxmlformats.org/drawingml/2006/compatibility" xmlns:p14="http://schemas.microsoft.com/office/powerpoint/2010/main" xmlns:p15="http://schemas.microsoft.com/office/powerpoint/2012/main" xmlns:ahyp="http://schemas.microsoft.com/office/drawing/2018/hyperlinkcolor" showMasterPhAnim="0" showMasterSp="0">
+<p:notes xmlns:a="http://schemas.openxmlformats.org/drawingml/2006/main" xmlns:r="http://schemas.openxmlformats.org/officeDocument/2006/relationships" xmlns:p="http://schemas.openxmlformats.org/presentationml/2006/main" showMasterPhAnim="0" showMasterSp="0">
   <p:cSld>
     <p:spTree>
       <p:nvGrpSpPr>
@@ -1027,7 +1020,7 @@
           <p:cNvPr id="81" name="Google Shape;81;g30884a1d2d1_0_987:notes"/>
           <p:cNvSpPr/>
           <p:nvPr>
-            <p:ph idx="2" type="sldImg"/>
+            <p:ph type="sldImg" idx="2"/>
           </p:nvPr>
         </p:nvSpPr>
         <p:spPr>
@@ -1036,9 +1029,13 @@
             <a:ext cx="6096000" cy="3429000"/>
           </a:xfrm>
           <a:custGeom>
-            <a:rect b="b" l="l" r="r" t="t"/>
+            <a:avLst/>
+            <a:gdLst/>
+            <a:ahLst/>
+            <a:cxnLst/>
+            <a:rect l="l" t="t" r="r" b="b"/>
             <a:pathLst>
-              <a:path extrusionOk="0" h="120000" w="120000">
+              <a:path w="120000" h="120000" extrusionOk="0">
                 <a:moveTo>
                   <a:pt x="0" y="0"/>
                 </a:moveTo>
@@ -1062,7 +1059,7 @@
           <p:cNvPr id="82" name="Google Shape;82;g30884a1d2d1_0_987:notes"/>
           <p:cNvSpPr txBox="1"/>
           <p:nvPr>
-            <p:ph idx="1" type="body"/>
+            <p:ph type="body" idx="1"/>
           </p:nvPr>
         </p:nvSpPr>
         <p:spPr>
@@ -1075,12 +1072,12 @@
           </a:prstGeom>
         </p:spPr>
         <p:txBody>
-          <a:bodyPr anchorCtr="0" anchor="t" bIns="91425" lIns="91425" spcFirstLastPara="1" rIns="91425" wrap="square" tIns="91425">
+          <a:bodyPr spcFirstLastPara="1" wrap="square" lIns="91425" tIns="91425" rIns="91425" bIns="91425" anchor="t" anchorCtr="0">
             <a:noAutofit/>
           </a:bodyPr>
           <a:lstStyle/>
           <a:p>
-            <a:pPr indent="0" lvl="0" marL="0" rtl="0" algn="l">
+            <a:pPr marL="0" lvl="0" indent="0" algn="l" rtl="0">
               <a:spcBef>
                 <a:spcPts val="0"/>
               </a:spcBef>
@@ -1089,10 +1086,6 @@
               </a:spcAft>
               <a:buNone/>
             </a:pPr>
-            <a:r>
-              <a:t/>
-            </a:r>
-            <a:endParaRPr/>
           </a:p>
         </p:txBody>
       </p:sp>
@@ -1105,7 +1098,7 @@
 </file>
 
 <file path=ppt/notesSlides/notesSlide5.xml><?xml version="1.0" encoding="utf-8"?>
-<p:notes xmlns:a="http://schemas.openxmlformats.org/drawingml/2006/main" xmlns:r="http://schemas.openxmlformats.org/officeDocument/2006/relationships" xmlns:mc="http://schemas.openxmlformats.org/markup-compatibility/2006" xmlns:mv="urn:schemas-microsoft-com:mac:vml" xmlns:p="http://schemas.openxmlformats.org/presentationml/2006/main" xmlns:c="http://schemas.openxmlformats.org/drawingml/2006/chart" xmlns:dgm="http://schemas.openxmlformats.org/drawingml/2006/diagram" xmlns:o="urn:schemas-microsoft-com:office:office" xmlns:v="urn:schemas-microsoft-com:vml" xmlns:pvml="urn:schemas-microsoft-com:office:powerpoint" xmlns:com="http://schemas.openxmlformats.org/drawingml/2006/compatibility" xmlns:p14="http://schemas.microsoft.com/office/powerpoint/2010/main" xmlns:p15="http://schemas.microsoft.com/office/powerpoint/2012/main" xmlns:ahyp="http://schemas.microsoft.com/office/drawing/2018/hyperlinkcolor" showMasterPhAnim="0" showMasterSp="0">
+<p:notes xmlns:a="http://schemas.openxmlformats.org/drawingml/2006/main" xmlns:r="http://schemas.openxmlformats.org/officeDocument/2006/relationships" xmlns:p="http://schemas.openxmlformats.org/presentationml/2006/main" showMasterPhAnim="0" showMasterSp="0">
   <p:cSld>
     <p:spTree>
       <p:nvGrpSpPr>
@@ -1126,7 +1119,7 @@
           <p:cNvPr id="87" name="Google Shape;87;g30884a1d2d1_0_993:notes"/>
           <p:cNvSpPr/>
           <p:nvPr>
-            <p:ph idx="2" type="sldImg"/>
+            <p:ph type="sldImg" idx="2"/>
           </p:nvPr>
         </p:nvSpPr>
         <p:spPr>
@@ -1135,9 +1128,13 @@
             <a:ext cx="6096000" cy="3429000"/>
           </a:xfrm>
           <a:custGeom>
-            <a:rect b="b" l="l" r="r" t="t"/>
+            <a:avLst/>
+            <a:gdLst/>
+            <a:ahLst/>
+            <a:cxnLst/>
+            <a:rect l="l" t="t" r="r" b="b"/>
             <a:pathLst>
-              <a:path extrusionOk="0" h="120000" w="120000">
+              <a:path w="120000" h="120000" extrusionOk="0">
                 <a:moveTo>
                   <a:pt x="0" y="0"/>
                 </a:moveTo>
@@ -1161,7 +1158,7 @@
           <p:cNvPr id="88" name="Google Shape;88;g30884a1d2d1_0_993:notes"/>
           <p:cNvSpPr txBox="1"/>
           <p:nvPr>
-            <p:ph idx="1" type="body"/>
+            <p:ph type="body" idx="1"/>
           </p:nvPr>
         </p:nvSpPr>
         <p:spPr>
@@ -1174,12 +1171,12 @@
           </a:prstGeom>
         </p:spPr>
         <p:txBody>
-          <a:bodyPr anchorCtr="0" anchor="t" bIns="91425" lIns="91425" spcFirstLastPara="1" rIns="91425" wrap="square" tIns="91425">
+          <a:bodyPr spcFirstLastPara="1" wrap="square" lIns="91425" tIns="91425" rIns="91425" bIns="91425" anchor="t" anchorCtr="0">
             <a:noAutofit/>
           </a:bodyPr>
           <a:lstStyle/>
           <a:p>
-            <a:pPr indent="0" lvl="0" marL="0" rtl="0" algn="l">
+            <a:pPr marL="0" lvl="0" indent="0" algn="l" rtl="0">
               <a:spcBef>
                 <a:spcPts val="0"/>
               </a:spcBef>
@@ -1188,10 +1185,6 @@
               </a:spcAft>
               <a:buNone/>
             </a:pPr>
-            <a:r>
-              <a:t/>
-            </a:r>
-            <a:endParaRPr/>
           </a:p>
         </p:txBody>
       </p:sp>
@@ -1204,7 +1197,7 @@
 </file>
 
 <file path=ppt/notesSlides/notesSlide6.xml><?xml version="1.0" encoding="utf-8"?>
-<p:notes xmlns:a="http://schemas.openxmlformats.org/drawingml/2006/main" xmlns:r="http://schemas.openxmlformats.org/officeDocument/2006/relationships" xmlns:mc="http://schemas.openxmlformats.org/markup-compatibility/2006" xmlns:mv="urn:schemas-microsoft-com:mac:vml" xmlns:p="http://schemas.openxmlformats.org/presentationml/2006/main" xmlns:c="http://schemas.openxmlformats.org/drawingml/2006/chart" xmlns:dgm="http://schemas.openxmlformats.org/drawingml/2006/diagram" xmlns:o="urn:schemas-microsoft-com:office:office" xmlns:v="urn:schemas-microsoft-com:vml" xmlns:pvml="urn:schemas-microsoft-com:office:powerpoint" xmlns:com="http://schemas.openxmlformats.org/drawingml/2006/compatibility" xmlns:p14="http://schemas.microsoft.com/office/powerpoint/2010/main" xmlns:p15="http://schemas.microsoft.com/office/powerpoint/2012/main" xmlns:ahyp="http://schemas.microsoft.com/office/drawing/2018/hyperlinkcolor" showMasterPhAnim="0" showMasterSp="0">
+<p:notes xmlns:a="http://schemas.openxmlformats.org/drawingml/2006/main" xmlns:r="http://schemas.openxmlformats.org/officeDocument/2006/relationships" xmlns:p="http://schemas.openxmlformats.org/presentationml/2006/main" showMasterPhAnim="0" showMasterSp="0">
   <p:cSld>
     <p:spTree>
       <p:nvGrpSpPr>
@@ -1225,7 +1218,7 @@
           <p:cNvPr id="93" name="Google Shape;93;g30884a1d2d1_0_999:notes"/>
           <p:cNvSpPr/>
           <p:nvPr>
-            <p:ph idx="2" type="sldImg"/>
+            <p:ph type="sldImg" idx="2"/>
           </p:nvPr>
         </p:nvSpPr>
         <p:spPr>
@@ -1234,9 +1227,13 @@
             <a:ext cx="6096000" cy="3429000"/>
           </a:xfrm>
           <a:custGeom>
-            <a:rect b="b" l="l" r="r" t="t"/>
+            <a:avLst/>
+            <a:gdLst/>
+            <a:ahLst/>
+            <a:cxnLst/>
+            <a:rect l="l" t="t" r="r" b="b"/>
             <a:pathLst>
-              <a:path extrusionOk="0" h="120000" w="120000">
+              <a:path w="120000" h="120000" extrusionOk="0">
                 <a:moveTo>
                   <a:pt x="0" y="0"/>
                 </a:moveTo>
@@ -1260,7 +1257,7 @@
           <p:cNvPr id="94" name="Google Shape;94;g30884a1d2d1_0_999:notes"/>
           <p:cNvSpPr txBox="1"/>
           <p:nvPr>
-            <p:ph idx="1" type="body"/>
+            <p:ph type="body" idx="1"/>
           </p:nvPr>
         </p:nvSpPr>
         <p:spPr>
@@ -1273,12 +1270,12 @@
           </a:prstGeom>
         </p:spPr>
         <p:txBody>
-          <a:bodyPr anchorCtr="0" anchor="t" bIns="91425" lIns="91425" spcFirstLastPara="1" rIns="91425" wrap="square" tIns="91425">
+          <a:bodyPr spcFirstLastPara="1" wrap="square" lIns="91425" tIns="91425" rIns="91425" bIns="91425" anchor="t" anchorCtr="0">
             <a:noAutofit/>
           </a:bodyPr>
           <a:lstStyle/>
           <a:p>
-            <a:pPr indent="0" lvl="0" marL="0" rtl="0" algn="l">
+            <a:pPr marL="0" lvl="0" indent="0" algn="l" rtl="0">
               <a:spcBef>
                 <a:spcPts val="0"/>
               </a:spcBef>
@@ -1287,10 +1284,6 @@
               </a:spcAft>
               <a:buNone/>
             </a:pPr>
-            <a:r>
-              <a:t/>
-            </a:r>
-            <a:endParaRPr/>
           </a:p>
         </p:txBody>
       </p:sp>
@@ -1303,7 +1296,7 @@
 </file>
 
 <file path=ppt/notesSlides/notesSlide7.xml><?xml version="1.0" encoding="utf-8"?>
-<p:notes xmlns:a="http://schemas.openxmlformats.org/drawingml/2006/main" xmlns:r="http://schemas.openxmlformats.org/officeDocument/2006/relationships" xmlns:mc="http://schemas.openxmlformats.org/markup-compatibility/2006" xmlns:mv="urn:schemas-microsoft-com:mac:vml" xmlns:p="http://schemas.openxmlformats.org/presentationml/2006/main" xmlns:c="http://schemas.openxmlformats.org/drawingml/2006/chart" xmlns:dgm="http://schemas.openxmlformats.org/drawingml/2006/diagram" xmlns:o="urn:schemas-microsoft-com:office:office" xmlns:v="urn:schemas-microsoft-com:vml" xmlns:pvml="urn:schemas-microsoft-com:office:powerpoint" xmlns:com="http://schemas.openxmlformats.org/drawingml/2006/compatibility" xmlns:p14="http://schemas.microsoft.com/office/powerpoint/2010/main" xmlns:p15="http://schemas.microsoft.com/office/powerpoint/2012/main" xmlns:ahyp="http://schemas.microsoft.com/office/drawing/2018/hyperlinkcolor" showMasterPhAnim="0" showMasterSp="0">
+<p:notes xmlns:a="http://schemas.openxmlformats.org/drawingml/2006/main" xmlns:r="http://schemas.openxmlformats.org/officeDocument/2006/relationships" xmlns:p="http://schemas.openxmlformats.org/presentationml/2006/main" showMasterPhAnim="0" showMasterSp="0">
   <p:cSld>
     <p:spTree>
       <p:nvGrpSpPr>
@@ -1324,7 +1317,7 @@
           <p:cNvPr id="99" name="Google Shape;99;g30884a1d2d1_0_1005:notes"/>
           <p:cNvSpPr/>
           <p:nvPr>
-            <p:ph idx="2" type="sldImg"/>
+            <p:ph type="sldImg" idx="2"/>
           </p:nvPr>
         </p:nvSpPr>
         <p:spPr>
@@ -1333,9 +1326,13 @@
             <a:ext cx="6096000" cy="3429000"/>
           </a:xfrm>
           <a:custGeom>
-            <a:rect b="b" l="l" r="r" t="t"/>
+            <a:avLst/>
+            <a:gdLst/>
+            <a:ahLst/>
+            <a:cxnLst/>
+            <a:rect l="l" t="t" r="r" b="b"/>
             <a:pathLst>
-              <a:path extrusionOk="0" h="120000" w="120000">
+              <a:path w="120000" h="120000" extrusionOk="0">
                 <a:moveTo>
                   <a:pt x="0" y="0"/>
                 </a:moveTo>
@@ -1359,7 +1356,7 @@
           <p:cNvPr id="100" name="Google Shape;100;g30884a1d2d1_0_1005:notes"/>
           <p:cNvSpPr txBox="1"/>
           <p:nvPr>
-            <p:ph idx="1" type="body"/>
+            <p:ph type="body" idx="1"/>
           </p:nvPr>
         </p:nvSpPr>
         <p:spPr>
@@ -1372,12 +1369,12 @@
           </a:prstGeom>
         </p:spPr>
         <p:txBody>
-          <a:bodyPr anchorCtr="0" anchor="t" bIns="91425" lIns="91425" spcFirstLastPara="1" rIns="91425" wrap="square" tIns="91425">
+          <a:bodyPr spcFirstLastPara="1" wrap="square" lIns="91425" tIns="91425" rIns="91425" bIns="91425" anchor="t" anchorCtr="0">
             <a:noAutofit/>
           </a:bodyPr>
           <a:lstStyle/>
           <a:p>
-            <a:pPr indent="0" lvl="0" marL="0" rtl="0" algn="l">
+            <a:pPr marL="0" lvl="0" indent="0" algn="l" rtl="0">
               <a:spcBef>
                 <a:spcPts val="0"/>
               </a:spcBef>
@@ -1386,10 +1383,6 @@
               </a:spcAft>
               <a:buNone/>
             </a:pPr>
-            <a:r>
-              <a:t/>
-            </a:r>
-            <a:endParaRPr/>
           </a:p>
         </p:txBody>
       </p:sp>
@@ -1402,7 +1395,7 @@
 </file>
 
 <file path=ppt/notesSlides/notesSlide8.xml><?xml version="1.0" encoding="utf-8"?>
-<p:notes xmlns:a="http://schemas.openxmlformats.org/drawingml/2006/main" xmlns:r="http://schemas.openxmlformats.org/officeDocument/2006/relationships" xmlns:mc="http://schemas.openxmlformats.org/markup-compatibility/2006" xmlns:mv="urn:schemas-microsoft-com:mac:vml" xmlns:p="http://schemas.openxmlformats.org/presentationml/2006/main" xmlns:c="http://schemas.openxmlformats.org/drawingml/2006/chart" xmlns:dgm="http://schemas.openxmlformats.org/drawingml/2006/diagram" xmlns:o="urn:schemas-microsoft-com:office:office" xmlns:v="urn:schemas-microsoft-com:vml" xmlns:pvml="urn:schemas-microsoft-com:office:powerpoint" xmlns:com="http://schemas.openxmlformats.org/drawingml/2006/compatibility" xmlns:p14="http://schemas.microsoft.com/office/powerpoint/2010/main" xmlns:p15="http://schemas.microsoft.com/office/powerpoint/2012/main" xmlns:ahyp="http://schemas.microsoft.com/office/drawing/2018/hyperlinkcolor" showMasterPhAnim="0" showMasterSp="0">
+<p:notes xmlns:a="http://schemas.openxmlformats.org/drawingml/2006/main" xmlns:r="http://schemas.openxmlformats.org/officeDocument/2006/relationships" xmlns:p="http://schemas.openxmlformats.org/presentationml/2006/main" showMasterPhAnim="0" showMasterSp="0">
   <p:cSld>
     <p:spTree>
       <p:nvGrpSpPr>
@@ -1423,7 +1416,7 @@
           <p:cNvPr id="105" name="Google Shape;105;g30884a1d2d1_0_1010:notes"/>
           <p:cNvSpPr/>
           <p:nvPr>
-            <p:ph idx="2" type="sldImg"/>
+            <p:ph type="sldImg" idx="2"/>
           </p:nvPr>
         </p:nvSpPr>
         <p:spPr>
@@ -1432,9 +1425,13 @@
             <a:ext cx="6096000" cy="3429000"/>
           </a:xfrm>
           <a:custGeom>
-            <a:rect b="b" l="l" r="r" t="t"/>
+            <a:avLst/>
+            <a:gdLst/>
+            <a:ahLst/>
+            <a:cxnLst/>
+            <a:rect l="l" t="t" r="r" b="b"/>
             <a:pathLst>
-              <a:path extrusionOk="0" h="120000" w="120000">
+              <a:path w="120000" h="120000" extrusionOk="0">
                 <a:moveTo>
                   <a:pt x="0" y="0"/>
                 </a:moveTo>
@@ -1458,7 +1455,7 @@
           <p:cNvPr id="106" name="Google Shape;106;g30884a1d2d1_0_1010:notes"/>
           <p:cNvSpPr txBox="1"/>
           <p:nvPr>
-            <p:ph idx="1" type="body"/>
+            <p:ph type="body" idx="1"/>
           </p:nvPr>
         </p:nvSpPr>
         <p:spPr>
@@ -1471,12 +1468,12 @@
           </a:prstGeom>
         </p:spPr>
         <p:txBody>
-          <a:bodyPr anchorCtr="0" anchor="t" bIns="91425" lIns="91425" spcFirstLastPara="1" rIns="91425" wrap="square" tIns="91425">
+          <a:bodyPr spcFirstLastPara="1" wrap="square" lIns="91425" tIns="91425" rIns="91425" bIns="91425" anchor="t" anchorCtr="0">
             <a:noAutofit/>
           </a:bodyPr>
           <a:lstStyle/>
           <a:p>
-            <a:pPr indent="0" lvl="0" marL="0" rtl="0" algn="l">
+            <a:pPr marL="0" lvl="0" indent="0" algn="l" rtl="0">
               <a:spcBef>
                 <a:spcPts val="0"/>
               </a:spcBef>
@@ -1485,10 +1482,6 @@
               </a:spcAft>
               <a:buNone/>
             </a:pPr>
-            <a:r>
-              <a:t/>
-            </a:r>
-            <a:endParaRPr/>
           </a:p>
         </p:txBody>
       </p:sp>
@@ -1501,7 +1494,7 @@
 </file>
 
 <file path=ppt/notesSlides/notesSlide9.xml><?xml version="1.0" encoding="utf-8"?>
-<p:notes xmlns:a="http://schemas.openxmlformats.org/drawingml/2006/main" xmlns:r="http://schemas.openxmlformats.org/officeDocument/2006/relationships" xmlns:mc="http://schemas.openxmlformats.org/markup-compatibility/2006" xmlns:mv="urn:schemas-microsoft-com:mac:vml" xmlns:p="http://schemas.openxmlformats.org/presentationml/2006/main" xmlns:c="http://schemas.openxmlformats.org/drawingml/2006/chart" xmlns:dgm="http://schemas.openxmlformats.org/drawingml/2006/diagram" xmlns:o="urn:schemas-microsoft-com:office:office" xmlns:v="urn:schemas-microsoft-com:vml" xmlns:pvml="urn:schemas-microsoft-com:office:powerpoint" xmlns:com="http://schemas.openxmlformats.org/drawingml/2006/compatibility" xmlns:p14="http://schemas.microsoft.com/office/powerpoint/2010/main" xmlns:p15="http://schemas.microsoft.com/office/powerpoint/2012/main" xmlns:ahyp="http://schemas.microsoft.com/office/drawing/2018/hyperlinkcolor" showMasterPhAnim="0" showMasterSp="0">
+<p:notes xmlns:a="http://schemas.openxmlformats.org/drawingml/2006/main" xmlns:r="http://schemas.openxmlformats.org/officeDocument/2006/relationships" xmlns:p="http://schemas.openxmlformats.org/presentationml/2006/main" showMasterPhAnim="0" showMasterSp="0">
   <p:cSld>
     <p:spTree>
       <p:nvGrpSpPr>
@@ -1522,7 +1515,7 @@
           <p:cNvPr id="111" name="Google Shape;111;g30884a1d2d1_0_1016:notes"/>
           <p:cNvSpPr/>
           <p:nvPr>
-            <p:ph idx="2" type="sldImg"/>
+            <p:ph type="sldImg" idx="2"/>
           </p:nvPr>
         </p:nvSpPr>
         <p:spPr>
@@ -1531,9 +1524,13 @@
             <a:ext cx="6096000" cy="3429000"/>
           </a:xfrm>
           <a:custGeom>
-            <a:rect b="b" l="l" r="r" t="t"/>
+            <a:avLst/>
+            <a:gdLst/>
+            <a:ahLst/>
+            <a:cxnLst/>
+            <a:rect l="l" t="t" r="r" b="b"/>
             <a:pathLst>
-              <a:path extrusionOk="0" h="120000" w="120000">
+              <a:path w="120000" h="120000" extrusionOk="0">
                 <a:moveTo>
                   <a:pt x="0" y="0"/>
                 </a:moveTo>
@@ -1557,7 +1554,7 @@
           <p:cNvPr id="112" name="Google Shape;112;g30884a1d2d1_0_1016:notes"/>
           <p:cNvSpPr txBox="1"/>
           <p:nvPr>
-            <p:ph idx="1" type="body"/>
+            <p:ph type="body" idx="1"/>
           </p:nvPr>
         </p:nvSpPr>
         <p:spPr>
@@ -1570,12 +1567,12 @@
           </a:prstGeom>
         </p:spPr>
         <p:txBody>
-          <a:bodyPr anchorCtr="0" anchor="t" bIns="91425" lIns="91425" spcFirstLastPara="1" rIns="91425" wrap="square" tIns="91425">
+          <a:bodyPr spcFirstLastPara="1" wrap="square" lIns="91425" tIns="91425" rIns="91425" bIns="91425" anchor="t" anchorCtr="0">
             <a:noAutofit/>
           </a:bodyPr>
           <a:lstStyle/>
           <a:p>
-            <a:pPr indent="0" lvl="0" marL="0" rtl="0" algn="l">
+            <a:pPr marL="0" lvl="0" indent="0" algn="l" rtl="0">
               <a:spcBef>
                 <a:spcPts val="0"/>
               </a:spcBef>
@@ -1584,10 +1581,6 @@
               </a:spcAft>
               <a:buNone/>
             </a:pPr>
-            <a:r>
-              <a:t/>
-            </a:r>
-            <a:endParaRPr/>
           </a:p>
         </p:txBody>
       </p:sp>
@@ -1600,7 +1593,7 @@
 </file>
 
 <file path=ppt/slideLayouts/slideLayout1.xml><?xml version="1.0" encoding="utf-8"?>
-<p:sldLayout xmlns:a="http://schemas.openxmlformats.org/drawingml/2006/main" xmlns:r="http://schemas.openxmlformats.org/officeDocument/2006/relationships" xmlns:mc="http://schemas.openxmlformats.org/markup-compatibility/2006" xmlns:mv="urn:schemas-microsoft-com:mac:vml" xmlns:p="http://schemas.openxmlformats.org/presentationml/2006/main" xmlns:c="http://schemas.openxmlformats.org/drawingml/2006/chart" xmlns:dgm="http://schemas.openxmlformats.org/drawingml/2006/diagram" xmlns:o="urn:schemas-microsoft-com:office:office" xmlns:v="urn:schemas-microsoft-com:vml" xmlns:pvml="urn:schemas-microsoft-com:office:powerpoint" xmlns:com="http://schemas.openxmlformats.org/drawingml/2006/compatibility" xmlns:p14="http://schemas.microsoft.com/office/powerpoint/2010/main" xmlns:p15="http://schemas.microsoft.com/office/powerpoint/2012/main" xmlns:ahyp="http://schemas.microsoft.com/office/drawing/2018/hyperlinkcolor" matchingName="Title slide" type="title">
+<p:sldLayout xmlns:a="http://schemas.openxmlformats.org/drawingml/2006/main" xmlns:r="http://schemas.openxmlformats.org/officeDocument/2006/relationships" xmlns:p="http://schemas.openxmlformats.org/presentationml/2006/main" type="title" matchingName="Title slide">
   <p:cSld name="TITLE">
     <p:spTree>
       <p:nvGrpSpPr>
@@ -1631,14 +1624,14 @@
             <a:avLst/>
           </a:prstGeom>
           <a:noFill/>
-          <a:ln cap="flat" cmpd="sng" w="76200">
+          <a:ln w="76200" cap="flat" cmpd="sng">
             <a:solidFill>
               <a:schemeClr val="lt2"/>
             </a:solidFill>
             <a:prstDash val="solid"/>
             <a:round/>
-            <a:headEnd len="sm" w="sm" type="none"/>
-            <a:tailEnd len="sm" w="sm" type="none"/>
+            <a:headEnd type="none" w="sm" len="sm"/>
+            <a:tailEnd type="none" w="sm" len="sm"/>
           </a:ln>
         </p:spPr>
       </p:cxnSp>
@@ -1657,14 +1650,14 @@
             <a:avLst/>
           </a:prstGeom>
           <a:noFill/>
-          <a:ln cap="flat" cmpd="sng" w="76200">
+          <a:ln w="76200" cap="flat" cmpd="sng">
             <a:solidFill>
               <a:schemeClr val="lt2"/>
             </a:solidFill>
             <a:prstDash val="solid"/>
             <a:round/>
-            <a:headEnd len="sm" w="sm" type="none"/>
-            <a:tailEnd len="sm" w="sm" type="none"/>
+            <a:headEnd type="none" w="sm" len="sm"/>
+            <a:tailEnd type="none" w="sm" len="sm"/>
           </a:ln>
         </p:spPr>
       </p:cxnSp>
@@ -1697,14 +1690,14 @@
               <a:avLst/>
             </a:prstGeom>
             <a:noFill/>
-            <a:ln cap="flat" cmpd="sng" w="76200">
+            <a:ln w="76200" cap="flat" cmpd="sng">
               <a:solidFill>
                 <a:schemeClr val="accent3"/>
               </a:solidFill>
               <a:prstDash val="solid"/>
               <a:round/>
-              <a:headEnd len="sm" w="sm" type="none"/>
-              <a:tailEnd len="sm" w="sm" type="none"/>
+              <a:headEnd type="none" w="sm" len="sm"/>
+              <a:tailEnd type="none" w="sm" len="sm"/>
             </a:ln>
           </p:spPr>
         </p:cxnSp>
@@ -1723,14 +1716,14 @@
               <a:avLst/>
             </a:prstGeom>
             <a:noFill/>
-            <a:ln cap="flat" cmpd="sng" w="9525">
+            <a:ln w="9525" cap="flat" cmpd="sng">
               <a:solidFill>
                 <a:schemeClr val="accent3"/>
               </a:solidFill>
               <a:prstDash val="solid"/>
               <a:round/>
-              <a:headEnd len="sm" w="sm" type="none"/>
-              <a:tailEnd len="sm" w="sm" type="none"/>
+              <a:headEnd type="none" w="sm" len="sm"/>
+              <a:tailEnd type="none" w="sm" len="sm"/>
             </a:ln>
           </p:spPr>
         </p:cxnSp>
@@ -1764,14 +1757,14 @@
               <a:avLst/>
             </a:prstGeom>
             <a:noFill/>
-            <a:ln cap="flat" cmpd="sng" w="76200">
+            <a:ln w="76200" cap="flat" cmpd="sng">
               <a:solidFill>
                 <a:schemeClr val="accent3"/>
               </a:solidFill>
               <a:prstDash val="solid"/>
               <a:round/>
-              <a:headEnd len="sm" w="sm" type="none"/>
-              <a:tailEnd len="sm" w="sm" type="none"/>
+              <a:headEnd type="none" w="sm" len="sm"/>
+              <a:tailEnd type="none" w="sm" len="sm"/>
             </a:ln>
           </p:spPr>
         </p:cxnSp>
@@ -1790,14 +1783,14 @@
               <a:avLst/>
             </a:prstGeom>
             <a:noFill/>
-            <a:ln cap="flat" cmpd="sng" w="9525">
+            <a:ln w="9525" cap="flat" cmpd="sng">
               <a:solidFill>
                 <a:schemeClr val="accent3"/>
               </a:solidFill>
               <a:prstDash val="solid"/>
               <a:round/>
-              <a:headEnd len="sm" w="sm" type="none"/>
-              <a:tailEnd len="sm" w="sm" type="none"/>
+              <a:headEnd type="none" w="sm" len="sm"/>
+              <a:tailEnd type="none" w="sm" len="sm"/>
             </a:ln>
           </p:spPr>
         </p:cxnSp>
@@ -1820,7 +1813,7 @@
           </a:prstGeom>
         </p:spPr>
         <p:txBody>
-          <a:bodyPr anchorCtr="0" anchor="b" bIns="91425" lIns="91425" spcFirstLastPara="1" rIns="91425" wrap="square" tIns="91425">
+          <a:bodyPr spcFirstLastPara="1" wrap="square" lIns="91425" tIns="91425" rIns="91425" bIns="91425" anchor="b" anchorCtr="0">
             <a:normAutofit/>
           </a:bodyPr>
           <a:lstStyle>
@@ -1932,7 +1925,7 @@
           <p:cNvPr id="19" name="Google Shape;19;p2"/>
           <p:cNvSpPr txBox="1"/>
           <p:nvPr>
-            <p:ph idx="1" type="subTitle"/>
+            <p:ph type="subTitle" idx="1"/>
           </p:nvPr>
         </p:nvSpPr>
         <p:spPr>
@@ -1945,7 +1938,7 @@
           </a:prstGeom>
         </p:spPr>
         <p:txBody>
-          <a:bodyPr anchorCtr="0" anchor="t" bIns="91425" lIns="91425" spcFirstLastPara="1" rIns="91425" wrap="square" tIns="91425">
+          <a:bodyPr spcFirstLastPara="1" wrap="square" lIns="91425" tIns="91425" rIns="91425" bIns="91425" anchor="t" anchorCtr="0">
             <a:normAutofit/>
           </a:bodyPr>
           <a:lstStyle>
@@ -2084,7 +2077,7 @@
           <p:cNvPr id="20" name="Google Shape;20;p2"/>
           <p:cNvSpPr txBox="1"/>
           <p:nvPr>
-            <p:ph idx="12" type="sldNum"/>
+            <p:ph type="sldNum" idx="12"/>
           </p:nvPr>
         </p:nvSpPr>
         <p:spPr>
@@ -2097,7 +2090,7 @@
           </a:prstGeom>
         </p:spPr>
         <p:txBody>
-          <a:bodyPr anchorCtr="0" anchor="ctr" bIns="91425" lIns="91425" spcFirstLastPara="1" rIns="91425" wrap="square" tIns="91425">
+          <a:bodyPr spcFirstLastPara="1" wrap="square" lIns="91425" tIns="91425" rIns="91425" bIns="91425" anchor="ctr" anchorCtr="0">
             <a:normAutofit/>
           </a:bodyPr>
           <a:lstStyle>
@@ -2139,7 +2132,7 @@
             </a:lvl9pPr>
           </a:lstStyle>
           <a:p>
-            <a:pPr indent="0" lvl="0" marL="0" rtl="0" algn="r">
+            <a:pPr marL="0" lvl="0" indent="0" algn="r" rtl="0">
               <a:spcBef>
                 <a:spcPts val="0"/>
               </a:spcBef>
@@ -2150,9 +2143,8 @@
             </a:pPr>
             <a:fld id="{00000000-1234-1234-1234-123412341234}" type="slidenum">
               <a:rPr lang="en-GB"/>
-              <a:t>‹#›</a:t>
             </a:fld>
-            <a:endParaRPr/>
+            <a:endParaRPr lang="en-GB"/>
           </a:p>
         </p:txBody>
       </p:sp>
@@ -2165,7 +2157,7 @@
 </file>
 
 <file path=ppt/slideLayouts/slideLayout10.xml><?xml version="1.0" encoding="utf-8"?>
-<p:sldLayout xmlns:a="http://schemas.openxmlformats.org/drawingml/2006/main" xmlns:r="http://schemas.openxmlformats.org/officeDocument/2006/relationships" xmlns:mc="http://schemas.openxmlformats.org/markup-compatibility/2006" xmlns:mv="urn:schemas-microsoft-com:mac:vml" xmlns:p="http://schemas.openxmlformats.org/presentationml/2006/main" xmlns:c="http://schemas.openxmlformats.org/drawingml/2006/chart" xmlns:dgm="http://schemas.openxmlformats.org/drawingml/2006/diagram" xmlns:o="urn:schemas-microsoft-com:office:office" xmlns:v="urn:schemas-microsoft-com:vml" xmlns:pvml="urn:schemas-microsoft-com:office:powerpoint" xmlns:com="http://schemas.openxmlformats.org/drawingml/2006/compatibility" xmlns:p14="http://schemas.microsoft.com/office/powerpoint/2010/main" xmlns:p15="http://schemas.microsoft.com/office/powerpoint/2012/main" xmlns:ahyp="http://schemas.microsoft.com/office/drawing/2018/hyperlinkcolor" matchingName="Big number">
+<p:sldLayout xmlns:a="http://schemas.openxmlformats.org/drawingml/2006/main" xmlns:r="http://schemas.openxmlformats.org/officeDocument/2006/relationships" xmlns:p="http://schemas.openxmlformats.org/presentationml/2006/main" matchingName="Big number">
   <p:cSld name="BIG_NUMBER">
     <p:spTree>
       <p:nvGrpSpPr>
@@ -2203,12 +2195,12 @@
           </a:ln>
         </p:spPr>
         <p:txBody>
-          <a:bodyPr anchorCtr="0" anchor="ctr" bIns="91425" lIns="91425" spcFirstLastPara="1" rIns="91425" wrap="square" tIns="91425">
+          <a:bodyPr spcFirstLastPara="1" wrap="square" lIns="91425" tIns="91425" rIns="91425" bIns="91425" anchor="ctr" anchorCtr="0">
             <a:noAutofit/>
           </a:bodyPr>
           <a:lstStyle/>
           <a:p>
-            <a:pPr indent="0" lvl="0" marL="0" rtl="0" algn="l">
+            <a:pPr marL="0" lvl="0" indent="0" algn="l" rtl="0">
               <a:spcBef>
                 <a:spcPts val="0"/>
               </a:spcBef>
@@ -2217,10 +2209,6 @@
               </a:spcAft>
               <a:buNone/>
             </a:pPr>
-            <a:r>
-              <a:t/>
-            </a:r>
-            <a:endParaRPr/>
           </a:p>
         </p:txBody>
       </p:sp>
@@ -2229,7 +2217,7 @@
           <p:cNvPr id="57" name="Google Shape;57;p11"/>
           <p:cNvSpPr txBox="1"/>
           <p:nvPr>
-            <p:ph hasCustomPrompt="1" type="title"/>
+            <p:ph type="title" hasCustomPrompt="1"/>
           </p:nvPr>
         </p:nvSpPr>
         <p:spPr>
@@ -2242,7 +2230,7 @@
           </a:prstGeom>
         </p:spPr>
         <p:txBody>
-          <a:bodyPr anchorCtr="0" anchor="ctr" bIns="91425" lIns="91425" spcFirstLastPara="1" rIns="91425" wrap="square" tIns="91425">
+          <a:bodyPr spcFirstLastPara="1" wrap="square" lIns="91425" tIns="91425" rIns="91425" bIns="91425" anchor="ctr" anchorCtr="0">
             <a:normAutofit/>
           </a:bodyPr>
           <a:lstStyle>
@@ -2421,7 +2409,7 @@
           <p:cNvPr id="58" name="Google Shape;58;p11"/>
           <p:cNvSpPr txBox="1"/>
           <p:nvPr>
-            <p:ph idx="1" type="body"/>
+            <p:ph type="body" idx="1"/>
           </p:nvPr>
         </p:nvSpPr>
         <p:spPr>
@@ -2434,11 +2422,11 @@
           </a:prstGeom>
         </p:spPr>
         <p:txBody>
-          <a:bodyPr anchorCtr="0" anchor="t" bIns="91425" lIns="91425" spcFirstLastPara="1" rIns="91425" wrap="square" tIns="91425">
+          <a:bodyPr spcFirstLastPara="1" wrap="square" lIns="91425" tIns="91425" rIns="91425" bIns="91425" anchor="t" anchorCtr="0">
             <a:normAutofit/>
           </a:bodyPr>
           <a:lstStyle>
-            <a:lvl1pPr indent="-342900" lvl="0" marL="457200" algn="ctr">
+            <a:lvl1pPr marL="457200" lvl="0" indent="-342900" algn="ctr">
               <a:spcBef>
                 <a:spcPts val="0"/>
               </a:spcBef>
@@ -2449,7 +2437,7 @@
               <a:buChar char="●"/>
               <a:defRPr/>
             </a:lvl1pPr>
-            <a:lvl2pPr indent="-317500" lvl="1" marL="914400" algn="ctr">
+            <a:lvl2pPr marL="914400" lvl="1" indent="-317500" algn="ctr">
               <a:spcBef>
                 <a:spcPts val="0"/>
               </a:spcBef>
@@ -2460,7 +2448,7 @@
               <a:buChar char="○"/>
               <a:defRPr/>
             </a:lvl2pPr>
-            <a:lvl3pPr indent="-317500" lvl="2" marL="1371600" algn="ctr">
+            <a:lvl3pPr marL="1371600" lvl="2" indent="-317500" algn="ctr">
               <a:spcBef>
                 <a:spcPts val="0"/>
               </a:spcBef>
@@ -2471,7 +2459,7 @@
               <a:buChar char="■"/>
               <a:defRPr/>
             </a:lvl3pPr>
-            <a:lvl4pPr indent="-317500" lvl="3" marL="1828800" algn="ctr">
+            <a:lvl4pPr marL="1828800" lvl="3" indent="-317500" algn="ctr">
               <a:spcBef>
                 <a:spcPts val="0"/>
               </a:spcBef>
@@ -2482,7 +2470,7 @@
               <a:buChar char="●"/>
               <a:defRPr/>
             </a:lvl4pPr>
-            <a:lvl5pPr indent="-317500" lvl="4" marL="2286000" algn="ctr">
+            <a:lvl5pPr marL="2286000" lvl="4" indent="-317500" algn="ctr">
               <a:spcBef>
                 <a:spcPts val="0"/>
               </a:spcBef>
@@ -2493,7 +2481,7 @@
               <a:buChar char="○"/>
               <a:defRPr/>
             </a:lvl5pPr>
-            <a:lvl6pPr indent="-317500" lvl="5" marL="2743200" algn="ctr">
+            <a:lvl6pPr marL="2743200" lvl="5" indent="-317500" algn="ctr">
               <a:spcBef>
                 <a:spcPts val="0"/>
               </a:spcBef>
@@ -2504,7 +2492,7 @@
               <a:buChar char="■"/>
               <a:defRPr/>
             </a:lvl6pPr>
-            <a:lvl7pPr indent="-317500" lvl="6" marL="3200400" algn="ctr">
+            <a:lvl7pPr marL="3200400" lvl="6" indent="-317500" algn="ctr">
               <a:spcBef>
                 <a:spcPts val="0"/>
               </a:spcBef>
@@ -2515,7 +2503,7 @@
               <a:buChar char="●"/>
               <a:defRPr/>
             </a:lvl7pPr>
-            <a:lvl8pPr indent="-317500" lvl="7" marL="3657600" algn="ctr">
+            <a:lvl8pPr marL="3657600" lvl="7" indent="-317500" algn="ctr">
               <a:spcBef>
                 <a:spcPts val="0"/>
               </a:spcBef>
@@ -2526,7 +2514,7 @@
               <a:buChar char="○"/>
               <a:defRPr/>
             </a:lvl8pPr>
-            <a:lvl9pPr indent="-317500" lvl="8" marL="4114800" algn="ctr">
+            <a:lvl9pPr marL="4114800" lvl="8" indent="-317500" algn="ctr">
               <a:spcBef>
                 <a:spcPts val="0"/>
               </a:spcBef>
@@ -2546,7 +2534,7 @@
           <p:cNvPr id="59" name="Google Shape;59;p11"/>
           <p:cNvSpPr txBox="1"/>
           <p:nvPr>
-            <p:ph idx="12" type="sldNum"/>
+            <p:ph type="sldNum" idx="12"/>
           </p:nvPr>
         </p:nvSpPr>
         <p:spPr>
@@ -2559,7 +2547,7 @@
           </a:prstGeom>
         </p:spPr>
         <p:txBody>
-          <a:bodyPr anchorCtr="0" anchor="ctr" bIns="91425" lIns="91425" spcFirstLastPara="1" rIns="91425" wrap="square" tIns="91425">
+          <a:bodyPr spcFirstLastPara="1" wrap="square" lIns="91425" tIns="91425" rIns="91425" bIns="91425" anchor="ctr" anchorCtr="0">
             <a:normAutofit/>
           </a:bodyPr>
           <a:lstStyle>
@@ -2601,7 +2589,7 @@
             </a:lvl9pPr>
           </a:lstStyle>
           <a:p>
-            <a:pPr indent="0" lvl="0" marL="0" rtl="0" algn="r">
+            <a:pPr marL="0" lvl="0" indent="0" algn="r" rtl="0">
               <a:spcBef>
                 <a:spcPts val="0"/>
               </a:spcBef>
@@ -2612,9 +2600,8 @@
             </a:pPr>
             <a:fld id="{00000000-1234-1234-1234-123412341234}" type="slidenum">
               <a:rPr lang="en-GB"/>
-              <a:t>‹#›</a:t>
             </a:fld>
-            <a:endParaRPr/>
+            <a:endParaRPr lang="en-GB"/>
           </a:p>
         </p:txBody>
       </p:sp>
@@ -2627,7 +2614,7 @@
 </file>
 
 <file path=ppt/slideLayouts/slideLayout11.xml><?xml version="1.0" encoding="utf-8"?>
-<p:sldLayout xmlns:a="http://schemas.openxmlformats.org/drawingml/2006/main" xmlns:r="http://schemas.openxmlformats.org/officeDocument/2006/relationships" xmlns:mc="http://schemas.openxmlformats.org/markup-compatibility/2006" xmlns:mv="urn:schemas-microsoft-com:mac:vml" xmlns:p="http://schemas.openxmlformats.org/presentationml/2006/main" xmlns:c="http://schemas.openxmlformats.org/drawingml/2006/chart" xmlns:dgm="http://schemas.openxmlformats.org/drawingml/2006/diagram" xmlns:o="urn:schemas-microsoft-com:office:office" xmlns:v="urn:schemas-microsoft-com:vml" xmlns:pvml="urn:schemas-microsoft-com:office:powerpoint" xmlns:com="http://schemas.openxmlformats.org/drawingml/2006/compatibility" xmlns:p14="http://schemas.microsoft.com/office/powerpoint/2010/main" xmlns:p15="http://schemas.microsoft.com/office/powerpoint/2012/main" xmlns:ahyp="http://schemas.microsoft.com/office/drawing/2018/hyperlinkcolor" matchingName="Blank" type="blank">
+<p:sldLayout xmlns:a="http://schemas.openxmlformats.org/drawingml/2006/main" xmlns:r="http://schemas.openxmlformats.org/officeDocument/2006/relationships" xmlns:p="http://schemas.openxmlformats.org/presentationml/2006/main" type="blank" matchingName="Blank">
   <p:cSld name="BLANK">
     <p:spTree>
       <p:nvGrpSpPr>
@@ -2648,7 +2635,7 @@
           <p:cNvPr id="61" name="Google Shape;61;p12"/>
           <p:cNvSpPr txBox="1"/>
           <p:nvPr>
-            <p:ph idx="12" type="sldNum"/>
+            <p:ph type="sldNum" idx="12"/>
           </p:nvPr>
         </p:nvSpPr>
         <p:spPr>
@@ -2661,7 +2648,7 @@
           </a:prstGeom>
         </p:spPr>
         <p:txBody>
-          <a:bodyPr anchorCtr="0" anchor="ctr" bIns="91425" lIns="91425" spcFirstLastPara="1" rIns="91425" wrap="square" tIns="91425">
+          <a:bodyPr spcFirstLastPara="1" wrap="square" lIns="91425" tIns="91425" rIns="91425" bIns="91425" anchor="ctr" anchorCtr="0">
             <a:normAutofit/>
           </a:bodyPr>
           <a:lstStyle>
@@ -2703,7 +2690,7 @@
             </a:lvl9pPr>
           </a:lstStyle>
           <a:p>
-            <a:pPr indent="0" lvl="0" marL="0" rtl="0" algn="r">
+            <a:pPr marL="0" lvl="0" indent="0" algn="r" rtl="0">
               <a:spcBef>
                 <a:spcPts val="0"/>
               </a:spcBef>
@@ -2714,9 +2701,8 @@
             </a:pPr>
             <a:fld id="{00000000-1234-1234-1234-123412341234}" type="slidenum">
               <a:rPr lang="en-GB"/>
-              <a:t>‹#›</a:t>
             </a:fld>
-            <a:endParaRPr/>
+            <a:endParaRPr lang="en-GB"/>
           </a:p>
         </p:txBody>
       </p:sp>
@@ -2729,7 +2715,7 @@
 </file>
 
 <file path=ppt/slideLayouts/slideLayout2.xml><?xml version="1.0" encoding="utf-8"?>
-<p:sldLayout xmlns:a="http://schemas.openxmlformats.org/drawingml/2006/main" xmlns:r="http://schemas.openxmlformats.org/officeDocument/2006/relationships" xmlns:mc="http://schemas.openxmlformats.org/markup-compatibility/2006" xmlns:mv="urn:schemas-microsoft-com:mac:vml" xmlns:p="http://schemas.openxmlformats.org/presentationml/2006/main" xmlns:c="http://schemas.openxmlformats.org/drawingml/2006/chart" xmlns:dgm="http://schemas.openxmlformats.org/drawingml/2006/diagram" xmlns:o="urn:schemas-microsoft-com:office:office" xmlns:v="urn:schemas-microsoft-com:vml" xmlns:pvml="urn:schemas-microsoft-com:office:powerpoint" xmlns:com="http://schemas.openxmlformats.org/drawingml/2006/compatibility" xmlns:p14="http://schemas.microsoft.com/office/powerpoint/2010/main" xmlns:p15="http://schemas.microsoft.com/office/powerpoint/2012/main" xmlns:ahyp="http://schemas.microsoft.com/office/drawing/2018/hyperlinkcolor" matchingName="Section header" type="secHead">
+<p:sldLayout xmlns:a="http://schemas.openxmlformats.org/drawingml/2006/main" xmlns:r="http://schemas.openxmlformats.org/officeDocument/2006/relationships" xmlns:p="http://schemas.openxmlformats.org/presentationml/2006/main" type="secHead" matchingName="Section header">
   <p:cSld name="SECTION_HEADER">
     <p:spTree>
       <p:nvGrpSpPr>
@@ -2767,12 +2753,12 @@
           </a:ln>
         </p:spPr>
         <p:txBody>
-          <a:bodyPr anchorCtr="0" anchor="ctr" bIns="91425" lIns="91425" spcFirstLastPara="1" rIns="91425" wrap="square" tIns="91425">
+          <a:bodyPr spcFirstLastPara="1" wrap="square" lIns="91425" tIns="91425" rIns="91425" bIns="91425" anchor="ctr" anchorCtr="0">
             <a:noAutofit/>
           </a:bodyPr>
           <a:lstStyle/>
           <a:p>
-            <a:pPr indent="0" lvl="0" marL="0" rtl="0" algn="l">
+            <a:pPr marL="0" lvl="0" indent="0" algn="l" rtl="0">
               <a:spcBef>
                 <a:spcPts val="0"/>
               </a:spcBef>
@@ -2781,10 +2767,6 @@
               </a:spcAft>
               <a:buNone/>
             </a:pPr>
-            <a:r>
-              <a:t/>
-            </a:r>
-            <a:endParaRPr/>
           </a:p>
         </p:txBody>
       </p:sp>
@@ -2806,7 +2788,7 @@
           </a:prstGeom>
         </p:spPr>
         <p:txBody>
-          <a:bodyPr anchorCtr="0" anchor="ctr" bIns="91425" lIns="91425" spcFirstLastPara="1" rIns="91425" wrap="square" tIns="91425">
+          <a:bodyPr spcFirstLastPara="1" wrap="square" lIns="91425" tIns="91425" rIns="91425" bIns="91425" anchor="ctr" anchorCtr="0">
             <a:normAutofit/>
           </a:bodyPr>
           <a:lstStyle>
@@ -2918,7 +2900,7 @@
           <p:cNvPr id="24" name="Google Shape;24;p3"/>
           <p:cNvSpPr txBox="1"/>
           <p:nvPr>
-            <p:ph idx="12" type="sldNum"/>
+            <p:ph type="sldNum" idx="12"/>
           </p:nvPr>
         </p:nvSpPr>
         <p:spPr>
@@ -2931,7 +2913,7 @@
           </a:prstGeom>
         </p:spPr>
         <p:txBody>
-          <a:bodyPr anchorCtr="0" anchor="ctr" bIns="91425" lIns="91425" spcFirstLastPara="1" rIns="91425" wrap="square" tIns="91425">
+          <a:bodyPr spcFirstLastPara="1" wrap="square" lIns="91425" tIns="91425" rIns="91425" bIns="91425" anchor="ctr" anchorCtr="0">
             <a:normAutofit/>
           </a:bodyPr>
           <a:lstStyle>
@@ -3009,7 +2991,7 @@
             </a:lvl9pPr>
           </a:lstStyle>
           <a:p>
-            <a:pPr indent="0" lvl="0" marL="0" rtl="0" algn="r">
+            <a:pPr marL="0" lvl="0" indent="0" algn="r" rtl="0">
               <a:spcBef>
                 <a:spcPts val="0"/>
               </a:spcBef>
@@ -3020,9 +3002,8 @@
             </a:pPr>
             <a:fld id="{00000000-1234-1234-1234-123412341234}" type="slidenum">
               <a:rPr lang="en-GB"/>
-              <a:t>‹#›</a:t>
             </a:fld>
-            <a:endParaRPr/>
+            <a:endParaRPr lang="en-GB"/>
           </a:p>
         </p:txBody>
       </p:sp>
@@ -3035,7 +3016,7 @@
 </file>
 
 <file path=ppt/slideLayouts/slideLayout3.xml><?xml version="1.0" encoding="utf-8"?>
-<p:sldLayout xmlns:a="http://schemas.openxmlformats.org/drawingml/2006/main" xmlns:r="http://schemas.openxmlformats.org/officeDocument/2006/relationships" xmlns:mc="http://schemas.openxmlformats.org/markup-compatibility/2006" xmlns:mv="urn:schemas-microsoft-com:mac:vml" xmlns:p="http://schemas.openxmlformats.org/presentationml/2006/main" xmlns:c="http://schemas.openxmlformats.org/drawingml/2006/chart" xmlns:dgm="http://schemas.openxmlformats.org/drawingml/2006/diagram" xmlns:o="urn:schemas-microsoft-com:office:office" xmlns:v="urn:schemas-microsoft-com:vml" xmlns:pvml="urn:schemas-microsoft-com:office:powerpoint" xmlns:com="http://schemas.openxmlformats.org/drawingml/2006/compatibility" xmlns:p14="http://schemas.microsoft.com/office/powerpoint/2010/main" xmlns:p15="http://schemas.microsoft.com/office/powerpoint/2012/main" xmlns:ahyp="http://schemas.microsoft.com/office/drawing/2018/hyperlinkcolor" matchingName="Title and body" type="tx">
+<p:sldLayout xmlns:a="http://schemas.openxmlformats.org/drawingml/2006/main" xmlns:r="http://schemas.openxmlformats.org/officeDocument/2006/relationships" xmlns:p="http://schemas.openxmlformats.org/presentationml/2006/main" type="tx" matchingName="Title and body">
   <p:cSld name="TITLE_AND_BODY">
     <p:spTree>
       <p:nvGrpSpPr>
@@ -3073,12 +3054,12 @@
           </a:ln>
         </p:spPr>
         <p:txBody>
-          <a:bodyPr anchorCtr="0" anchor="ctr" bIns="91425" lIns="91425" spcFirstLastPara="1" rIns="91425" wrap="square" tIns="91425">
+          <a:bodyPr spcFirstLastPara="1" wrap="square" lIns="91425" tIns="91425" rIns="91425" bIns="91425" anchor="ctr" anchorCtr="0">
             <a:noAutofit/>
           </a:bodyPr>
           <a:lstStyle/>
           <a:p>
-            <a:pPr indent="0" lvl="0" marL="0" rtl="0" algn="l">
+            <a:pPr marL="0" lvl="0" indent="0" algn="l" rtl="0">
               <a:spcBef>
                 <a:spcPts val="0"/>
               </a:spcBef>
@@ -3087,10 +3068,6 @@
               </a:spcAft>
               <a:buNone/>
             </a:pPr>
-            <a:r>
-              <a:t/>
-            </a:r>
-            <a:endParaRPr/>
           </a:p>
         </p:txBody>
       </p:sp>
@@ -3112,7 +3089,7 @@
           </a:prstGeom>
         </p:spPr>
         <p:txBody>
-          <a:bodyPr anchorCtr="0" anchor="t" bIns="91425" lIns="91425" spcFirstLastPara="1" rIns="91425" wrap="square" tIns="91425">
+          <a:bodyPr spcFirstLastPara="1" wrap="square" lIns="91425" tIns="91425" rIns="91425" bIns="91425" anchor="t" anchorCtr="0">
             <a:normAutofit/>
           </a:bodyPr>
           <a:lstStyle>
@@ -3224,7 +3201,7 @@
           <p:cNvPr id="28" name="Google Shape;28;p4"/>
           <p:cNvSpPr txBox="1"/>
           <p:nvPr>
-            <p:ph idx="1" type="body"/>
+            <p:ph type="body" idx="1"/>
           </p:nvPr>
         </p:nvSpPr>
         <p:spPr>
@@ -3237,11 +3214,11 @@
           </a:prstGeom>
         </p:spPr>
         <p:txBody>
-          <a:bodyPr anchorCtr="0" anchor="t" bIns="91425" lIns="91425" spcFirstLastPara="1" rIns="91425" wrap="square" tIns="91425">
+          <a:bodyPr spcFirstLastPara="1" wrap="square" lIns="91425" tIns="91425" rIns="91425" bIns="91425" anchor="t" anchorCtr="0">
             <a:normAutofit/>
           </a:bodyPr>
           <a:lstStyle>
-            <a:lvl1pPr indent="-342900" lvl="0" marL="457200">
+            <a:lvl1pPr marL="457200" lvl="0" indent="-342900">
               <a:spcBef>
                 <a:spcPts val="0"/>
               </a:spcBef>
@@ -3252,7 +3229,7 @@
               <a:buChar char="●"/>
               <a:defRPr/>
             </a:lvl1pPr>
-            <a:lvl2pPr indent="-317500" lvl="1" marL="914400">
+            <a:lvl2pPr marL="914400" lvl="1" indent="-317500">
               <a:spcBef>
                 <a:spcPts val="0"/>
               </a:spcBef>
@@ -3263,7 +3240,7 @@
               <a:buChar char="○"/>
               <a:defRPr/>
             </a:lvl2pPr>
-            <a:lvl3pPr indent="-317500" lvl="2" marL="1371600">
+            <a:lvl3pPr marL="1371600" lvl="2" indent="-317500">
               <a:spcBef>
                 <a:spcPts val="0"/>
               </a:spcBef>
@@ -3274,7 +3251,7 @@
               <a:buChar char="■"/>
               <a:defRPr/>
             </a:lvl3pPr>
-            <a:lvl4pPr indent="-317500" lvl="3" marL="1828800">
+            <a:lvl4pPr marL="1828800" lvl="3" indent="-317500">
               <a:spcBef>
                 <a:spcPts val="0"/>
               </a:spcBef>
@@ -3285,7 +3262,7 @@
               <a:buChar char="●"/>
               <a:defRPr/>
             </a:lvl4pPr>
-            <a:lvl5pPr indent="-317500" lvl="4" marL="2286000">
+            <a:lvl5pPr marL="2286000" lvl="4" indent="-317500">
               <a:spcBef>
                 <a:spcPts val="0"/>
               </a:spcBef>
@@ -3296,7 +3273,7 @@
               <a:buChar char="○"/>
               <a:defRPr/>
             </a:lvl5pPr>
-            <a:lvl6pPr indent="-317500" lvl="5" marL="2743200">
+            <a:lvl6pPr marL="2743200" lvl="5" indent="-317500">
               <a:spcBef>
                 <a:spcPts val="0"/>
               </a:spcBef>
@@ -3307,7 +3284,7 @@
               <a:buChar char="■"/>
               <a:defRPr/>
             </a:lvl6pPr>
-            <a:lvl7pPr indent="-317500" lvl="6" marL="3200400">
+            <a:lvl7pPr marL="3200400" lvl="6" indent="-317500">
               <a:spcBef>
                 <a:spcPts val="0"/>
               </a:spcBef>
@@ -3318,7 +3295,7 @@
               <a:buChar char="●"/>
               <a:defRPr/>
             </a:lvl7pPr>
-            <a:lvl8pPr indent="-317500" lvl="7" marL="3657600">
+            <a:lvl8pPr marL="3657600" lvl="7" indent="-317500">
               <a:spcBef>
                 <a:spcPts val="0"/>
               </a:spcBef>
@@ -3329,7 +3306,7 @@
               <a:buChar char="○"/>
               <a:defRPr/>
             </a:lvl8pPr>
-            <a:lvl9pPr indent="-317500" lvl="8" marL="4114800">
+            <a:lvl9pPr marL="4114800" lvl="8" indent="-317500">
               <a:spcBef>
                 <a:spcPts val="0"/>
               </a:spcBef>
@@ -3349,7 +3326,7 @@
           <p:cNvPr id="29" name="Google Shape;29;p4"/>
           <p:cNvSpPr txBox="1"/>
           <p:nvPr>
-            <p:ph idx="12" type="sldNum"/>
+            <p:ph type="sldNum" idx="12"/>
           </p:nvPr>
         </p:nvSpPr>
         <p:spPr>
@@ -3362,7 +3339,7 @@
           </a:prstGeom>
         </p:spPr>
         <p:txBody>
-          <a:bodyPr anchorCtr="0" anchor="ctr" bIns="91425" lIns="91425" spcFirstLastPara="1" rIns="91425" wrap="square" tIns="91425">
+          <a:bodyPr spcFirstLastPara="1" wrap="square" lIns="91425" tIns="91425" rIns="91425" bIns="91425" anchor="ctr" anchorCtr="0">
             <a:normAutofit/>
           </a:bodyPr>
           <a:lstStyle>
@@ -3404,7 +3381,7 @@
             </a:lvl9pPr>
           </a:lstStyle>
           <a:p>
-            <a:pPr indent="0" lvl="0" marL="0" rtl="0" algn="r">
+            <a:pPr marL="0" lvl="0" indent="0" algn="r" rtl="0">
               <a:spcBef>
                 <a:spcPts val="0"/>
               </a:spcBef>
@@ -3415,9 +3392,8 @@
             </a:pPr>
             <a:fld id="{00000000-1234-1234-1234-123412341234}" type="slidenum">
               <a:rPr lang="en-GB"/>
-              <a:t>‹#›</a:t>
             </a:fld>
-            <a:endParaRPr/>
+            <a:endParaRPr lang="en-GB"/>
           </a:p>
         </p:txBody>
       </p:sp>
@@ -3430,7 +3406,7 @@
 </file>
 
 <file path=ppt/slideLayouts/slideLayout4.xml><?xml version="1.0" encoding="utf-8"?>
-<p:sldLayout xmlns:a="http://schemas.openxmlformats.org/drawingml/2006/main" xmlns:r="http://schemas.openxmlformats.org/officeDocument/2006/relationships" xmlns:mc="http://schemas.openxmlformats.org/markup-compatibility/2006" xmlns:mv="urn:schemas-microsoft-com:mac:vml" xmlns:p="http://schemas.openxmlformats.org/presentationml/2006/main" xmlns:c="http://schemas.openxmlformats.org/drawingml/2006/chart" xmlns:dgm="http://schemas.openxmlformats.org/drawingml/2006/diagram" xmlns:o="urn:schemas-microsoft-com:office:office" xmlns:v="urn:schemas-microsoft-com:vml" xmlns:pvml="urn:schemas-microsoft-com:office:powerpoint" xmlns:com="http://schemas.openxmlformats.org/drawingml/2006/compatibility" xmlns:p14="http://schemas.microsoft.com/office/powerpoint/2010/main" xmlns:p15="http://schemas.microsoft.com/office/powerpoint/2012/main" xmlns:ahyp="http://schemas.microsoft.com/office/drawing/2018/hyperlinkcolor" matchingName="Title and two columns" type="twoColTx">
+<p:sldLayout xmlns:a="http://schemas.openxmlformats.org/drawingml/2006/main" xmlns:r="http://schemas.openxmlformats.org/officeDocument/2006/relationships" xmlns:p="http://schemas.openxmlformats.org/presentationml/2006/main" type="twoColTx" matchingName="Title and two columns">
   <p:cSld name="TITLE_AND_TWO_COLUMNS">
     <p:spTree>
       <p:nvGrpSpPr>
@@ -3464,7 +3440,7 @@
           </a:prstGeom>
         </p:spPr>
         <p:txBody>
-          <a:bodyPr anchorCtr="0" anchor="t" bIns="91425" lIns="91425" spcFirstLastPara="1" rIns="91425" wrap="square" tIns="91425">
+          <a:bodyPr spcFirstLastPara="1" wrap="square" lIns="91425" tIns="91425" rIns="91425" bIns="91425" anchor="t" anchorCtr="0">
             <a:normAutofit/>
           </a:bodyPr>
           <a:lstStyle>
@@ -3576,7 +3552,7 @@
           <p:cNvPr id="32" name="Google Shape;32;p5"/>
           <p:cNvSpPr txBox="1"/>
           <p:nvPr>
-            <p:ph idx="1" type="body"/>
+            <p:ph type="body" idx="1"/>
           </p:nvPr>
         </p:nvSpPr>
         <p:spPr>
@@ -3589,11 +3565,11 @@
           </a:prstGeom>
         </p:spPr>
         <p:txBody>
-          <a:bodyPr anchorCtr="0" anchor="t" bIns="91425" lIns="91425" spcFirstLastPara="1" rIns="91425" wrap="square" tIns="91425">
+          <a:bodyPr spcFirstLastPara="1" wrap="square" lIns="91425" tIns="91425" rIns="91425" bIns="91425" anchor="t" anchorCtr="0">
             <a:normAutofit/>
           </a:bodyPr>
           <a:lstStyle>
-            <a:lvl1pPr indent="-317500" lvl="0" marL="457200">
+            <a:lvl1pPr marL="457200" lvl="0" indent="-317500">
               <a:spcBef>
                 <a:spcPts val="0"/>
               </a:spcBef>
@@ -3604,7 +3580,7 @@
               <a:buChar char="●"/>
               <a:defRPr sz="1400"/>
             </a:lvl1pPr>
-            <a:lvl2pPr indent="-304800" lvl="1" marL="914400">
+            <a:lvl2pPr marL="914400" lvl="1" indent="-304800">
               <a:spcBef>
                 <a:spcPts val="0"/>
               </a:spcBef>
@@ -3615,7 +3591,7 @@
               <a:buChar char="○"/>
               <a:defRPr sz="1200"/>
             </a:lvl2pPr>
-            <a:lvl3pPr indent="-304800" lvl="2" marL="1371600">
+            <a:lvl3pPr marL="1371600" lvl="2" indent="-304800">
               <a:spcBef>
                 <a:spcPts val="0"/>
               </a:spcBef>
@@ -3626,7 +3602,7 @@
               <a:buChar char="■"/>
               <a:defRPr sz="1200"/>
             </a:lvl3pPr>
-            <a:lvl4pPr indent="-304800" lvl="3" marL="1828800">
+            <a:lvl4pPr marL="1828800" lvl="3" indent="-304800">
               <a:spcBef>
                 <a:spcPts val="0"/>
               </a:spcBef>
@@ -3637,7 +3613,7 @@
               <a:buChar char="●"/>
               <a:defRPr sz="1200"/>
             </a:lvl4pPr>
-            <a:lvl5pPr indent="-304800" lvl="4" marL="2286000">
+            <a:lvl5pPr marL="2286000" lvl="4" indent="-304800">
               <a:spcBef>
                 <a:spcPts val="0"/>
               </a:spcBef>
@@ -3648,7 +3624,7 @@
               <a:buChar char="○"/>
               <a:defRPr sz="1200"/>
             </a:lvl5pPr>
-            <a:lvl6pPr indent="-304800" lvl="5" marL="2743200">
+            <a:lvl6pPr marL="2743200" lvl="5" indent="-304800">
               <a:spcBef>
                 <a:spcPts val="0"/>
               </a:spcBef>
@@ -3659,7 +3635,7 @@
               <a:buChar char="■"/>
               <a:defRPr sz="1200"/>
             </a:lvl6pPr>
-            <a:lvl7pPr indent="-304800" lvl="6" marL="3200400">
+            <a:lvl7pPr marL="3200400" lvl="6" indent="-304800">
               <a:spcBef>
                 <a:spcPts val="0"/>
               </a:spcBef>
@@ -3670,7 +3646,7 @@
               <a:buChar char="●"/>
               <a:defRPr sz="1200"/>
             </a:lvl7pPr>
-            <a:lvl8pPr indent="-304800" lvl="7" marL="3657600">
+            <a:lvl8pPr marL="3657600" lvl="7" indent="-304800">
               <a:spcBef>
                 <a:spcPts val="0"/>
               </a:spcBef>
@@ -3681,7 +3657,7 @@
               <a:buChar char="○"/>
               <a:defRPr sz="1200"/>
             </a:lvl8pPr>
-            <a:lvl9pPr indent="-304800" lvl="8" marL="4114800">
+            <a:lvl9pPr marL="4114800" lvl="8" indent="-304800">
               <a:spcBef>
                 <a:spcPts val="0"/>
               </a:spcBef>
@@ -3701,7 +3677,7 @@
           <p:cNvPr id="33" name="Google Shape;33;p5"/>
           <p:cNvSpPr txBox="1"/>
           <p:nvPr>
-            <p:ph idx="2" type="body"/>
+            <p:ph type="body" idx="2"/>
           </p:nvPr>
         </p:nvSpPr>
         <p:spPr>
@@ -3714,11 +3690,11 @@
           </a:prstGeom>
         </p:spPr>
         <p:txBody>
-          <a:bodyPr anchorCtr="0" anchor="t" bIns="91425" lIns="91425" spcFirstLastPara="1" rIns="91425" wrap="square" tIns="91425">
+          <a:bodyPr spcFirstLastPara="1" wrap="square" lIns="91425" tIns="91425" rIns="91425" bIns="91425" anchor="t" anchorCtr="0">
             <a:normAutofit/>
           </a:bodyPr>
           <a:lstStyle>
-            <a:lvl1pPr indent="-317500" lvl="0" marL="457200">
+            <a:lvl1pPr marL="457200" lvl="0" indent="-317500">
               <a:spcBef>
                 <a:spcPts val="0"/>
               </a:spcBef>
@@ -3729,7 +3705,7 @@
               <a:buChar char="●"/>
               <a:defRPr sz="1400"/>
             </a:lvl1pPr>
-            <a:lvl2pPr indent="-304800" lvl="1" marL="914400">
+            <a:lvl2pPr marL="914400" lvl="1" indent="-304800">
               <a:spcBef>
                 <a:spcPts val="0"/>
               </a:spcBef>
@@ -3740,7 +3716,7 @@
               <a:buChar char="○"/>
               <a:defRPr sz="1200"/>
             </a:lvl2pPr>
-            <a:lvl3pPr indent="-304800" lvl="2" marL="1371600">
+            <a:lvl3pPr marL="1371600" lvl="2" indent="-304800">
               <a:spcBef>
                 <a:spcPts val="0"/>
               </a:spcBef>
@@ -3751,7 +3727,7 @@
               <a:buChar char="■"/>
               <a:defRPr sz="1200"/>
             </a:lvl3pPr>
-            <a:lvl4pPr indent="-304800" lvl="3" marL="1828800">
+            <a:lvl4pPr marL="1828800" lvl="3" indent="-304800">
               <a:spcBef>
                 <a:spcPts val="0"/>
               </a:spcBef>
@@ -3762,7 +3738,7 @@
               <a:buChar char="●"/>
               <a:defRPr sz="1200"/>
             </a:lvl4pPr>
-            <a:lvl5pPr indent="-304800" lvl="4" marL="2286000">
+            <a:lvl5pPr marL="2286000" lvl="4" indent="-304800">
               <a:spcBef>
                 <a:spcPts val="0"/>
               </a:spcBef>
@@ -3773,7 +3749,7 @@
               <a:buChar char="○"/>
               <a:defRPr sz="1200"/>
             </a:lvl5pPr>
-            <a:lvl6pPr indent="-304800" lvl="5" marL="2743200">
+            <a:lvl6pPr marL="2743200" lvl="5" indent="-304800">
               <a:spcBef>
                 <a:spcPts val="0"/>
               </a:spcBef>
@@ -3784,7 +3760,7 @@
               <a:buChar char="■"/>
               <a:defRPr sz="1200"/>
             </a:lvl6pPr>
-            <a:lvl7pPr indent="-304800" lvl="6" marL="3200400">
+            <a:lvl7pPr marL="3200400" lvl="6" indent="-304800">
               <a:spcBef>
                 <a:spcPts val="0"/>
               </a:spcBef>
@@ -3795,7 +3771,7 @@
               <a:buChar char="●"/>
               <a:defRPr sz="1200"/>
             </a:lvl7pPr>
-            <a:lvl8pPr indent="-304800" lvl="7" marL="3657600">
+            <a:lvl8pPr marL="3657600" lvl="7" indent="-304800">
               <a:spcBef>
                 <a:spcPts val="0"/>
               </a:spcBef>
@@ -3806,7 +3782,7 @@
               <a:buChar char="○"/>
               <a:defRPr sz="1200"/>
             </a:lvl8pPr>
-            <a:lvl9pPr indent="-304800" lvl="8" marL="4114800">
+            <a:lvl9pPr marL="4114800" lvl="8" indent="-304800">
               <a:spcBef>
                 <a:spcPts val="0"/>
               </a:spcBef>
@@ -3826,7 +3802,7 @@
           <p:cNvPr id="34" name="Google Shape;34;p5"/>
           <p:cNvSpPr txBox="1"/>
           <p:nvPr>
-            <p:ph idx="12" type="sldNum"/>
+            <p:ph type="sldNum" idx="12"/>
           </p:nvPr>
         </p:nvSpPr>
         <p:spPr>
@@ -3839,7 +3815,7 @@
           </a:prstGeom>
         </p:spPr>
         <p:txBody>
-          <a:bodyPr anchorCtr="0" anchor="ctr" bIns="91425" lIns="91425" spcFirstLastPara="1" rIns="91425" wrap="square" tIns="91425">
+          <a:bodyPr spcFirstLastPara="1" wrap="square" lIns="91425" tIns="91425" rIns="91425" bIns="91425" anchor="ctr" anchorCtr="0">
             <a:normAutofit/>
           </a:bodyPr>
           <a:lstStyle>
@@ -3881,7 +3857,7 @@
             </a:lvl9pPr>
           </a:lstStyle>
           <a:p>
-            <a:pPr indent="0" lvl="0" marL="0" rtl="0" algn="r">
+            <a:pPr marL="0" lvl="0" indent="0" algn="r" rtl="0">
               <a:spcBef>
                 <a:spcPts val="0"/>
               </a:spcBef>
@@ -3892,9 +3868,8 @@
             </a:pPr>
             <a:fld id="{00000000-1234-1234-1234-123412341234}" type="slidenum">
               <a:rPr lang="en-GB"/>
-              <a:t>‹#›</a:t>
             </a:fld>
-            <a:endParaRPr/>
+            <a:endParaRPr lang="en-GB"/>
           </a:p>
         </p:txBody>
       </p:sp>
@@ -3907,7 +3882,7 @@
 </file>
 
 <file path=ppt/slideLayouts/slideLayout5.xml><?xml version="1.0" encoding="utf-8"?>
-<p:sldLayout xmlns:a="http://schemas.openxmlformats.org/drawingml/2006/main" xmlns:r="http://schemas.openxmlformats.org/officeDocument/2006/relationships" xmlns:mc="http://schemas.openxmlformats.org/markup-compatibility/2006" xmlns:mv="urn:schemas-microsoft-com:mac:vml" xmlns:p="http://schemas.openxmlformats.org/presentationml/2006/main" xmlns:c="http://schemas.openxmlformats.org/drawingml/2006/chart" xmlns:dgm="http://schemas.openxmlformats.org/drawingml/2006/diagram" xmlns:o="urn:schemas-microsoft-com:office:office" xmlns:v="urn:schemas-microsoft-com:vml" xmlns:pvml="urn:schemas-microsoft-com:office:powerpoint" xmlns:com="http://schemas.openxmlformats.org/drawingml/2006/compatibility" xmlns:p14="http://schemas.microsoft.com/office/powerpoint/2010/main" xmlns:p15="http://schemas.microsoft.com/office/powerpoint/2012/main" xmlns:ahyp="http://schemas.microsoft.com/office/drawing/2018/hyperlinkcolor" matchingName="Title only" type="titleOnly">
+<p:sldLayout xmlns:a="http://schemas.openxmlformats.org/drawingml/2006/main" xmlns:r="http://schemas.openxmlformats.org/officeDocument/2006/relationships" xmlns:p="http://schemas.openxmlformats.org/presentationml/2006/main" type="titleOnly" matchingName="Title only">
   <p:cSld name="TITLE_ONLY">
     <p:spTree>
       <p:nvGrpSpPr>
@@ -3941,7 +3916,7 @@
           </a:prstGeom>
         </p:spPr>
         <p:txBody>
-          <a:bodyPr anchorCtr="0" anchor="t" bIns="91425" lIns="91425" spcFirstLastPara="1" rIns="91425" wrap="square" tIns="91425">
+          <a:bodyPr spcFirstLastPara="1" wrap="square" lIns="91425" tIns="91425" rIns="91425" bIns="91425" anchor="t" anchorCtr="0">
             <a:normAutofit/>
           </a:bodyPr>
           <a:lstStyle>
@@ -4053,7 +4028,7 @@
           <p:cNvPr id="37" name="Google Shape;37;p6"/>
           <p:cNvSpPr txBox="1"/>
           <p:nvPr>
-            <p:ph idx="12" type="sldNum"/>
+            <p:ph type="sldNum" idx="12"/>
           </p:nvPr>
         </p:nvSpPr>
         <p:spPr>
@@ -4066,7 +4041,7 @@
           </a:prstGeom>
         </p:spPr>
         <p:txBody>
-          <a:bodyPr anchorCtr="0" anchor="ctr" bIns="91425" lIns="91425" spcFirstLastPara="1" rIns="91425" wrap="square" tIns="91425">
+          <a:bodyPr spcFirstLastPara="1" wrap="square" lIns="91425" tIns="91425" rIns="91425" bIns="91425" anchor="ctr" anchorCtr="0">
             <a:normAutofit/>
           </a:bodyPr>
           <a:lstStyle>
@@ -4108,7 +4083,7 @@
             </a:lvl9pPr>
           </a:lstStyle>
           <a:p>
-            <a:pPr indent="0" lvl="0" marL="0" rtl="0" algn="r">
+            <a:pPr marL="0" lvl="0" indent="0" algn="r" rtl="0">
               <a:spcBef>
                 <a:spcPts val="0"/>
               </a:spcBef>
@@ -4119,9 +4094,8 @@
             </a:pPr>
             <a:fld id="{00000000-1234-1234-1234-123412341234}" type="slidenum">
               <a:rPr lang="en-GB"/>
-              <a:t>‹#›</a:t>
             </a:fld>
-            <a:endParaRPr/>
+            <a:endParaRPr lang="en-GB"/>
           </a:p>
         </p:txBody>
       </p:sp>
@@ -4134,7 +4108,7 @@
 </file>
 
 <file path=ppt/slideLayouts/slideLayout6.xml><?xml version="1.0" encoding="utf-8"?>
-<p:sldLayout xmlns:a="http://schemas.openxmlformats.org/drawingml/2006/main" xmlns:r="http://schemas.openxmlformats.org/officeDocument/2006/relationships" xmlns:mc="http://schemas.openxmlformats.org/markup-compatibility/2006" xmlns:mv="urn:schemas-microsoft-com:mac:vml" xmlns:p="http://schemas.openxmlformats.org/presentationml/2006/main" xmlns:c="http://schemas.openxmlformats.org/drawingml/2006/chart" xmlns:dgm="http://schemas.openxmlformats.org/drawingml/2006/diagram" xmlns:o="urn:schemas-microsoft-com:office:office" xmlns:v="urn:schemas-microsoft-com:vml" xmlns:pvml="urn:schemas-microsoft-com:office:powerpoint" xmlns:com="http://schemas.openxmlformats.org/drawingml/2006/compatibility" xmlns:p14="http://schemas.microsoft.com/office/powerpoint/2010/main" xmlns:p15="http://schemas.microsoft.com/office/powerpoint/2012/main" xmlns:ahyp="http://schemas.microsoft.com/office/drawing/2018/hyperlinkcolor" matchingName="One column text">
+<p:sldLayout xmlns:a="http://schemas.openxmlformats.org/drawingml/2006/main" xmlns:r="http://schemas.openxmlformats.org/officeDocument/2006/relationships" xmlns:p="http://schemas.openxmlformats.org/presentationml/2006/main" matchingName="One column text">
   <p:cSld name="ONE_COLUMN_TEXT">
     <p:spTree>
       <p:nvGrpSpPr>
@@ -4168,7 +4142,7 @@
           </a:prstGeom>
         </p:spPr>
         <p:txBody>
-          <a:bodyPr anchorCtr="0" anchor="b" bIns="91425" lIns="91425" spcFirstLastPara="1" rIns="91425" wrap="square" tIns="91425">
+          <a:bodyPr spcFirstLastPara="1" wrap="square" lIns="91425" tIns="91425" rIns="91425" bIns="91425" anchor="b" anchorCtr="0">
             <a:normAutofit/>
           </a:bodyPr>
           <a:lstStyle>
@@ -4280,7 +4254,7 @@
           <p:cNvPr id="40" name="Google Shape;40;p7"/>
           <p:cNvSpPr txBox="1"/>
           <p:nvPr>
-            <p:ph idx="1" type="body"/>
+            <p:ph type="body" idx="1"/>
           </p:nvPr>
         </p:nvSpPr>
         <p:spPr>
@@ -4293,11 +4267,11 @@
           </a:prstGeom>
         </p:spPr>
         <p:txBody>
-          <a:bodyPr anchorCtr="0" anchor="t" bIns="91425" lIns="91425" spcFirstLastPara="1" rIns="91425" wrap="square" tIns="91425">
+          <a:bodyPr spcFirstLastPara="1" wrap="square" lIns="91425" tIns="91425" rIns="91425" bIns="91425" anchor="t" anchorCtr="0">
             <a:normAutofit/>
           </a:bodyPr>
           <a:lstStyle>
-            <a:lvl1pPr indent="-304800" lvl="0" marL="457200">
+            <a:lvl1pPr marL="457200" lvl="0" indent="-304800">
               <a:spcBef>
                 <a:spcPts val="0"/>
               </a:spcBef>
@@ -4308,7 +4282,7 @@
               <a:buChar char="●"/>
               <a:defRPr sz="1200"/>
             </a:lvl1pPr>
-            <a:lvl2pPr indent="-304800" lvl="1" marL="914400">
+            <a:lvl2pPr marL="914400" lvl="1" indent="-304800">
               <a:spcBef>
                 <a:spcPts val="0"/>
               </a:spcBef>
@@ -4319,7 +4293,7 @@
               <a:buChar char="○"/>
               <a:defRPr sz="1200"/>
             </a:lvl2pPr>
-            <a:lvl3pPr indent="-304800" lvl="2" marL="1371600">
+            <a:lvl3pPr marL="1371600" lvl="2" indent="-304800">
               <a:spcBef>
                 <a:spcPts val="0"/>
               </a:spcBef>
@@ -4330,7 +4304,7 @@
               <a:buChar char="■"/>
               <a:defRPr sz="1200"/>
             </a:lvl3pPr>
-            <a:lvl4pPr indent="-304800" lvl="3" marL="1828800">
+            <a:lvl4pPr marL="1828800" lvl="3" indent="-304800">
               <a:spcBef>
                 <a:spcPts val="0"/>
               </a:spcBef>
@@ -4341,7 +4315,7 @@
               <a:buChar char="●"/>
               <a:defRPr sz="1200"/>
             </a:lvl4pPr>
-            <a:lvl5pPr indent="-304800" lvl="4" marL="2286000">
+            <a:lvl5pPr marL="2286000" lvl="4" indent="-304800">
               <a:spcBef>
                 <a:spcPts val="0"/>
               </a:spcBef>
@@ -4352,7 +4326,7 @@
               <a:buChar char="○"/>
               <a:defRPr sz="1200"/>
             </a:lvl5pPr>
-            <a:lvl6pPr indent="-304800" lvl="5" marL="2743200">
+            <a:lvl6pPr marL="2743200" lvl="5" indent="-304800">
               <a:spcBef>
                 <a:spcPts val="0"/>
               </a:spcBef>
@@ -4363,7 +4337,7 @@
               <a:buChar char="■"/>
               <a:defRPr sz="1200"/>
             </a:lvl6pPr>
-            <a:lvl7pPr indent="-304800" lvl="6" marL="3200400">
+            <a:lvl7pPr marL="3200400" lvl="6" indent="-304800">
               <a:spcBef>
                 <a:spcPts val="0"/>
               </a:spcBef>
@@ -4374,7 +4348,7 @@
               <a:buChar char="●"/>
               <a:defRPr sz="1200"/>
             </a:lvl7pPr>
-            <a:lvl8pPr indent="-304800" lvl="7" marL="3657600">
+            <a:lvl8pPr marL="3657600" lvl="7" indent="-304800">
               <a:spcBef>
                 <a:spcPts val="0"/>
               </a:spcBef>
@@ -4385,7 +4359,7 @@
               <a:buChar char="○"/>
               <a:defRPr sz="1200"/>
             </a:lvl8pPr>
-            <a:lvl9pPr indent="-304800" lvl="8" marL="4114800">
+            <a:lvl9pPr marL="4114800" lvl="8" indent="-304800">
               <a:spcBef>
                 <a:spcPts val="0"/>
               </a:spcBef>
@@ -4405,7 +4379,7 @@
           <p:cNvPr id="41" name="Google Shape;41;p7"/>
           <p:cNvSpPr txBox="1"/>
           <p:nvPr>
-            <p:ph idx="12" type="sldNum"/>
+            <p:ph type="sldNum" idx="12"/>
           </p:nvPr>
         </p:nvSpPr>
         <p:spPr>
@@ -4418,7 +4392,7 @@
           </a:prstGeom>
         </p:spPr>
         <p:txBody>
-          <a:bodyPr anchorCtr="0" anchor="ctr" bIns="91425" lIns="91425" spcFirstLastPara="1" rIns="91425" wrap="square" tIns="91425">
+          <a:bodyPr spcFirstLastPara="1" wrap="square" lIns="91425" tIns="91425" rIns="91425" bIns="91425" anchor="ctr" anchorCtr="0">
             <a:normAutofit/>
           </a:bodyPr>
           <a:lstStyle>
@@ -4460,7 +4434,7 @@
             </a:lvl9pPr>
           </a:lstStyle>
           <a:p>
-            <a:pPr indent="0" lvl="0" marL="0" rtl="0" algn="r">
+            <a:pPr marL="0" lvl="0" indent="0" algn="r" rtl="0">
               <a:spcBef>
                 <a:spcPts val="0"/>
               </a:spcBef>
@@ -4471,9 +4445,8 @@
             </a:pPr>
             <a:fld id="{00000000-1234-1234-1234-123412341234}" type="slidenum">
               <a:rPr lang="en-GB"/>
-              <a:t>‹#›</a:t>
             </a:fld>
-            <a:endParaRPr/>
+            <a:endParaRPr lang="en-GB"/>
           </a:p>
         </p:txBody>
       </p:sp>
@@ -4486,13 +4459,14 @@
 </file>
 
 <file path=ppt/slideLayouts/slideLayout7.xml><?xml version="1.0" encoding="utf-8"?>
-<p:sldLayout xmlns:a="http://schemas.openxmlformats.org/drawingml/2006/main" xmlns:r="http://schemas.openxmlformats.org/officeDocument/2006/relationships" xmlns:mc="http://schemas.openxmlformats.org/markup-compatibility/2006" xmlns:mv="urn:schemas-microsoft-com:mac:vml" xmlns:p="http://schemas.openxmlformats.org/presentationml/2006/main" xmlns:c="http://schemas.openxmlformats.org/drawingml/2006/chart" xmlns:dgm="http://schemas.openxmlformats.org/drawingml/2006/diagram" xmlns:o="urn:schemas-microsoft-com:office:office" xmlns:v="urn:schemas-microsoft-com:vml" xmlns:pvml="urn:schemas-microsoft-com:office:powerpoint" xmlns:com="http://schemas.openxmlformats.org/drawingml/2006/compatibility" xmlns:p14="http://schemas.microsoft.com/office/powerpoint/2010/main" xmlns:p15="http://schemas.microsoft.com/office/powerpoint/2012/main" xmlns:ahyp="http://schemas.microsoft.com/office/drawing/2018/hyperlinkcolor" matchingName="Main point">
+<p:sldLayout xmlns:a="http://schemas.openxmlformats.org/drawingml/2006/main" xmlns:r="http://schemas.openxmlformats.org/officeDocument/2006/relationships" xmlns:p="http://schemas.openxmlformats.org/presentationml/2006/main" matchingName="Main point">
   <p:cSld name="MAIN_POINT">
     <p:bg>
       <p:bgPr>
         <a:solidFill>
           <a:schemeClr val="accent6"/>
         </a:solidFill>
+        <a:effectLst/>
       </p:bgPr>
     </p:bg>
     <p:spTree>
@@ -4527,7 +4501,7 @@
           </a:prstGeom>
         </p:spPr>
         <p:txBody>
-          <a:bodyPr anchorCtr="0" anchor="ctr" bIns="91425" lIns="91425" spcFirstLastPara="1" rIns="91425" wrap="square" tIns="91425">
+          <a:bodyPr spcFirstLastPara="1" wrap="square" lIns="91425" tIns="91425" rIns="91425" bIns="91425" anchor="ctr" anchorCtr="0">
             <a:normAutofit/>
           </a:bodyPr>
           <a:lstStyle>
@@ -4543,7 +4517,7 @@
               </a:buClr>
               <a:buSzPts val="5400"/>
               <a:buNone/>
-              <a:defRPr b="0" sz="5400">
+              <a:defRPr sz="5400" b="0">
                 <a:solidFill>
                   <a:schemeClr val="dk2"/>
                 </a:solidFill>
@@ -4561,7 +4535,7 @@
               </a:buClr>
               <a:buSzPts val="5400"/>
               <a:buNone/>
-              <a:defRPr b="0" sz="5400">
+              <a:defRPr sz="5400" b="0">
                 <a:solidFill>
                   <a:schemeClr val="dk2"/>
                 </a:solidFill>
@@ -4579,7 +4553,7 @@
               </a:buClr>
               <a:buSzPts val="5400"/>
               <a:buNone/>
-              <a:defRPr b="0" sz="5400">
+              <a:defRPr sz="5400" b="0">
                 <a:solidFill>
                   <a:schemeClr val="dk2"/>
                 </a:solidFill>
@@ -4597,7 +4571,7 @@
               </a:buClr>
               <a:buSzPts val="5400"/>
               <a:buNone/>
-              <a:defRPr b="0" sz="5400">
+              <a:defRPr sz="5400" b="0">
                 <a:solidFill>
                   <a:schemeClr val="dk2"/>
                 </a:solidFill>
@@ -4615,7 +4589,7 @@
               </a:buClr>
               <a:buSzPts val="5400"/>
               <a:buNone/>
-              <a:defRPr b="0" sz="5400">
+              <a:defRPr sz="5400" b="0">
                 <a:solidFill>
                   <a:schemeClr val="dk2"/>
                 </a:solidFill>
@@ -4633,7 +4607,7 @@
               </a:buClr>
               <a:buSzPts val="5400"/>
               <a:buNone/>
-              <a:defRPr b="0" sz="5400">
+              <a:defRPr sz="5400" b="0">
                 <a:solidFill>
                   <a:schemeClr val="dk2"/>
                 </a:solidFill>
@@ -4651,7 +4625,7 @@
               </a:buClr>
               <a:buSzPts val="5400"/>
               <a:buNone/>
-              <a:defRPr b="0" sz="5400">
+              <a:defRPr sz="5400" b="0">
                 <a:solidFill>
                   <a:schemeClr val="dk2"/>
                 </a:solidFill>
@@ -4669,7 +4643,7 @@
               </a:buClr>
               <a:buSzPts val="5400"/>
               <a:buNone/>
-              <a:defRPr b="0" sz="5400">
+              <a:defRPr sz="5400" b="0">
                 <a:solidFill>
                   <a:schemeClr val="dk2"/>
                 </a:solidFill>
@@ -4687,7 +4661,7 @@
               </a:buClr>
               <a:buSzPts val="5400"/>
               <a:buNone/>
-              <a:defRPr b="0" sz="5400">
+              <a:defRPr sz="5400" b="0">
                 <a:solidFill>
                   <a:schemeClr val="dk2"/>
                 </a:solidFill>
@@ -4702,7 +4676,7 @@
           <p:cNvPr id="44" name="Google Shape;44;p8"/>
           <p:cNvSpPr txBox="1"/>
           <p:nvPr>
-            <p:ph idx="12" type="sldNum"/>
+            <p:ph type="sldNum" idx="12"/>
           </p:nvPr>
         </p:nvSpPr>
         <p:spPr>
@@ -4715,7 +4689,7 @@
           </a:prstGeom>
         </p:spPr>
         <p:txBody>
-          <a:bodyPr anchorCtr="0" anchor="ctr" bIns="91425" lIns="91425" spcFirstLastPara="1" rIns="91425" wrap="square" tIns="91425">
+          <a:bodyPr spcFirstLastPara="1" wrap="square" lIns="91425" tIns="91425" rIns="91425" bIns="91425" anchor="ctr" anchorCtr="0">
             <a:normAutofit/>
           </a:bodyPr>
           <a:lstStyle>
@@ -4757,7 +4731,7 @@
             </a:lvl9pPr>
           </a:lstStyle>
           <a:p>
-            <a:pPr indent="0" lvl="0" marL="0" rtl="0" algn="r">
+            <a:pPr marL="0" lvl="0" indent="0" algn="r" rtl="0">
               <a:spcBef>
                 <a:spcPts val="0"/>
               </a:spcBef>
@@ -4768,9 +4742,8 @@
             </a:pPr>
             <a:fld id="{00000000-1234-1234-1234-123412341234}" type="slidenum">
               <a:rPr lang="en-GB"/>
-              <a:t>‹#›</a:t>
             </a:fld>
-            <a:endParaRPr/>
+            <a:endParaRPr lang="en-GB"/>
           </a:p>
         </p:txBody>
       </p:sp>
@@ -4783,7 +4756,7 @@
 </file>
 
 <file path=ppt/slideLayouts/slideLayout8.xml><?xml version="1.0" encoding="utf-8"?>
-<p:sldLayout xmlns:a="http://schemas.openxmlformats.org/drawingml/2006/main" xmlns:r="http://schemas.openxmlformats.org/officeDocument/2006/relationships" xmlns:mc="http://schemas.openxmlformats.org/markup-compatibility/2006" xmlns:mv="urn:schemas-microsoft-com:mac:vml" xmlns:p="http://schemas.openxmlformats.org/presentationml/2006/main" xmlns:c="http://schemas.openxmlformats.org/drawingml/2006/chart" xmlns:dgm="http://schemas.openxmlformats.org/drawingml/2006/diagram" xmlns:o="urn:schemas-microsoft-com:office:office" xmlns:v="urn:schemas-microsoft-com:vml" xmlns:pvml="urn:schemas-microsoft-com:office:powerpoint" xmlns:com="http://schemas.openxmlformats.org/drawingml/2006/compatibility" xmlns:p14="http://schemas.microsoft.com/office/powerpoint/2010/main" xmlns:p15="http://schemas.microsoft.com/office/powerpoint/2012/main" xmlns:ahyp="http://schemas.microsoft.com/office/drawing/2018/hyperlinkcolor" matchingName="Section title and description">
+<p:sldLayout xmlns:a="http://schemas.openxmlformats.org/drawingml/2006/main" xmlns:r="http://schemas.openxmlformats.org/officeDocument/2006/relationships" xmlns:p="http://schemas.openxmlformats.org/presentationml/2006/main" matchingName="Section title and description">
   <p:cSld name="SECTION_TITLE_AND_DESCRIPTION">
     <p:spTree>
       <p:nvGrpSpPr>
@@ -4821,12 +4794,12 @@
           </a:ln>
         </p:spPr>
         <p:txBody>
-          <a:bodyPr anchorCtr="0" anchor="ctr" bIns="91425" lIns="91425" spcFirstLastPara="1" rIns="91425" wrap="square" tIns="91425">
+          <a:bodyPr spcFirstLastPara="1" wrap="square" lIns="91425" tIns="91425" rIns="91425" bIns="91425" anchor="ctr" anchorCtr="0">
             <a:noAutofit/>
           </a:bodyPr>
           <a:lstStyle/>
           <a:p>
-            <a:pPr indent="0" lvl="0" marL="0" rtl="0" algn="l">
+            <a:pPr marL="0" lvl="0" indent="0" algn="l" rtl="0">
               <a:spcBef>
                 <a:spcPts val="0"/>
               </a:spcBef>
@@ -4835,10 +4808,6 @@
               </a:spcAft>
               <a:buNone/>
             </a:pPr>
-            <a:r>
-              <a:t/>
-            </a:r>
-            <a:endParaRPr/>
           </a:p>
         </p:txBody>
       </p:sp>
@@ -4857,14 +4826,14 @@
             <a:avLst/>
           </a:prstGeom>
           <a:noFill/>
-          <a:ln cap="flat" cmpd="sng" w="19050">
+          <a:ln w="19050" cap="flat" cmpd="sng">
             <a:solidFill>
               <a:schemeClr val="lt1"/>
             </a:solidFill>
             <a:prstDash val="solid"/>
             <a:round/>
-            <a:headEnd len="sm" w="sm" type="none"/>
-            <a:tailEnd len="sm" w="sm" type="none"/>
+            <a:headEnd type="none" w="sm" len="sm"/>
+            <a:tailEnd type="none" w="sm" len="sm"/>
           </a:ln>
         </p:spPr>
       </p:cxnSp>
@@ -4886,7 +4855,7 @@
           </a:prstGeom>
         </p:spPr>
         <p:txBody>
-          <a:bodyPr anchorCtr="0" anchor="b" bIns="91425" lIns="91425" spcFirstLastPara="1" rIns="91425" wrap="square" tIns="91425">
+          <a:bodyPr spcFirstLastPara="1" wrap="square" lIns="91425" tIns="91425" rIns="91425" bIns="91425" anchor="b" anchorCtr="0">
             <a:normAutofit/>
           </a:bodyPr>
           <a:lstStyle>
@@ -4998,7 +4967,7 @@
           <p:cNvPr id="49" name="Google Shape;49;p9"/>
           <p:cNvSpPr txBox="1"/>
           <p:nvPr>
-            <p:ph idx="1" type="subTitle"/>
+            <p:ph type="subTitle" idx="1"/>
           </p:nvPr>
         </p:nvSpPr>
         <p:spPr>
@@ -5011,7 +4980,7 @@
           </a:prstGeom>
         </p:spPr>
         <p:txBody>
-          <a:bodyPr anchorCtr="0" anchor="t" bIns="91425" lIns="91425" spcFirstLastPara="1" rIns="91425" wrap="square" tIns="91425">
+          <a:bodyPr spcFirstLastPara="1" wrap="square" lIns="91425" tIns="91425" rIns="91425" bIns="91425" anchor="t" anchorCtr="0">
             <a:normAutofit/>
           </a:bodyPr>
           <a:lstStyle>
@@ -5150,7 +5119,7 @@
           <p:cNvPr id="50" name="Google Shape;50;p9"/>
           <p:cNvSpPr txBox="1"/>
           <p:nvPr>
-            <p:ph idx="2" type="body"/>
+            <p:ph type="body" idx="2"/>
           </p:nvPr>
         </p:nvSpPr>
         <p:spPr>
@@ -5163,11 +5132,11 @@
           </a:prstGeom>
         </p:spPr>
         <p:txBody>
-          <a:bodyPr anchorCtr="0" anchor="ctr" bIns="91425" lIns="91425" spcFirstLastPara="1" rIns="91425" wrap="square" tIns="91425">
+          <a:bodyPr spcFirstLastPara="1" wrap="square" lIns="91425" tIns="91425" rIns="91425" bIns="91425" anchor="ctr" anchorCtr="0">
             <a:normAutofit/>
           </a:bodyPr>
           <a:lstStyle>
-            <a:lvl1pPr indent="-342900" lvl="0" marL="457200">
+            <a:lvl1pPr marL="457200" lvl="0" indent="-342900">
               <a:spcBef>
                 <a:spcPts val="0"/>
               </a:spcBef>
@@ -5185,7 +5154,7 @@
                 </a:solidFill>
               </a:defRPr>
             </a:lvl1pPr>
-            <a:lvl2pPr indent="-317500" lvl="1" marL="914400">
+            <a:lvl2pPr marL="914400" lvl="1" indent="-317500">
               <a:spcBef>
                 <a:spcPts val="0"/>
               </a:spcBef>
@@ -5203,7 +5172,7 @@
                 </a:solidFill>
               </a:defRPr>
             </a:lvl2pPr>
-            <a:lvl3pPr indent="-317500" lvl="2" marL="1371600">
+            <a:lvl3pPr marL="1371600" lvl="2" indent="-317500">
               <a:spcBef>
                 <a:spcPts val="0"/>
               </a:spcBef>
@@ -5221,7 +5190,7 @@
                 </a:solidFill>
               </a:defRPr>
             </a:lvl3pPr>
-            <a:lvl4pPr indent="-317500" lvl="3" marL="1828800">
+            <a:lvl4pPr marL="1828800" lvl="3" indent="-317500">
               <a:spcBef>
                 <a:spcPts val="0"/>
               </a:spcBef>
@@ -5239,7 +5208,7 @@
                 </a:solidFill>
               </a:defRPr>
             </a:lvl4pPr>
-            <a:lvl5pPr indent="-317500" lvl="4" marL="2286000">
+            <a:lvl5pPr marL="2286000" lvl="4" indent="-317500">
               <a:spcBef>
                 <a:spcPts val="0"/>
               </a:spcBef>
@@ -5257,7 +5226,7 @@
                 </a:solidFill>
               </a:defRPr>
             </a:lvl5pPr>
-            <a:lvl6pPr indent="-317500" lvl="5" marL="2743200">
+            <a:lvl6pPr marL="2743200" lvl="5" indent="-317500">
               <a:spcBef>
                 <a:spcPts val="0"/>
               </a:spcBef>
@@ -5275,7 +5244,7 @@
                 </a:solidFill>
               </a:defRPr>
             </a:lvl6pPr>
-            <a:lvl7pPr indent="-317500" lvl="6" marL="3200400">
+            <a:lvl7pPr marL="3200400" lvl="6" indent="-317500">
               <a:spcBef>
                 <a:spcPts val="0"/>
               </a:spcBef>
@@ -5293,7 +5262,7 @@
                 </a:solidFill>
               </a:defRPr>
             </a:lvl7pPr>
-            <a:lvl8pPr indent="-317500" lvl="7" marL="3657600">
+            <a:lvl8pPr marL="3657600" lvl="7" indent="-317500">
               <a:spcBef>
                 <a:spcPts val="0"/>
               </a:spcBef>
@@ -5311,7 +5280,7 @@
                 </a:solidFill>
               </a:defRPr>
             </a:lvl8pPr>
-            <a:lvl9pPr indent="-317500" lvl="8" marL="4114800">
+            <a:lvl9pPr marL="4114800" lvl="8" indent="-317500">
               <a:spcBef>
                 <a:spcPts val="0"/>
               </a:spcBef>
@@ -5338,7 +5307,7 @@
           <p:cNvPr id="51" name="Google Shape;51;p9"/>
           <p:cNvSpPr txBox="1"/>
           <p:nvPr>
-            <p:ph idx="12" type="sldNum"/>
+            <p:ph type="sldNum" idx="12"/>
           </p:nvPr>
         </p:nvSpPr>
         <p:spPr>
@@ -5351,7 +5320,7 @@
           </a:prstGeom>
         </p:spPr>
         <p:txBody>
-          <a:bodyPr anchorCtr="0" anchor="ctr" bIns="91425" lIns="91425" spcFirstLastPara="1" rIns="91425" wrap="square" tIns="91425">
+          <a:bodyPr spcFirstLastPara="1" wrap="square" lIns="91425" tIns="91425" rIns="91425" bIns="91425" anchor="ctr" anchorCtr="0">
             <a:normAutofit/>
           </a:bodyPr>
           <a:lstStyle>
@@ -5429,7 +5398,7 @@
             </a:lvl9pPr>
           </a:lstStyle>
           <a:p>
-            <a:pPr indent="0" lvl="0" marL="0" rtl="0" algn="r">
+            <a:pPr marL="0" lvl="0" indent="0" algn="r" rtl="0">
               <a:spcBef>
                 <a:spcPts val="0"/>
               </a:spcBef>
@@ -5440,9 +5409,8 @@
             </a:pPr>
             <a:fld id="{00000000-1234-1234-1234-123412341234}" type="slidenum">
               <a:rPr lang="en-GB"/>
-              <a:t>‹#›</a:t>
             </a:fld>
-            <a:endParaRPr/>
+            <a:endParaRPr lang="en-GB"/>
           </a:p>
         </p:txBody>
       </p:sp>
@@ -5455,7 +5423,7 @@
 </file>
 
 <file path=ppt/slideLayouts/slideLayout9.xml><?xml version="1.0" encoding="utf-8"?>
-<p:sldLayout xmlns:a="http://schemas.openxmlformats.org/drawingml/2006/main" xmlns:r="http://schemas.openxmlformats.org/officeDocument/2006/relationships" xmlns:mc="http://schemas.openxmlformats.org/markup-compatibility/2006" xmlns:mv="urn:schemas-microsoft-com:mac:vml" xmlns:p="http://schemas.openxmlformats.org/presentationml/2006/main" xmlns:c="http://schemas.openxmlformats.org/drawingml/2006/chart" xmlns:dgm="http://schemas.openxmlformats.org/drawingml/2006/diagram" xmlns:o="urn:schemas-microsoft-com:office:office" xmlns:v="urn:schemas-microsoft-com:vml" xmlns:pvml="urn:schemas-microsoft-com:office:powerpoint" xmlns:com="http://schemas.openxmlformats.org/drawingml/2006/compatibility" xmlns:p14="http://schemas.microsoft.com/office/powerpoint/2010/main" xmlns:p15="http://schemas.microsoft.com/office/powerpoint/2012/main" xmlns:ahyp="http://schemas.microsoft.com/office/drawing/2018/hyperlinkcolor" matchingName="Caption">
+<p:sldLayout xmlns:a="http://schemas.openxmlformats.org/drawingml/2006/main" xmlns:r="http://schemas.openxmlformats.org/officeDocument/2006/relationships" xmlns:p="http://schemas.openxmlformats.org/presentationml/2006/main" matchingName="Caption">
   <p:cSld name="CAPTION_ONLY">
     <p:spTree>
       <p:nvGrpSpPr>
@@ -5476,7 +5444,7 @@
           <p:cNvPr id="53" name="Google Shape;53;p10"/>
           <p:cNvSpPr txBox="1"/>
           <p:nvPr>
-            <p:ph idx="1" type="body"/>
+            <p:ph type="body" idx="1"/>
           </p:nvPr>
         </p:nvSpPr>
         <p:spPr>
@@ -5489,11 +5457,11 @@
           </a:prstGeom>
         </p:spPr>
         <p:txBody>
-          <a:bodyPr anchorCtr="0" anchor="ctr" bIns="91425" lIns="91425" spcFirstLastPara="1" rIns="91425" wrap="square" tIns="91425">
+          <a:bodyPr spcFirstLastPara="1" wrap="square" lIns="91425" tIns="91425" rIns="91425" bIns="91425" anchor="ctr" anchorCtr="0">
             <a:normAutofit/>
           </a:bodyPr>
           <a:lstStyle>
-            <a:lvl1pPr indent="-228600" lvl="0" marL="457200">
+            <a:lvl1pPr marL="457200" lvl="0" indent="-228600">
               <a:lnSpc>
                 <a:spcPct val="100000"/>
               </a:lnSpc>
@@ -5522,7 +5490,7 @@
           <p:cNvPr id="54" name="Google Shape;54;p10"/>
           <p:cNvSpPr txBox="1"/>
           <p:nvPr>
-            <p:ph idx="12" type="sldNum"/>
+            <p:ph type="sldNum" idx="12"/>
           </p:nvPr>
         </p:nvSpPr>
         <p:spPr>
@@ -5535,7 +5503,7 @@
           </a:prstGeom>
         </p:spPr>
         <p:txBody>
-          <a:bodyPr anchorCtr="0" anchor="ctr" bIns="91425" lIns="91425" spcFirstLastPara="1" rIns="91425" wrap="square" tIns="91425">
+          <a:bodyPr spcFirstLastPara="1" wrap="square" lIns="91425" tIns="91425" rIns="91425" bIns="91425" anchor="ctr" anchorCtr="0">
             <a:normAutofit/>
           </a:bodyPr>
           <a:lstStyle>
@@ -5577,7 +5545,7 @@
             </a:lvl9pPr>
           </a:lstStyle>
           <a:p>
-            <a:pPr indent="0" lvl="0" marL="0" rtl="0" algn="r">
+            <a:pPr marL="0" lvl="0" indent="0" algn="r" rtl="0">
               <a:spcBef>
                 <a:spcPts val="0"/>
               </a:spcBef>
@@ -5588,9 +5556,8 @@
             </a:pPr>
             <a:fld id="{00000000-1234-1234-1234-123412341234}" type="slidenum">
               <a:rPr lang="en-GB"/>
-              <a:t>‹#›</a:t>
             </a:fld>
-            <a:endParaRPr/>
+            <a:endParaRPr lang="en-GB"/>
           </a:p>
         </p:txBody>
       </p:sp>
@@ -5603,13 +5570,14 @@
 </file>
 
 <file path=ppt/slideMasters/slideMaster1.xml><?xml version="1.0" encoding="utf-8"?>
-<p:sldMaster xmlns:a="http://schemas.openxmlformats.org/drawingml/2006/main" xmlns:r="http://schemas.openxmlformats.org/officeDocument/2006/relationships" xmlns:mc="http://schemas.openxmlformats.org/markup-compatibility/2006" xmlns:mv="urn:schemas-microsoft-com:mac:vml" xmlns:p="http://schemas.openxmlformats.org/presentationml/2006/main" xmlns:c="http://schemas.openxmlformats.org/drawingml/2006/chart" xmlns:dgm="http://schemas.openxmlformats.org/drawingml/2006/diagram" xmlns:o="urn:schemas-microsoft-com:office:office" xmlns:v="urn:schemas-microsoft-com:vml" xmlns:pvml="urn:schemas-microsoft-com:office:powerpoint" xmlns:com="http://schemas.openxmlformats.org/drawingml/2006/compatibility" xmlns:p14="http://schemas.microsoft.com/office/powerpoint/2010/main" xmlns:p15="http://schemas.microsoft.com/office/powerpoint/2012/main" xmlns:ahyp="http://schemas.microsoft.com/office/drawing/2018/hyperlinkcolor">
-  <p:cSld name="tropic">
+<p:sldMaster xmlns:a="http://schemas.openxmlformats.org/drawingml/2006/main" xmlns:r="http://schemas.openxmlformats.org/officeDocument/2006/relationships" xmlns:p="http://schemas.openxmlformats.org/presentationml/2006/main">
+  <p:cSld>
     <p:bg>
       <p:bgPr>
         <a:solidFill>
           <a:schemeClr val="lt1"/>
         </a:solidFill>
+        <a:effectLst/>
       </p:bgPr>
     </p:bg>
     <p:spTree>
@@ -5648,7 +5616,7 @@
           </a:ln>
         </p:spPr>
         <p:txBody>
-          <a:bodyPr anchorCtr="0" anchor="t" bIns="91425" lIns="91425" spcFirstLastPara="1" rIns="91425" wrap="square" tIns="91425">
+          <a:bodyPr spcFirstLastPara="1" wrap="square" lIns="91425" tIns="91425" rIns="91425" bIns="91425" anchor="t" anchorCtr="0">
             <a:normAutofit/>
           </a:bodyPr>
           <a:lstStyle>
@@ -5665,7 +5633,7 @@
               <a:buSzPts val="3600"/>
               <a:buFont typeface="PT Sans Narrow"/>
               <a:buNone/>
-              <a:defRPr b="1" sz="3600">
+              <a:defRPr sz="3600" b="1">
                 <a:solidFill>
                   <a:schemeClr val="accent1"/>
                 </a:solidFill>
@@ -5688,7 +5656,7 @@
               <a:buSzPts val="3600"/>
               <a:buFont typeface="PT Sans Narrow"/>
               <a:buNone/>
-              <a:defRPr b="1" sz="3600">
+              <a:defRPr sz="3600" b="1">
                 <a:solidFill>
                   <a:schemeClr val="accent1"/>
                 </a:solidFill>
@@ -5711,7 +5679,7 @@
               <a:buSzPts val="3600"/>
               <a:buFont typeface="PT Sans Narrow"/>
               <a:buNone/>
-              <a:defRPr b="1" sz="3600">
+              <a:defRPr sz="3600" b="1">
                 <a:solidFill>
                   <a:schemeClr val="accent1"/>
                 </a:solidFill>
@@ -5734,7 +5702,7 @@
               <a:buSzPts val="3600"/>
               <a:buFont typeface="PT Sans Narrow"/>
               <a:buNone/>
-              <a:defRPr b="1" sz="3600">
+              <a:defRPr sz="3600" b="1">
                 <a:solidFill>
                   <a:schemeClr val="accent1"/>
                 </a:solidFill>
@@ -5757,7 +5725,7 @@
               <a:buSzPts val="3600"/>
               <a:buFont typeface="PT Sans Narrow"/>
               <a:buNone/>
-              <a:defRPr b="1" sz="3600">
+              <a:defRPr sz="3600" b="1">
                 <a:solidFill>
                   <a:schemeClr val="accent1"/>
                 </a:solidFill>
@@ -5780,7 +5748,7 @@
               <a:buSzPts val="3600"/>
               <a:buFont typeface="PT Sans Narrow"/>
               <a:buNone/>
-              <a:defRPr b="1" sz="3600">
+              <a:defRPr sz="3600" b="1">
                 <a:solidFill>
                   <a:schemeClr val="accent1"/>
                 </a:solidFill>
@@ -5803,7 +5771,7 @@
               <a:buSzPts val="3600"/>
               <a:buFont typeface="PT Sans Narrow"/>
               <a:buNone/>
-              <a:defRPr b="1" sz="3600">
+              <a:defRPr sz="3600" b="1">
                 <a:solidFill>
                   <a:schemeClr val="accent1"/>
                 </a:solidFill>
@@ -5826,7 +5794,7 @@
               <a:buSzPts val="3600"/>
               <a:buFont typeface="PT Sans Narrow"/>
               <a:buNone/>
-              <a:defRPr b="1" sz="3600">
+              <a:defRPr sz="3600" b="1">
                 <a:solidFill>
                   <a:schemeClr val="accent1"/>
                 </a:solidFill>
@@ -5849,7 +5817,7 @@
               <a:buSzPts val="3600"/>
               <a:buFont typeface="PT Sans Narrow"/>
               <a:buNone/>
-              <a:defRPr b="1" sz="3600">
+              <a:defRPr sz="3600" b="1">
                 <a:solidFill>
                   <a:schemeClr val="accent1"/>
                 </a:solidFill>
@@ -5868,7 +5836,7 @@
           <p:cNvPr id="7" name="Google Shape;7;p1"/>
           <p:cNvSpPr txBox="1"/>
           <p:nvPr>
-            <p:ph idx="1" type="body"/>
+            <p:ph type="body" idx="1"/>
           </p:nvPr>
         </p:nvSpPr>
         <p:spPr>
@@ -5885,11 +5853,11 @@
           </a:ln>
         </p:spPr>
         <p:txBody>
-          <a:bodyPr anchorCtr="0" anchor="t" bIns="91425" lIns="91425" spcFirstLastPara="1" rIns="91425" wrap="square" tIns="91425">
+          <a:bodyPr spcFirstLastPara="1" wrap="square" lIns="91425" tIns="91425" rIns="91425" bIns="91425" anchor="t" anchorCtr="0">
             <a:normAutofit/>
           </a:bodyPr>
           <a:lstStyle>
-            <a:lvl1pPr indent="-342900" lvl="0" marL="457200">
+            <a:lvl1pPr marL="457200" lvl="0" indent="-342900">
               <a:lnSpc>
                 <a:spcPct val="115000"/>
               </a:lnSpc>
@@ -5915,7 +5883,7 @@
                 <a:sym typeface="Open Sans"/>
               </a:defRPr>
             </a:lvl1pPr>
-            <a:lvl2pPr indent="-317500" lvl="1" marL="914400">
+            <a:lvl2pPr marL="914400" lvl="1" indent="-317500">
               <a:lnSpc>
                 <a:spcPct val="115000"/>
               </a:lnSpc>
@@ -5941,7 +5909,7 @@
                 <a:sym typeface="Open Sans"/>
               </a:defRPr>
             </a:lvl2pPr>
-            <a:lvl3pPr indent="-317500" lvl="2" marL="1371600">
+            <a:lvl3pPr marL="1371600" lvl="2" indent="-317500">
               <a:lnSpc>
                 <a:spcPct val="115000"/>
               </a:lnSpc>
@@ -5967,7 +5935,7 @@
                 <a:sym typeface="Open Sans"/>
               </a:defRPr>
             </a:lvl3pPr>
-            <a:lvl4pPr indent="-317500" lvl="3" marL="1828800">
+            <a:lvl4pPr marL="1828800" lvl="3" indent="-317500">
               <a:lnSpc>
                 <a:spcPct val="115000"/>
               </a:lnSpc>
@@ -5993,7 +5961,7 @@
                 <a:sym typeface="Open Sans"/>
               </a:defRPr>
             </a:lvl4pPr>
-            <a:lvl5pPr indent="-317500" lvl="4" marL="2286000">
+            <a:lvl5pPr marL="2286000" lvl="4" indent="-317500">
               <a:lnSpc>
                 <a:spcPct val="115000"/>
               </a:lnSpc>
@@ -6019,7 +5987,7 @@
                 <a:sym typeface="Open Sans"/>
               </a:defRPr>
             </a:lvl5pPr>
-            <a:lvl6pPr indent="-317500" lvl="5" marL="2743200">
+            <a:lvl6pPr marL="2743200" lvl="5" indent="-317500">
               <a:lnSpc>
                 <a:spcPct val="115000"/>
               </a:lnSpc>
@@ -6045,7 +6013,7 @@
                 <a:sym typeface="Open Sans"/>
               </a:defRPr>
             </a:lvl6pPr>
-            <a:lvl7pPr indent="-317500" lvl="6" marL="3200400">
+            <a:lvl7pPr marL="3200400" lvl="6" indent="-317500">
               <a:lnSpc>
                 <a:spcPct val="115000"/>
               </a:lnSpc>
@@ -6071,7 +6039,7 @@
                 <a:sym typeface="Open Sans"/>
               </a:defRPr>
             </a:lvl7pPr>
-            <a:lvl8pPr indent="-317500" lvl="7" marL="3657600">
+            <a:lvl8pPr marL="3657600" lvl="7" indent="-317500">
               <a:lnSpc>
                 <a:spcPct val="115000"/>
               </a:lnSpc>
@@ -6097,7 +6065,7 @@
                 <a:sym typeface="Open Sans"/>
               </a:defRPr>
             </a:lvl8pPr>
-            <a:lvl9pPr indent="-317500" lvl="8" marL="4114800">
+            <a:lvl9pPr marL="4114800" lvl="8" indent="-317500">
               <a:lnSpc>
                 <a:spcPct val="115000"/>
               </a:lnSpc>
@@ -6132,7 +6100,7 @@
           <p:cNvPr id="8" name="Google Shape;8;p1"/>
           <p:cNvSpPr txBox="1"/>
           <p:nvPr>
-            <p:ph idx="12" type="sldNum"/>
+            <p:ph type="sldNum" idx="12"/>
           </p:nvPr>
         </p:nvSpPr>
         <p:spPr>
@@ -6149,7 +6117,7 @@
           </a:ln>
         </p:spPr>
         <p:txBody>
-          <a:bodyPr anchorCtr="0" anchor="ctr" bIns="91425" lIns="91425" spcFirstLastPara="1" rIns="91425" wrap="square" tIns="91425">
+          <a:bodyPr spcFirstLastPara="1" wrap="square" lIns="91425" tIns="91425" rIns="91425" bIns="91425" anchor="ctr" anchorCtr="0">
             <a:normAutofit/>
           </a:bodyPr>
           <a:lstStyle>
@@ -6263,7 +6231,7 @@
             </a:lvl9pPr>
           </a:lstStyle>
           <a:p>
-            <a:pPr indent="0" lvl="0" marL="0" rtl="0" algn="r">
+            <a:pPr marL="0" lvl="0" indent="0" algn="r" rtl="0">
               <a:spcBef>
                 <a:spcPts val="0"/>
               </a:spcBef>
@@ -6274,32 +6242,31 @@
             </a:pPr>
             <a:fld id="{00000000-1234-1234-1234-123412341234}" type="slidenum">
               <a:rPr lang="en-GB"/>
-              <a:t>‹#›</a:t>
             </a:fld>
-            <a:endParaRPr/>
+            <a:endParaRPr lang="en-GB"/>
           </a:p>
         </p:txBody>
       </p:sp>
     </p:spTree>
   </p:cSld>
-  <p:clrMap accent1="accent1" accent2="accent2" accent3="accent3" accent4="accent4" accent5="accent5" accent6="accent6" bg1="lt1" bg2="dk2" tx1="dk1" tx2="lt2" folHlink="folHlink" hlink="hlink"/>
+  <p:clrMap bg1="lt1" tx1="dk1" bg2="dk2" tx2="lt2" accent1="accent1" accent2="accent2" accent3="accent3" accent4="accent4" accent5="accent5" accent6="accent6" hlink="hlink" folHlink="folHlink"/>
   <p:sldLayoutIdLst>
-    <p:sldLayoutId id="2147483648" r:id="rId1"/>
-    <p:sldLayoutId id="2147483649" r:id="rId2"/>
-    <p:sldLayoutId id="2147483650" r:id="rId3"/>
-    <p:sldLayoutId id="2147483651" r:id="rId4"/>
-    <p:sldLayoutId id="2147483652" r:id="rId5"/>
-    <p:sldLayoutId id="2147483653" r:id="rId6"/>
-    <p:sldLayoutId id="2147483654" r:id="rId7"/>
-    <p:sldLayoutId id="2147483655" r:id="rId8"/>
-    <p:sldLayoutId id="2147483656" r:id="rId9"/>
-    <p:sldLayoutId id="2147483657" r:id="rId10"/>
-    <p:sldLayoutId id="2147483658" r:id="rId11"/>
+    <p:sldLayoutId id="2147483649" r:id="rId1"/>
+    <p:sldLayoutId id="2147483650" r:id="rId2"/>
+    <p:sldLayoutId id="2147483651" r:id="rId3"/>
+    <p:sldLayoutId id="2147483652" r:id="rId4"/>
+    <p:sldLayoutId id="2147483653" r:id="rId5"/>
+    <p:sldLayoutId id="2147483654" r:id="rId6"/>
+    <p:sldLayoutId id="2147483655" r:id="rId7"/>
+    <p:sldLayoutId id="2147483656" r:id="rId8"/>
+    <p:sldLayoutId id="2147483657" r:id="rId9"/>
+    <p:sldLayoutId id="2147483658" r:id="rId10"/>
+    <p:sldLayoutId id="2147483659" r:id="rId11"/>
   </p:sldLayoutIdLst>
-  <p:hf dt="0" ftr="0" hdr="0" sldNum="0"/>
+  <p:hf sldNum="0" hdr="0" ftr="0" dt="0"/>
   <p:txStyles>
     <p:titleStyle>
-      <a:defPPr lvl="0" marR="0" rtl="0" algn="l">
+      <a:defPPr marR="0" lvl="0" algn="l" rtl="0">
         <a:lnSpc>
           <a:spcPct val="100000"/>
         </a:lnSpc>
@@ -6310,7 +6277,7 @@
           <a:spcPts val="0"/>
         </a:spcAft>
       </a:defPPr>
-      <a:lvl1pPr lvl="0" marR="0" rtl="0" algn="l">
+      <a:lvl1pPr marR="0" lvl="0" algn="l" rtl="0">
         <a:lnSpc>
           <a:spcPct val="100000"/>
         </a:lnSpc>
@@ -6323,18 +6290,18 @@
         <a:buClr>
           <a:srgbClr val="000000"/>
         </a:buClr>
-        <a:buFont typeface="Arial"/>
-        <a:defRPr b="0" i="0" sz="1400" u="none" cap="none" strike="noStrike">
+        <a:buFont typeface="Arial" panose="020B0604020202020204"/>
+        <a:defRPr sz="1400" b="0" i="0" u="none" strike="noStrike" cap="none">
           <a:solidFill>
             <a:srgbClr val="000000"/>
           </a:solidFill>
-          <a:latin typeface="Arial"/>
-          <a:ea typeface="Arial"/>
-          <a:cs typeface="Arial"/>
-          <a:sym typeface="Arial"/>
+          <a:latin typeface="Arial" panose="020B0604020202020204"/>
+          <a:ea typeface="Arial" panose="020B0604020202020204"/>
+          <a:cs typeface="Arial" panose="020B0604020202020204"/>
+          <a:sym typeface="Arial" panose="020B0604020202020204"/>
         </a:defRPr>
       </a:lvl1pPr>
-      <a:lvl2pPr lvl="1" marR="0" rtl="0" algn="l">
+      <a:lvl2pPr marR="0" lvl="1" algn="l" rtl="0">
         <a:lnSpc>
           <a:spcPct val="100000"/>
         </a:lnSpc>
@@ -6347,18 +6314,18 @@
         <a:buClr>
           <a:srgbClr val="000000"/>
         </a:buClr>
-        <a:buFont typeface="Arial"/>
-        <a:defRPr b="0" i="0" sz="1400" u="none" cap="none" strike="noStrike">
+        <a:buFont typeface="Arial" panose="020B0604020202020204"/>
+        <a:defRPr sz="1400" b="0" i="0" u="none" strike="noStrike" cap="none">
           <a:solidFill>
             <a:srgbClr val="000000"/>
           </a:solidFill>
-          <a:latin typeface="Arial"/>
-          <a:ea typeface="Arial"/>
-          <a:cs typeface="Arial"/>
-          <a:sym typeface="Arial"/>
+          <a:latin typeface="Arial" panose="020B0604020202020204"/>
+          <a:ea typeface="Arial" panose="020B0604020202020204"/>
+          <a:cs typeface="Arial" panose="020B0604020202020204"/>
+          <a:sym typeface="Arial" panose="020B0604020202020204"/>
         </a:defRPr>
       </a:lvl2pPr>
-      <a:lvl3pPr lvl="2" marR="0" rtl="0" algn="l">
+      <a:lvl3pPr marR="0" lvl="2" algn="l" rtl="0">
         <a:lnSpc>
           <a:spcPct val="100000"/>
         </a:lnSpc>
@@ -6371,18 +6338,18 @@
         <a:buClr>
           <a:srgbClr val="000000"/>
         </a:buClr>
-        <a:buFont typeface="Arial"/>
-        <a:defRPr b="0" i="0" sz="1400" u="none" cap="none" strike="noStrike">
+        <a:buFont typeface="Arial" panose="020B0604020202020204"/>
+        <a:defRPr sz="1400" b="0" i="0" u="none" strike="noStrike" cap="none">
           <a:solidFill>
             <a:srgbClr val="000000"/>
           </a:solidFill>
-          <a:latin typeface="Arial"/>
-          <a:ea typeface="Arial"/>
-          <a:cs typeface="Arial"/>
-          <a:sym typeface="Arial"/>
+          <a:latin typeface="Arial" panose="020B0604020202020204"/>
+          <a:ea typeface="Arial" panose="020B0604020202020204"/>
+          <a:cs typeface="Arial" panose="020B0604020202020204"/>
+          <a:sym typeface="Arial" panose="020B0604020202020204"/>
         </a:defRPr>
       </a:lvl3pPr>
-      <a:lvl4pPr lvl="3" marR="0" rtl="0" algn="l">
+      <a:lvl4pPr marR="0" lvl="3" algn="l" rtl="0">
         <a:lnSpc>
           <a:spcPct val="100000"/>
         </a:lnSpc>
@@ -6395,18 +6362,18 @@
         <a:buClr>
           <a:srgbClr val="000000"/>
         </a:buClr>
-        <a:buFont typeface="Arial"/>
-        <a:defRPr b="0" i="0" sz="1400" u="none" cap="none" strike="noStrike">
+        <a:buFont typeface="Arial" panose="020B0604020202020204"/>
+        <a:defRPr sz="1400" b="0" i="0" u="none" strike="noStrike" cap="none">
           <a:solidFill>
             <a:srgbClr val="000000"/>
           </a:solidFill>
-          <a:latin typeface="Arial"/>
-          <a:ea typeface="Arial"/>
-          <a:cs typeface="Arial"/>
-          <a:sym typeface="Arial"/>
+          <a:latin typeface="Arial" panose="020B0604020202020204"/>
+          <a:ea typeface="Arial" panose="020B0604020202020204"/>
+          <a:cs typeface="Arial" panose="020B0604020202020204"/>
+          <a:sym typeface="Arial" panose="020B0604020202020204"/>
         </a:defRPr>
       </a:lvl4pPr>
-      <a:lvl5pPr lvl="4" marR="0" rtl="0" algn="l">
+      <a:lvl5pPr marR="0" lvl="4" algn="l" rtl="0">
         <a:lnSpc>
           <a:spcPct val="100000"/>
         </a:lnSpc>
@@ -6419,18 +6386,18 @@
         <a:buClr>
           <a:srgbClr val="000000"/>
         </a:buClr>
-        <a:buFont typeface="Arial"/>
-        <a:defRPr b="0" i="0" sz="1400" u="none" cap="none" strike="noStrike">
+        <a:buFont typeface="Arial" panose="020B0604020202020204"/>
+        <a:defRPr sz="1400" b="0" i="0" u="none" strike="noStrike" cap="none">
           <a:solidFill>
             <a:srgbClr val="000000"/>
           </a:solidFill>
-          <a:latin typeface="Arial"/>
-          <a:ea typeface="Arial"/>
-          <a:cs typeface="Arial"/>
-          <a:sym typeface="Arial"/>
+          <a:latin typeface="Arial" panose="020B0604020202020204"/>
+          <a:ea typeface="Arial" panose="020B0604020202020204"/>
+          <a:cs typeface="Arial" panose="020B0604020202020204"/>
+          <a:sym typeface="Arial" panose="020B0604020202020204"/>
         </a:defRPr>
       </a:lvl5pPr>
-      <a:lvl6pPr lvl="5" marR="0" rtl="0" algn="l">
+      <a:lvl6pPr marR="0" lvl="5" algn="l" rtl="0">
         <a:lnSpc>
           <a:spcPct val="100000"/>
         </a:lnSpc>
@@ -6443,18 +6410,18 @@
         <a:buClr>
           <a:srgbClr val="000000"/>
         </a:buClr>
-        <a:buFont typeface="Arial"/>
-        <a:defRPr b="0" i="0" sz="1400" u="none" cap="none" strike="noStrike">
+        <a:buFont typeface="Arial" panose="020B0604020202020204"/>
+        <a:defRPr sz="1400" b="0" i="0" u="none" strike="noStrike" cap="none">
           <a:solidFill>
             <a:srgbClr val="000000"/>
           </a:solidFill>
-          <a:latin typeface="Arial"/>
-          <a:ea typeface="Arial"/>
-          <a:cs typeface="Arial"/>
-          <a:sym typeface="Arial"/>
+          <a:latin typeface="Arial" panose="020B0604020202020204"/>
+          <a:ea typeface="Arial" panose="020B0604020202020204"/>
+          <a:cs typeface="Arial" panose="020B0604020202020204"/>
+          <a:sym typeface="Arial" panose="020B0604020202020204"/>
         </a:defRPr>
       </a:lvl6pPr>
-      <a:lvl7pPr lvl="6" marR="0" rtl="0" algn="l">
+      <a:lvl7pPr marR="0" lvl="6" algn="l" rtl="0">
         <a:lnSpc>
           <a:spcPct val="100000"/>
         </a:lnSpc>
@@ -6467,18 +6434,18 @@
         <a:buClr>
           <a:srgbClr val="000000"/>
         </a:buClr>
-        <a:buFont typeface="Arial"/>
-        <a:defRPr b="0" i="0" sz="1400" u="none" cap="none" strike="noStrike">
+        <a:buFont typeface="Arial" panose="020B0604020202020204"/>
+        <a:defRPr sz="1400" b="0" i="0" u="none" strike="noStrike" cap="none">
           <a:solidFill>
             <a:srgbClr val="000000"/>
           </a:solidFill>
-          <a:latin typeface="Arial"/>
-          <a:ea typeface="Arial"/>
-          <a:cs typeface="Arial"/>
-          <a:sym typeface="Arial"/>
+          <a:latin typeface="Arial" panose="020B0604020202020204"/>
+          <a:ea typeface="Arial" panose="020B0604020202020204"/>
+          <a:cs typeface="Arial" panose="020B0604020202020204"/>
+          <a:sym typeface="Arial" panose="020B0604020202020204"/>
         </a:defRPr>
       </a:lvl7pPr>
-      <a:lvl8pPr lvl="7" marR="0" rtl="0" algn="l">
+      <a:lvl8pPr marR="0" lvl="7" algn="l" rtl="0">
         <a:lnSpc>
           <a:spcPct val="100000"/>
         </a:lnSpc>
@@ -6491,18 +6458,18 @@
         <a:buClr>
           <a:srgbClr val="000000"/>
         </a:buClr>
-        <a:buFont typeface="Arial"/>
-        <a:defRPr b="0" i="0" sz="1400" u="none" cap="none" strike="noStrike">
+        <a:buFont typeface="Arial" panose="020B0604020202020204"/>
+        <a:defRPr sz="1400" b="0" i="0" u="none" strike="noStrike" cap="none">
           <a:solidFill>
             <a:srgbClr val="000000"/>
           </a:solidFill>
-          <a:latin typeface="Arial"/>
-          <a:ea typeface="Arial"/>
-          <a:cs typeface="Arial"/>
-          <a:sym typeface="Arial"/>
+          <a:latin typeface="Arial" panose="020B0604020202020204"/>
+          <a:ea typeface="Arial" panose="020B0604020202020204"/>
+          <a:cs typeface="Arial" panose="020B0604020202020204"/>
+          <a:sym typeface="Arial" panose="020B0604020202020204"/>
         </a:defRPr>
       </a:lvl8pPr>
-      <a:lvl9pPr lvl="8" marR="0" rtl="0" algn="l">
+      <a:lvl9pPr marR="0" lvl="8" algn="l" rtl="0">
         <a:lnSpc>
           <a:spcPct val="100000"/>
         </a:lnSpc>
@@ -6515,20 +6482,20 @@
         <a:buClr>
           <a:srgbClr val="000000"/>
         </a:buClr>
-        <a:buFont typeface="Arial"/>
-        <a:defRPr b="0" i="0" sz="1400" u="none" cap="none" strike="noStrike">
+        <a:buFont typeface="Arial" panose="020B0604020202020204"/>
+        <a:defRPr sz="1400" b="0" i="0" u="none" strike="noStrike" cap="none">
           <a:solidFill>
             <a:srgbClr val="000000"/>
           </a:solidFill>
-          <a:latin typeface="Arial"/>
-          <a:ea typeface="Arial"/>
-          <a:cs typeface="Arial"/>
-          <a:sym typeface="Arial"/>
+          <a:latin typeface="Arial" panose="020B0604020202020204"/>
+          <a:ea typeface="Arial" panose="020B0604020202020204"/>
+          <a:cs typeface="Arial" panose="020B0604020202020204"/>
+          <a:sym typeface="Arial" panose="020B0604020202020204"/>
         </a:defRPr>
       </a:lvl9pPr>
     </p:titleStyle>
     <p:bodyStyle>
-      <a:defPPr lvl="0" marR="0" rtl="0" algn="l">
+      <a:defPPr marR="0" lvl="0" algn="l" rtl="0">
         <a:lnSpc>
           <a:spcPct val="100000"/>
         </a:lnSpc>
@@ -6539,7 +6506,7 @@
           <a:spcPts val="0"/>
         </a:spcAft>
       </a:defPPr>
-      <a:lvl1pPr lvl="0" marR="0" rtl="0" algn="l">
+      <a:lvl1pPr marR="0" lvl="0" algn="l" rtl="0">
         <a:lnSpc>
           <a:spcPct val="100000"/>
         </a:lnSpc>
@@ -6552,18 +6519,18 @@
         <a:buClr>
           <a:srgbClr val="000000"/>
         </a:buClr>
-        <a:buFont typeface="Arial"/>
-        <a:defRPr b="0" i="0" sz="1400" u="none" cap="none" strike="noStrike">
+        <a:buFont typeface="Arial" panose="020B0604020202020204"/>
+        <a:defRPr sz="1400" b="0" i="0" u="none" strike="noStrike" cap="none">
           <a:solidFill>
             <a:srgbClr val="000000"/>
           </a:solidFill>
-          <a:latin typeface="Arial"/>
-          <a:ea typeface="Arial"/>
-          <a:cs typeface="Arial"/>
-          <a:sym typeface="Arial"/>
+          <a:latin typeface="Arial" panose="020B0604020202020204"/>
+          <a:ea typeface="Arial" panose="020B0604020202020204"/>
+          <a:cs typeface="Arial" panose="020B0604020202020204"/>
+          <a:sym typeface="Arial" panose="020B0604020202020204"/>
         </a:defRPr>
       </a:lvl1pPr>
-      <a:lvl2pPr lvl="1" marR="0" rtl="0" algn="l">
+      <a:lvl2pPr marR="0" lvl="1" algn="l" rtl="0">
         <a:lnSpc>
           <a:spcPct val="100000"/>
         </a:lnSpc>
@@ -6576,18 +6543,18 @@
         <a:buClr>
           <a:srgbClr val="000000"/>
         </a:buClr>
-        <a:buFont typeface="Arial"/>
-        <a:defRPr b="0" i="0" sz="1400" u="none" cap="none" strike="noStrike">
+        <a:buFont typeface="Arial" panose="020B0604020202020204"/>
+        <a:defRPr sz="1400" b="0" i="0" u="none" strike="noStrike" cap="none">
           <a:solidFill>
             <a:srgbClr val="000000"/>
           </a:solidFill>
-          <a:latin typeface="Arial"/>
-          <a:ea typeface="Arial"/>
-          <a:cs typeface="Arial"/>
-          <a:sym typeface="Arial"/>
+          <a:latin typeface="Arial" panose="020B0604020202020204"/>
+          <a:ea typeface="Arial" panose="020B0604020202020204"/>
+          <a:cs typeface="Arial" panose="020B0604020202020204"/>
+          <a:sym typeface="Arial" panose="020B0604020202020204"/>
         </a:defRPr>
       </a:lvl2pPr>
-      <a:lvl3pPr lvl="2" marR="0" rtl="0" algn="l">
+      <a:lvl3pPr marR="0" lvl="2" algn="l" rtl="0">
         <a:lnSpc>
           <a:spcPct val="100000"/>
         </a:lnSpc>
@@ -6600,18 +6567,18 @@
         <a:buClr>
           <a:srgbClr val="000000"/>
         </a:buClr>
-        <a:buFont typeface="Arial"/>
-        <a:defRPr b="0" i="0" sz="1400" u="none" cap="none" strike="noStrike">
+        <a:buFont typeface="Arial" panose="020B0604020202020204"/>
+        <a:defRPr sz="1400" b="0" i="0" u="none" strike="noStrike" cap="none">
           <a:solidFill>
             <a:srgbClr val="000000"/>
           </a:solidFill>
-          <a:latin typeface="Arial"/>
-          <a:ea typeface="Arial"/>
-          <a:cs typeface="Arial"/>
-          <a:sym typeface="Arial"/>
+          <a:latin typeface="Arial" panose="020B0604020202020204"/>
+          <a:ea typeface="Arial" panose="020B0604020202020204"/>
+          <a:cs typeface="Arial" panose="020B0604020202020204"/>
+          <a:sym typeface="Arial" panose="020B0604020202020204"/>
         </a:defRPr>
       </a:lvl3pPr>
-      <a:lvl4pPr lvl="3" marR="0" rtl="0" algn="l">
+      <a:lvl4pPr marR="0" lvl="3" algn="l" rtl="0">
         <a:lnSpc>
           <a:spcPct val="100000"/>
         </a:lnSpc>
@@ -6624,18 +6591,18 @@
         <a:buClr>
           <a:srgbClr val="000000"/>
         </a:buClr>
-        <a:buFont typeface="Arial"/>
-        <a:defRPr b="0" i="0" sz="1400" u="none" cap="none" strike="noStrike">
+        <a:buFont typeface="Arial" panose="020B0604020202020204"/>
+        <a:defRPr sz="1400" b="0" i="0" u="none" strike="noStrike" cap="none">
           <a:solidFill>
             <a:srgbClr val="000000"/>
           </a:solidFill>
-          <a:latin typeface="Arial"/>
-          <a:ea typeface="Arial"/>
-          <a:cs typeface="Arial"/>
-          <a:sym typeface="Arial"/>
+          <a:latin typeface="Arial" panose="020B0604020202020204"/>
+          <a:ea typeface="Arial" panose="020B0604020202020204"/>
+          <a:cs typeface="Arial" panose="020B0604020202020204"/>
+          <a:sym typeface="Arial" panose="020B0604020202020204"/>
         </a:defRPr>
       </a:lvl4pPr>
-      <a:lvl5pPr lvl="4" marR="0" rtl="0" algn="l">
+      <a:lvl5pPr marR="0" lvl="4" algn="l" rtl="0">
         <a:lnSpc>
           <a:spcPct val="100000"/>
         </a:lnSpc>
@@ -6648,18 +6615,18 @@
         <a:buClr>
           <a:srgbClr val="000000"/>
         </a:buClr>
-        <a:buFont typeface="Arial"/>
-        <a:defRPr b="0" i="0" sz="1400" u="none" cap="none" strike="noStrike">
+        <a:buFont typeface="Arial" panose="020B0604020202020204"/>
+        <a:defRPr sz="1400" b="0" i="0" u="none" strike="noStrike" cap="none">
           <a:solidFill>
             <a:srgbClr val="000000"/>
           </a:solidFill>
-          <a:latin typeface="Arial"/>
-          <a:ea typeface="Arial"/>
-          <a:cs typeface="Arial"/>
-          <a:sym typeface="Arial"/>
+          <a:latin typeface="Arial" panose="020B0604020202020204"/>
+          <a:ea typeface="Arial" panose="020B0604020202020204"/>
+          <a:cs typeface="Arial" panose="020B0604020202020204"/>
+          <a:sym typeface="Arial" panose="020B0604020202020204"/>
         </a:defRPr>
       </a:lvl5pPr>
-      <a:lvl6pPr lvl="5" marR="0" rtl="0" algn="l">
+      <a:lvl6pPr marR="0" lvl="5" algn="l" rtl="0">
         <a:lnSpc>
           <a:spcPct val="100000"/>
         </a:lnSpc>
@@ -6672,18 +6639,18 @@
         <a:buClr>
           <a:srgbClr val="000000"/>
         </a:buClr>
-        <a:buFont typeface="Arial"/>
-        <a:defRPr b="0" i="0" sz="1400" u="none" cap="none" strike="noStrike">
+        <a:buFont typeface="Arial" panose="020B0604020202020204"/>
+        <a:defRPr sz="1400" b="0" i="0" u="none" strike="noStrike" cap="none">
           <a:solidFill>
             <a:srgbClr val="000000"/>
           </a:solidFill>
-          <a:latin typeface="Arial"/>
-          <a:ea typeface="Arial"/>
-          <a:cs typeface="Arial"/>
-          <a:sym typeface="Arial"/>
+          <a:latin typeface="Arial" panose="020B0604020202020204"/>
+          <a:ea typeface="Arial" panose="020B0604020202020204"/>
+          <a:cs typeface="Arial" panose="020B0604020202020204"/>
+          <a:sym typeface="Arial" panose="020B0604020202020204"/>
         </a:defRPr>
       </a:lvl6pPr>
-      <a:lvl7pPr lvl="6" marR="0" rtl="0" algn="l">
+      <a:lvl7pPr marR="0" lvl="6" algn="l" rtl="0">
         <a:lnSpc>
           <a:spcPct val="100000"/>
         </a:lnSpc>
@@ -6696,18 +6663,18 @@
         <a:buClr>
           <a:srgbClr val="000000"/>
         </a:buClr>
-        <a:buFont typeface="Arial"/>
-        <a:defRPr b="0" i="0" sz="1400" u="none" cap="none" strike="noStrike">
+        <a:buFont typeface="Arial" panose="020B0604020202020204"/>
+        <a:defRPr sz="1400" b="0" i="0" u="none" strike="noStrike" cap="none">
           <a:solidFill>
             <a:srgbClr val="000000"/>
           </a:solidFill>
-          <a:latin typeface="Arial"/>
-          <a:ea typeface="Arial"/>
-          <a:cs typeface="Arial"/>
-          <a:sym typeface="Arial"/>
+          <a:latin typeface="Arial" panose="020B0604020202020204"/>
+          <a:ea typeface="Arial" panose="020B0604020202020204"/>
+          <a:cs typeface="Arial" panose="020B0604020202020204"/>
+          <a:sym typeface="Arial" panose="020B0604020202020204"/>
         </a:defRPr>
       </a:lvl7pPr>
-      <a:lvl8pPr lvl="7" marR="0" rtl="0" algn="l">
+      <a:lvl8pPr marR="0" lvl="7" algn="l" rtl="0">
         <a:lnSpc>
           <a:spcPct val="100000"/>
         </a:lnSpc>
@@ -6720,18 +6687,18 @@
         <a:buClr>
           <a:srgbClr val="000000"/>
         </a:buClr>
-        <a:buFont typeface="Arial"/>
-        <a:defRPr b="0" i="0" sz="1400" u="none" cap="none" strike="noStrike">
+        <a:buFont typeface="Arial" panose="020B0604020202020204"/>
+        <a:defRPr sz="1400" b="0" i="0" u="none" strike="noStrike" cap="none">
           <a:solidFill>
             <a:srgbClr val="000000"/>
           </a:solidFill>
-          <a:latin typeface="Arial"/>
-          <a:ea typeface="Arial"/>
-          <a:cs typeface="Arial"/>
-          <a:sym typeface="Arial"/>
+          <a:latin typeface="Arial" panose="020B0604020202020204"/>
+          <a:ea typeface="Arial" panose="020B0604020202020204"/>
+          <a:cs typeface="Arial" panose="020B0604020202020204"/>
+          <a:sym typeface="Arial" panose="020B0604020202020204"/>
         </a:defRPr>
       </a:lvl8pPr>
-      <a:lvl9pPr lvl="8" marR="0" rtl="0" algn="l">
+      <a:lvl9pPr marR="0" lvl="8" algn="l" rtl="0">
         <a:lnSpc>
           <a:spcPct val="100000"/>
         </a:lnSpc>
@@ -6744,20 +6711,20 @@
         <a:buClr>
           <a:srgbClr val="000000"/>
         </a:buClr>
-        <a:buFont typeface="Arial"/>
-        <a:defRPr b="0" i="0" sz="1400" u="none" cap="none" strike="noStrike">
+        <a:buFont typeface="Arial" panose="020B0604020202020204"/>
+        <a:defRPr sz="1400" b="0" i="0" u="none" strike="noStrike" cap="none">
           <a:solidFill>
             <a:srgbClr val="000000"/>
           </a:solidFill>
-          <a:latin typeface="Arial"/>
-          <a:ea typeface="Arial"/>
-          <a:cs typeface="Arial"/>
-          <a:sym typeface="Arial"/>
+          <a:latin typeface="Arial" panose="020B0604020202020204"/>
+          <a:ea typeface="Arial" panose="020B0604020202020204"/>
+          <a:cs typeface="Arial" panose="020B0604020202020204"/>
+          <a:sym typeface="Arial" panose="020B0604020202020204"/>
         </a:defRPr>
       </a:lvl9pPr>
     </p:bodyStyle>
     <p:otherStyle>
-      <a:defPPr lvl="0" marR="0" rtl="0" algn="l">
+      <a:defPPr marR="0" lvl="0" algn="l" rtl="0">
         <a:lnSpc>
           <a:spcPct val="100000"/>
         </a:lnSpc>
@@ -6768,7 +6735,7 @@
           <a:spcPts val="0"/>
         </a:spcAft>
       </a:defPPr>
-      <a:lvl1pPr lvl="0" marR="0" rtl="0" algn="l">
+      <a:lvl1pPr marR="0" lvl="0" algn="l" rtl="0">
         <a:lnSpc>
           <a:spcPct val="100000"/>
         </a:lnSpc>
@@ -6781,18 +6748,18 @@
         <a:buClr>
           <a:srgbClr val="000000"/>
         </a:buClr>
-        <a:buFont typeface="Arial"/>
-        <a:defRPr b="0" i="0" sz="1400" u="none" cap="none" strike="noStrike">
+        <a:buFont typeface="Arial" panose="020B0604020202020204"/>
+        <a:defRPr sz="1400" b="0" i="0" u="none" strike="noStrike" cap="none">
           <a:solidFill>
             <a:srgbClr val="000000"/>
           </a:solidFill>
-          <a:latin typeface="Arial"/>
-          <a:ea typeface="Arial"/>
-          <a:cs typeface="Arial"/>
-          <a:sym typeface="Arial"/>
+          <a:latin typeface="Arial" panose="020B0604020202020204"/>
+          <a:ea typeface="Arial" panose="020B0604020202020204"/>
+          <a:cs typeface="Arial" panose="020B0604020202020204"/>
+          <a:sym typeface="Arial" panose="020B0604020202020204"/>
         </a:defRPr>
       </a:lvl1pPr>
-      <a:lvl2pPr lvl="1" marR="0" rtl="0" algn="l">
+      <a:lvl2pPr marR="0" lvl="1" algn="l" rtl="0">
         <a:lnSpc>
           <a:spcPct val="100000"/>
         </a:lnSpc>
@@ -6805,18 +6772,18 @@
         <a:buClr>
           <a:srgbClr val="000000"/>
         </a:buClr>
-        <a:buFont typeface="Arial"/>
-        <a:defRPr b="0" i="0" sz="1400" u="none" cap="none" strike="noStrike">
+        <a:buFont typeface="Arial" panose="020B0604020202020204"/>
+        <a:defRPr sz="1400" b="0" i="0" u="none" strike="noStrike" cap="none">
           <a:solidFill>
             <a:srgbClr val="000000"/>
           </a:solidFill>
-          <a:latin typeface="Arial"/>
-          <a:ea typeface="Arial"/>
-          <a:cs typeface="Arial"/>
-          <a:sym typeface="Arial"/>
+          <a:latin typeface="Arial" panose="020B0604020202020204"/>
+          <a:ea typeface="Arial" panose="020B0604020202020204"/>
+          <a:cs typeface="Arial" panose="020B0604020202020204"/>
+          <a:sym typeface="Arial" panose="020B0604020202020204"/>
         </a:defRPr>
       </a:lvl2pPr>
-      <a:lvl3pPr lvl="2" marR="0" rtl="0" algn="l">
+      <a:lvl3pPr marR="0" lvl="2" algn="l" rtl="0">
         <a:lnSpc>
           <a:spcPct val="100000"/>
         </a:lnSpc>
@@ -6829,18 +6796,18 @@
         <a:buClr>
           <a:srgbClr val="000000"/>
         </a:buClr>
-        <a:buFont typeface="Arial"/>
-        <a:defRPr b="0" i="0" sz="1400" u="none" cap="none" strike="noStrike">
+        <a:buFont typeface="Arial" panose="020B0604020202020204"/>
+        <a:defRPr sz="1400" b="0" i="0" u="none" strike="noStrike" cap="none">
           <a:solidFill>
             <a:srgbClr val="000000"/>
           </a:solidFill>
-          <a:latin typeface="Arial"/>
-          <a:ea typeface="Arial"/>
-          <a:cs typeface="Arial"/>
-          <a:sym typeface="Arial"/>
+          <a:latin typeface="Arial" panose="020B0604020202020204"/>
+          <a:ea typeface="Arial" panose="020B0604020202020204"/>
+          <a:cs typeface="Arial" panose="020B0604020202020204"/>
+          <a:sym typeface="Arial" panose="020B0604020202020204"/>
         </a:defRPr>
       </a:lvl3pPr>
-      <a:lvl4pPr lvl="3" marR="0" rtl="0" algn="l">
+      <a:lvl4pPr marR="0" lvl="3" algn="l" rtl="0">
         <a:lnSpc>
           <a:spcPct val="100000"/>
         </a:lnSpc>
@@ -6853,18 +6820,18 @@
         <a:buClr>
           <a:srgbClr val="000000"/>
         </a:buClr>
-        <a:buFont typeface="Arial"/>
-        <a:defRPr b="0" i="0" sz="1400" u="none" cap="none" strike="noStrike">
+        <a:buFont typeface="Arial" panose="020B0604020202020204"/>
+        <a:defRPr sz="1400" b="0" i="0" u="none" strike="noStrike" cap="none">
           <a:solidFill>
             <a:srgbClr val="000000"/>
           </a:solidFill>
-          <a:latin typeface="Arial"/>
-          <a:ea typeface="Arial"/>
-          <a:cs typeface="Arial"/>
-          <a:sym typeface="Arial"/>
+          <a:latin typeface="Arial" panose="020B0604020202020204"/>
+          <a:ea typeface="Arial" panose="020B0604020202020204"/>
+          <a:cs typeface="Arial" panose="020B0604020202020204"/>
+          <a:sym typeface="Arial" panose="020B0604020202020204"/>
         </a:defRPr>
       </a:lvl4pPr>
-      <a:lvl5pPr lvl="4" marR="0" rtl="0" algn="l">
+      <a:lvl5pPr marR="0" lvl="4" algn="l" rtl="0">
         <a:lnSpc>
           <a:spcPct val="100000"/>
         </a:lnSpc>
@@ -6877,18 +6844,18 @@
         <a:buClr>
           <a:srgbClr val="000000"/>
         </a:buClr>
-        <a:buFont typeface="Arial"/>
-        <a:defRPr b="0" i="0" sz="1400" u="none" cap="none" strike="noStrike">
+        <a:buFont typeface="Arial" panose="020B0604020202020204"/>
+        <a:defRPr sz="1400" b="0" i="0" u="none" strike="noStrike" cap="none">
           <a:solidFill>
             <a:srgbClr val="000000"/>
           </a:solidFill>
-          <a:latin typeface="Arial"/>
-          <a:ea typeface="Arial"/>
-          <a:cs typeface="Arial"/>
-          <a:sym typeface="Arial"/>
+          <a:latin typeface="Arial" panose="020B0604020202020204"/>
+          <a:ea typeface="Arial" panose="020B0604020202020204"/>
+          <a:cs typeface="Arial" panose="020B0604020202020204"/>
+          <a:sym typeface="Arial" panose="020B0604020202020204"/>
         </a:defRPr>
       </a:lvl5pPr>
-      <a:lvl6pPr lvl="5" marR="0" rtl="0" algn="l">
+      <a:lvl6pPr marR="0" lvl="5" algn="l" rtl="0">
         <a:lnSpc>
           <a:spcPct val="100000"/>
         </a:lnSpc>
@@ -6901,18 +6868,18 @@
         <a:buClr>
           <a:srgbClr val="000000"/>
         </a:buClr>
-        <a:buFont typeface="Arial"/>
-        <a:defRPr b="0" i="0" sz="1400" u="none" cap="none" strike="noStrike">
+        <a:buFont typeface="Arial" panose="020B0604020202020204"/>
+        <a:defRPr sz="1400" b="0" i="0" u="none" strike="noStrike" cap="none">
           <a:solidFill>
             <a:srgbClr val="000000"/>
           </a:solidFill>
-          <a:latin typeface="Arial"/>
-          <a:ea typeface="Arial"/>
-          <a:cs typeface="Arial"/>
-          <a:sym typeface="Arial"/>
+          <a:latin typeface="Arial" panose="020B0604020202020204"/>
+          <a:ea typeface="Arial" panose="020B0604020202020204"/>
+          <a:cs typeface="Arial" panose="020B0604020202020204"/>
+          <a:sym typeface="Arial" panose="020B0604020202020204"/>
         </a:defRPr>
       </a:lvl6pPr>
-      <a:lvl7pPr lvl="6" marR="0" rtl="0" algn="l">
+      <a:lvl7pPr marR="0" lvl="6" algn="l" rtl="0">
         <a:lnSpc>
           <a:spcPct val="100000"/>
         </a:lnSpc>
@@ -6925,18 +6892,18 @@
         <a:buClr>
           <a:srgbClr val="000000"/>
         </a:buClr>
-        <a:buFont typeface="Arial"/>
-        <a:defRPr b="0" i="0" sz="1400" u="none" cap="none" strike="noStrike">
+        <a:buFont typeface="Arial" panose="020B0604020202020204"/>
+        <a:defRPr sz="1400" b="0" i="0" u="none" strike="noStrike" cap="none">
           <a:solidFill>
             <a:srgbClr val="000000"/>
           </a:solidFill>
-          <a:latin typeface="Arial"/>
-          <a:ea typeface="Arial"/>
-          <a:cs typeface="Arial"/>
-          <a:sym typeface="Arial"/>
+          <a:latin typeface="Arial" panose="020B0604020202020204"/>
+          <a:ea typeface="Arial" panose="020B0604020202020204"/>
+          <a:cs typeface="Arial" panose="020B0604020202020204"/>
+          <a:sym typeface="Arial" panose="020B0604020202020204"/>
         </a:defRPr>
       </a:lvl7pPr>
-      <a:lvl8pPr lvl="7" marR="0" rtl="0" algn="l">
+      <a:lvl8pPr marR="0" lvl="7" algn="l" rtl="0">
         <a:lnSpc>
           <a:spcPct val="100000"/>
         </a:lnSpc>
@@ -6949,18 +6916,18 @@
         <a:buClr>
           <a:srgbClr val="000000"/>
         </a:buClr>
-        <a:buFont typeface="Arial"/>
-        <a:defRPr b="0" i="0" sz="1400" u="none" cap="none" strike="noStrike">
+        <a:buFont typeface="Arial" panose="020B0604020202020204"/>
+        <a:defRPr sz="1400" b="0" i="0" u="none" strike="noStrike" cap="none">
           <a:solidFill>
             <a:srgbClr val="000000"/>
           </a:solidFill>
-          <a:latin typeface="Arial"/>
-          <a:ea typeface="Arial"/>
-          <a:cs typeface="Arial"/>
-          <a:sym typeface="Arial"/>
+          <a:latin typeface="Arial" panose="020B0604020202020204"/>
+          <a:ea typeface="Arial" panose="020B0604020202020204"/>
+          <a:cs typeface="Arial" panose="020B0604020202020204"/>
+          <a:sym typeface="Arial" panose="020B0604020202020204"/>
         </a:defRPr>
       </a:lvl8pPr>
-      <a:lvl9pPr lvl="8" marR="0" rtl="0" algn="l">
+      <a:lvl9pPr marR="0" lvl="8" algn="l" rtl="0">
         <a:lnSpc>
           <a:spcPct val="100000"/>
         </a:lnSpc>
@@ -6973,15 +6940,15 @@
         <a:buClr>
           <a:srgbClr val="000000"/>
         </a:buClr>
-        <a:buFont typeface="Arial"/>
-        <a:defRPr b="0" i="0" sz="1400" u="none" cap="none" strike="noStrike">
+        <a:buFont typeface="Arial" panose="020B0604020202020204"/>
+        <a:defRPr sz="1400" b="0" i="0" u="none" strike="noStrike" cap="none">
           <a:solidFill>
             <a:srgbClr val="000000"/>
           </a:solidFill>
-          <a:latin typeface="Arial"/>
-          <a:ea typeface="Arial"/>
-          <a:cs typeface="Arial"/>
-          <a:sym typeface="Arial"/>
+          <a:latin typeface="Arial" panose="020B0604020202020204"/>
+          <a:ea typeface="Arial" panose="020B0604020202020204"/>
+          <a:cs typeface="Arial" panose="020B0604020202020204"/>
+          <a:sym typeface="Arial" panose="020B0604020202020204"/>
         </a:defRPr>
       </a:lvl9pPr>
     </p:otherStyle>
@@ -6990,7 +6957,7 @@
 </file>
 
 <file path=ppt/slides/slide1.xml><?xml version="1.0" encoding="utf-8"?>
-<p:sld xmlns:a="http://schemas.openxmlformats.org/drawingml/2006/main" xmlns:r="http://schemas.openxmlformats.org/officeDocument/2006/relationships" xmlns:mc="http://schemas.openxmlformats.org/markup-compatibility/2006" xmlns:mv="urn:schemas-microsoft-com:mac:vml" xmlns:p="http://schemas.openxmlformats.org/presentationml/2006/main" xmlns:c="http://schemas.openxmlformats.org/drawingml/2006/chart" xmlns:dgm="http://schemas.openxmlformats.org/drawingml/2006/diagram" xmlns:o="urn:schemas-microsoft-com:office:office" xmlns:v="urn:schemas-microsoft-com:vml" xmlns:pvml="urn:schemas-microsoft-com:office:powerpoint" xmlns:com="http://schemas.openxmlformats.org/drawingml/2006/compatibility" xmlns:p14="http://schemas.microsoft.com/office/powerpoint/2010/main" xmlns:p15="http://schemas.microsoft.com/office/powerpoint/2012/main" xmlns:ahyp="http://schemas.microsoft.com/office/drawing/2018/hyperlinkcolor">
+<p:sld xmlns:a="http://schemas.openxmlformats.org/drawingml/2006/main" xmlns:r="http://schemas.openxmlformats.org/officeDocument/2006/relationships" xmlns:p="http://schemas.openxmlformats.org/presentationml/2006/main">
   <p:cSld>
     <p:spTree>
       <p:nvGrpSpPr>
@@ -7016,20 +6983,20 @@
         </p:nvSpPr>
         <p:spPr>
           <a:xfrm>
-            <a:off x="1004150" y="1751764"/>
-            <a:ext cx="7136700" cy="1022400"/>
+            <a:off x="53340" y="1751965"/>
+            <a:ext cx="9038590" cy="1022350"/>
           </a:xfrm>
           <a:prstGeom prst="rect">
             <a:avLst/>
           </a:prstGeom>
         </p:spPr>
         <p:txBody>
-          <a:bodyPr anchorCtr="0" anchor="b" bIns="91425" lIns="91425" spcFirstLastPara="1" rIns="91425" wrap="square" tIns="91425">
-            <a:normAutofit/>
+          <a:bodyPr spcFirstLastPara="1" wrap="square" lIns="91425" tIns="91425" rIns="91425" bIns="91425" anchor="b" anchorCtr="0">
+            <a:normAutofit fontScale="90000"/>
           </a:bodyPr>
           <a:lstStyle/>
           <a:p>
-            <a:pPr indent="0" lvl="0" marL="0" rtl="0" algn="ctr">
+            <a:pPr marL="0" lvl="0" indent="0" algn="ctr" rtl="0">
               <a:spcBef>
                 <a:spcPts val="0"/>
               </a:spcBef>
@@ -7042,7 +7009,7 @@
               <a:rPr lang="en-GB"/>
               <a:t>Health and Wellness Guide</a:t>
             </a:r>
-            <a:endParaRPr/>
+            <a:endParaRPr lang="en-GB"/>
           </a:p>
         </p:txBody>
       </p:sp>
@@ -7051,7 +7018,7 @@
           <p:cNvPr id="67" name="Google Shape;67;p13"/>
           <p:cNvSpPr txBox="1"/>
           <p:nvPr>
-            <p:ph idx="1" type="subTitle"/>
+            <p:ph type="subTitle" idx="1"/>
           </p:nvPr>
         </p:nvSpPr>
         <p:spPr>
@@ -7064,12 +7031,12 @@
           </a:prstGeom>
         </p:spPr>
         <p:txBody>
-          <a:bodyPr anchorCtr="0" anchor="t" bIns="91425" lIns="91425" spcFirstLastPara="1" rIns="91425" wrap="square" tIns="91425">
+          <a:bodyPr spcFirstLastPara="1" wrap="square" lIns="91425" tIns="91425" rIns="91425" bIns="91425" anchor="t" anchorCtr="0">
             <a:normAutofit/>
           </a:bodyPr>
           <a:lstStyle/>
           <a:p>
-            <a:pPr indent="0" lvl="0" marL="0" rtl="0" algn="ctr">
+            <a:pPr marL="0" lvl="0" indent="0" algn="ctr" rtl="0">
               <a:spcBef>
                 <a:spcPts val="0"/>
               </a:spcBef>
@@ -7079,11 +7046,11 @@
               <a:buNone/>
             </a:pPr>
             <a:r>
-              <a:rPr i="1" lang="en-GB"/>
+              <a:rPr lang="en-GB" i="1"/>
               <a:t>Team Name</a:t>
             </a:r>
             <a:r>
-              <a:rPr b="1" lang="en-GB"/>
+              <a:rPr lang="en-GB" b="1"/>
               <a:t> : deb3neitms</a:t>
             </a:r>
             <a:endParaRPr b="1"/>
@@ -7099,7 +7066,7 @@
 </file>
 
 <file path=ppt/slides/slide2.xml><?xml version="1.0" encoding="utf-8"?>
-<p:sld xmlns:a="http://schemas.openxmlformats.org/drawingml/2006/main" xmlns:r="http://schemas.openxmlformats.org/officeDocument/2006/relationships" xmlns:mc="http://schemas.openxmlformats.org/markup-compatibility/2006" xmlns:mv="urn:schemas-microsoft-com:mac:vml" xmlns:p="http://schemas.openxmlformats.org/presentationml/2006/main" xmlns:c="http://schemas.openxmlformats.org/drawingml/2006/chart" xmlns:dgm="http://schemas.openxmlformats.org/drawingml/2006/diagram" xmlns:o="urn:schemas-microsoft-com:office:office" xmlns:v="urn:schemas-microsoft-com:vml" xmlns:pvml="urn:schemas-microsoft-com:office:powerpoint" xmlns:com="http://schemas.openxmlformats.org/drawingml/2006/compatibility" xmlns:p14="http://schemas.microsoft.com/office/powerpoint/2010/main" xmlns:p15="http://schemas.microsoft.com/office/powerpoint/2012/main" xmlns:ahyp="http://schemas.microsoft.com/office/drawing/2018/hyperlinkcolor">
+<p:sld xmlns:a="http://schemas.openxmlformats.org/drawingml/2006/main" xmlns:r="http://schemas.openxmlformats.org/officeDocument/2006/relationships" xmlns:p="http://schemas.openxmlformats.org/presentationml/2006/main">
   <p:cSld>
     <p:spTree>
       <p:nvGrpSpPr>
@@ -7133,12 +7100,12 @@
           </a:prstGeom>
         </p:spPr>
         <p:txBody>
-          <a:bodyPr anchorCtr="0" anchor="t" bIns="91425" lIns="91425" spcFirstLastPara="1" rIns="91425" wrap="square" tIns="91425">
+          <a:bodyPr spcFirstLastPara="1" wrap="square" lIns="91425" tIns="91425" rIns="91425" bIns="91425" anchor="t" anchorCtr="0">
             <a:normAutofit fontScale="90000"/>
           </a:bodyPr>
           <a:lstStyle/>
           <a:p>
-            <a:pPr indent="0" lvl="0" marL="0" rtl="0" algn="l">
+            <a:pPr marL="0" lvl="0" indent="0" algn="l" rtl="0">
               <a:spcBef>
                 <a:spcPts val="0"/>
               </a:spcBef>
@@ -7151,7 +7118,7 @@
               <a:rPr lang="en-GB"/>
               <a:t>Abstract</a:t>
             </a:r>
-            <a:endParaRPr/>
+            <a:endParaRPr lang="en-GB"/>
           </a:p>
         </p:txBody>
       </p:sp>
@@ -7160,7 +7127,7 @@
           <p:cNvPr id="73" name="Google Shape;73;p14"/>
           <p:cNvSpPr txBox="1"/>
           <p:nvPr>
-            <p:ph idx="1" type="body"/>
+            <p:ph type="body" idx="1"/>
           </p:nvPr>
         </p:nvSpPr>
         <p:spPr>
@@ -7173,12 +7140,12 @@
           </a:prstGeom>
         </p:spPr>
         <p:txBody>
-          <a:bodyPr anchorCtr="0" anchor="t" bIns="91425" lIns="91425" spcFirstLastPara="1" rIns="91425" wrap="square" tIns="91425">
+          <a:bodyPr spcFirstLastPara="1" wrap="square" lIns="91425" tIns="91425" rIns="91425" bIns="91425" anchor="t" anchorCtr="0">
             <a:normAutofit/>
           </a:bodyPr>
           <a:lstStyle/>
           <a:p>
-            <a:pPr indent="0" lvl="0" marL="0" rtl="0" algn="l">
+            <a:pPr marL="0" lvl="0" indent="0" algn="l" rtl="0">
               <a:spcBef>
                 <a:spcPts val="0"/>
               </a:spcBef>
@@ -7189,140 +7156,145 @@
             </a:pPr>
             <a:r>
               <a:rPr lang="en-GB">
-                <a:latin typeface="Arial"/>
-                <a:ea typeface="Arial"/>
-                <a:cs typeface="Arial"/>
-                <a:sym typeface="Arial"/>
+                <a:latin typeface="Arial" panose="020B0604020202020204"/>
+                <a:ea typeface="Arial" panose="020B0604020202020204"/>
+                <a:cs typeface="Arial" panose="020B0604020202020204"/>
+                <a:sym typeface="Arial" panose="020B0604020202020204"/>
               </a:rPr>
               <a:t>Health and Wellness Guide is your </a:t>
             </a:r>
             <a:r>
-              <a:rPr b="1" lang="en-GB">
-                <a:latin typeface="Arial"/>
-                <a:ea typeface="Arial"/>
-                <a:cs typeface="Arial"/>
-                <a:sym typeface="Arial"/>
+              <a:rPr lang="en-GB" b="1">
+                <a:latin typeface="Arial" panose="020B0604020202020204"/>
+                <a:ea typeface="Arial" panose="020B0604020202020204"/>
+                <a:cs typeface="Arial" panose="020B0604020202020204"/>
+                <a:sym typeface="Arial" panose="020B0604020202020204"/>
               </a:rPr>
               <a:t>all-in-one platform</a:t>
             </a:r>
             <a:r>
               <a:rPr lang="en-GB">
-                <a:latin typeface="Arial"/>
-                <a:ea typeface="Arial"/>
-                <a:cs typeface="Arial"/>
-                <a:sym typeface="Arial"/>
+                <a:latin typeface="Arial" panose="020B0604020202020204"/>
+                <a:ea typeface="Arial" panose="020B0604020202020204"/>
+                <a:cs typeface="Arial" panose="020B0604020202020204"/>
+                <a:sym typeface="Arial" panose="020B0604020202020204"/>
               </a:rPr>
               <a:t> for a </a:t>
             </a:r>
             <a:r>
-              <a:rPr b="1" lang="en-GB">
-                <a:latin typeface="Arial"/>
-                <a:ea typeface="Arial"/>
-                <a:cs typeface="Arial"/>
-                <a:sym typeface="Arial"/>
+              <a:rPr lang="en-GB" b="1">
+                <a:latin typeface="Arial" panose="020B0604020202020204"/>
+                <a:ea typeface="Arial" panose="020B0604020202020204"/>
+                <a:cs typeface="Arial" panose="020B0604020202020204"/>
+                <a:sym typeface="Arial" panose="020B0604020202020204"/>
               </a:rPr>
               <a:t>healthier, happier you</a:t>
             </a:r>
             <a:r>
               <a:rPr lang="en-GB">
-                <a:latin typeface="Arial"/>
-                <a:ea typeface="Arial"/>
-                <a:cs typeface="Arial"/>
-                <a:sym typeface="Arial"/>
+                <a:latin typeface="Arial" panose="020B0604020202020204"/>
+                <a:ea typeface="Arial" panose="020B0604020202020204"/>
+                <a:cs typeface="Arial" panose="020B0604020202020204"/>
+                <a:sym typeface="Arial" panose="020B0604020202020204"/>
               </a:rPr>
               <a:t>. Designed to </a:t>
             </a:r>
             <a:r>
-              <a:rPr b="1" lang="en-GB">
-                <a:latin typeface="Arial"/>
-                <a:ea typeface="Arial"/>
-                <a:cs typeface="Arial"/>
-                <a:sym typeface="Arial"/>
+              <a:rPr lang="en-GB" b="1">
+                <a:latin typeface="Arial" panose="020B0604020202020204"/>
+                <a:ea typeface="Arial" panose="020B0604020202020204"/>
+                <a:cs typeface="Arial" panose="020B0604020202020204"/>
+                <a:sym typeface="Arial" panose="020B0604020202020204"/>
               </a:rPr>
               <a:t>seamlessly blend physical fitness, personalized nutrition, and mental wellness</a:t>
             </a:r>
             <a:r>
               <a:rPr lang="en-GB">
-                <a:latin typeface="Arial"/>
-                <a:ea typeface="Arial"/>
-                <a:cs typeface="Arial"/>
-                <a:sym typeface="Arial"/>
+                <a:latin typeface="Arial" panose="020B0604020202020204"/>
+                <a:ea typeface="Arial" panose="020B0604020202020204"/>
+                <a:cs typeface="Arial" panose="020B0604020202020204"/>
+                <a:sym typeface="Arial" panose="020B0604020202020204"/>
               </a:rPr>
               <a:t>, this guide offers </a:t>
             </a:r>
             <a:r>
-              <a:rPr b="1" lang="en-GB">
-                <a:latin typeface="Arial"/>
-                <a:ea typeface="Arial"/>
-                <a:cs typeface="Arial"/>
-                <a:sym typeface="Arial"/>
+              <a:rPr lang="en-GB" b="1">
+                <a:latin typeface="Arial" panose="020B0604020202020204"/>
+                <a:ea typeface="Arial" panose="020B0604020202020204"/>
+                <a:cs typeface="Arial" panose="020B0604020202020204"/>
+                <a:sym typeface="Arial" panose="020B0604020202020204"/>
               </a:rPr>
               <a:t>tailored advice and interactive tools</a:t>
             </a:r>
             <a:r>
               <a:rPr lang="en-GB">
-                <a:latin typeface="Arial"/>
-                <a:ea typeface="Arial"/>
-                <a:cs typeface="Arial"/>
-                <a:sym typeface="Arial"/>
+                <a:latin typeface="Arial" panose="020B0604020202020204"/>
+                <a:ea typeface="Arial" panose="020B0604020202020204"/>
+                <a:cs typeface="Arial" panose="020B0604020202020204"/>
+                <a:sym typeface="Arial" panose="020B0604020202020204"/>
               </a:rPr>
               <a:t> that adapt to your unique needs. From </a:t>
             </a:r>
             <a:r>
-              <a:rPr b="1" lang="en-GB">
-                <a:latin typeface="Arial"/>
-                <a:ea typeface="Arial"/>
-                <a:cs typeface="Arial"/>
-                <a:sym typeface="Arial"/>
+              <a:rPr lang="en-GB" b="1">
+                <a:latin typeface="Arial" panose="020B0604020202020204"/>
+                <a:ea typeface="Arial" panose="020B0604020202020204"/>
+                <a:cs typeface="Arial" panose="020B0604020202020204"/>
+                <a:sym typeface="Arial" panose="020B0604020202020204"/>
               </a:rPr>
               <a:t>smart fitness challenges and wearable integration</a:t>
             </a:r>
             <a:r>
               <a:rPr lang="en-GB">
-                <a:latin typeface="Arial"/>
-                <a:ea typeface="Arial"/>
-                <a:cs typeface="Arial"/>
-                <a:sym typeface="Arial"/>
+                <a:latin typeface="Arial" panose="020B0604020202020204"/>
+                <a:ea typeface="Arial" panose="020B0604020202020204"/>
+                <a:cs typeface="Arial" panose="020B0604020202020204"/>
+                <a:sym typeface="Arial" panose="020B0604020202020204"/>
               </a:rPr>
               <a:t> to </a:t>
             </a:r>
             <a:r>
-              <a:rPr b="1" lang="en-GB">
-                <a:latin typeface="Arial"/>
-                <a:ea typeface="Arial"/>
-                <a:cs typeface="Arial"/>
-                <a:sym typeface="Arial"/>
+              <a:rPr lang="en-GB" b="1">
+                <a:latin typeface="Arial" panose="020B0604020202020204"/>
+                <a:ea typeface="Arial" panose="020B0604020202020204"/>
+                <a:cs typeface="Arial" panose="020B0604020202020204"/>
+                <a:sym typeface="Arial" panose="020B0604020202020204"/>
               </a:rPr>
               <a:t>calming mindfulness sessions</a:t>
             </a:r>
             <a:r>
               <a:rPr lang="en-GB">
-                <a:latin typeface="Arial"/>
-                <a:ea typeface="Arial"/>
-                <a:cs typeface="Arial"/>
-                <a:sym typeface="Arial"/>
+                <a:latin typeface="Arial" panose="020B0604020202020204"/>
+                <a:ea typeface="Arial" panose="020B0604020202020204"/>
+                <a:cs typeface="Arial" panose="020B0604020202020204"/>
+                <a:sym typeface="Arial" panose="020B0604020202020204"/>
               </a:rPr>
               <a:t> and </a:t>
             </a:r>
             <a:r>
-              <a:rPr b="1" lang="en-GB">
-                <a:latin typeface="Arial"/>
-                <a:ea typeface="Arial"/>
-                <a:cs typeface="Arial"/>
-                <a:sym typeface="Arial"/>
+              <a:rPr lang="en-GB" b="1">
+                <a:latin typeface="Arial" panose="020B0604020202020204"/>
+                <a:ea typeface="Arial" panose="020B0604020202020204"/>
+                <a:cs typeface="Arial" panose="020B0604020202020204"/>
+                <a:sym typeface="Arial" panose="020B0604020202020204"/>
               </a:rPr>
               <a:t>daily nutrition tips,</a:t>
             </a:r>
             <a:r>
               <a:rPr lang="en-GB">
-                <a:latin typeface="Arial"/>
-                <a:ea typeface="Arial"/>
-                <a:cs typeface="Arial"/>
-                <a:sym typeface="Arial"/>
+                <a:latin typeface="Arial" panose="020B0604020202020204"/>
+                <a:ea typeface="Arial" panose="020B0604020202020204"/>
+                <a:cs typeface="Arial" panose="020B0604020202020204"/>
+                <a:sym typeface="Arial" panose="020B0604020202020204"/>
               </a:rPr>
               <a:t> the platform empowers you to take control of your well-being. </a:t>
             </a:r>
-            <a:endParaRPr/>
+            <a:endParaRPr lang="en-GB">
+              <a:latin typeface="Arial" panose="020B0604020202020204"/>
+              <a:ea typeface="Arial" panose="020B0604020202020204"/>
+              <a:cs typeface="Arial" panose="020B0604020202020204"/>
+              <a:sym typeface="Arial" panose="020B0604020202020204"/>
+            </a:endParaRPr>
           </a:p>
         </p:txBody>
       </p:sp>
@@ -7335,7 +7307,7 @@
 </file>
 
 <file path=ppt/slides/slide3.xml><?xml version="1.0" encoding="utf-8"?>
-<p:sld xmlns:a="http://schemas.openxmlformats.org/drawingml/2006/main" xmlns:r="http://schemas.openxmlformats.org/officeDocument/2006/relationships" xmlns:mc="http://schemas.openxmlformats.org/markup-compatibility/2006" xmlns:mv="urn:schemas-microsoft-com:mac:vml" xmlns:p="http://schemas.openxmlformats.org/presentationml/2006/main" xmlns:c="http://schemas.openxmlformats.org/drawingml/2006/chart" xmlns:dgm="http://schemas.openxmlformats.org/drawingml/2006/diagram" xmlns:o="urn:schemas-microsoft-com:office:office" xmlns:v="urn:schemas-microsoft-com:vml" xmlns:pvml="urn:schemas-microsoft-com:office:powerpoint" xmlns:com="http://schemas.openxmlformats.org/drawingml/2006/compatibility" xmlns:p14="http://schemas.microsoft.com/office/powerpoint/2010/main" xmlns:p15="http://schemas.microsoft.com/office/powerpoint/2012/main" xmlns:ahyp="http://schemas.microsoft.com/office/drawing/2018/hyperlinkcolor">
+<p:sld xmlns:a="http://schemas.openxmlformats.org/drawingml/2006/main" xmlns:r="http://schemas.openxmlformats.org/officeDocument/2006/relationships" xmlns:p="http://schemas.openxmlformats.org/presentationml/2006/main">
   <p:cSld>
     <p:spTree>
       <p:nvGrpSpPr>
@@ -7369,12 +7341,12 @@
           </a:prstGeom>
         </p:spPr>
         <p:txBody>
-          <a:bodyPr anchorCtr="0" anchor="t" bIns="91425" lIns="91425" spcFirstLastPara="1" rIns="91425" wrap="square" tIns="91425">
+          <a:bodyPr spcFirstLastPara="1" wrap="square" lIns="91425" tIns="91425" rIns="91425" bIns="91425" anchor="t" anchorCtr="0">
             <a:normAutofit fontScale="90000"/>
           </a:bodyPr>
           <a:lstStyle/>
           <a:p>
-            <a:pPr indent="0" lvl="0" marL="0" rtl="0" algn="l">
+            <a:pPr marL="0" lvl="0" indent="0" algn="l" rtl="0">
               <a:spcBef>
                 <a:spcPts val="0"/>
               </a:spcBef>
@@ -7387,10 +7359,10 @@
               <a:rPr lang="en-GB"/>
               <a:t>Features : ChatBot</a:t>
             </a:r>
-            <a:endParaRPr/>
+            <a:endParaRPr lang="en-GB"/>
           </a:p>
           <a:p>
-            <a:pPr indent="0" lvl="0" marL="0" rtl="0" algn="l">
+            <a:pPr marL="0" lvl="0" indent="0" algn="l" rtl="0">
               <a:spcBef>
                 <a:spcPts val="0"/>
               </a:spcBef>
@@ -7399,10 +7371,6 @@
               </a:spcAft>
               <a:buNone/>
             </a:pPr>
-            <a:r>
-              <a:t/>
-            </a:r>
-            <a:endParaRPr/>
           </a:p>
         </p:txBody>
       </p:sp>
@@ -7411,7 +7379,7 @@
           <p:cNvPr id="79" name="Google Shape;79;p15"/>
           <p:cNvSpPr txBox="1"/>
           <p:nvPr>
-            <p:ph idx="1" type="body"/>
+            <p:ph type="body" idx="1"/>
           </p:nvPr>
         </p:nvSpPr>
         <p:spPr>
@@ -7424,12 +7392,12 @@
           </a:prstGeom>
         </p:spPr>
         <p:txBody>
-          <a:bodyPr anchorCtr="0" anchor="t" bIns="91425" lIns="91425" spcFirstLastPara="1" rIns="91425" wrap="square" tIns="91425">
+          <a:bodyPr spcFirstLastPara="1" wrap="square" lIns="91425" tIns="91425" rIns="91425" bIns="91425" anchor="t" anchorCtr="0">
             <a:normAutofit/>
           </a:bodyPr>
           <a:lstStyle/>
           <a:p>
-            <a:pPr indent="0" lvl="0" marL="0" rtl="0" algn="l">
+            <a:pPr marL="0" lvl="0" indent="0" algn="l" rtl="0">
               <a:spcBef>
                 <a:spcPts val="1200"/>
               </a:spcBef>
@@ -7443,7 +7411,7 @@
               <a:t>At the core of this platform is an </a:t>
             </a:r>
             <a:r>
-              <a:rPr b="1" lang="en-GB"/>
+              <a:rPr lang="en-GB" b="1"/>
               <a:t>intelligent chatbot</a:t>
             </a:r>
             <a:r>
@@ -7451,7 +7419,7 @@
               <a:t> that allows users to </a:t>
             </a:r>
             <a:r>
-              <a:rPr b="1" lang="en-GB"/>
+              <a:rPr lang="en-GB" b="1"/>
               <a:t>freely ask queries and generate prompts accordingly  via Gemini API</a:t>
             </a:r>
             <a:r>
@@ -7459,7 +7427,7 @@
               <a:t>. The </a:t>
             </a:r>
             <a:r>
-              <a:rPr b="1" lang="en-GB"/>
+              <a:rPr lang="en-GB" b="1"/>
               <a:t>bot learns from user interactions</a:t>
             </a:r>
             <a:r>
@@ -7467,7 +7435,7 @@
               <a:t>, offering </a:t>
             </a:r>
             <a:r>
-              <a:rPr b="1" lang="en-GB"/>
+              <a:rPr lang="en-GB" b="1"/>
               <a:t>progressive guidance</a:t>
             </a:r>
             <a:r>
@@ -7475,7 +7443,7 @@
               <a:t> and integrating data from wearables like Fitbit or Apple Watch to provide even more personalized recommendations. Ultimately, the Health &amp; Wellness Guidance Bot </a:t>
             </a:r>
             <a:r>
-              <a:rPr b="1" lang="en-GB"/>
+              <a:rPr lang="en-GB" b="1"/>
               <a:t>serves as a comprehensive resource</a:t>
             </a:r>
             <a:r>
@@ -7483,13 +7451,13 @@
               <a:t> for </a:t>
             </a:r>
             <a:r>
-              <a:rPr b="1" lang="en-GB"/>
+              <a:rPr lang="en-GB" b="1"/>
               <a:t>individuals seeking to improve their overall well-being.</a:t>
             </a:r>
             <a:endParaRPr b="1"/>
           </a:p>
           <a:p>
-            <a:pPr indent="0" lvl="0" marL="0" rtl="0" algn="l">
+            <a:pPr marL="0" lvl="0" indent="0" algn="l" rtl="0">
               <a:spcBef>
                 <a:spcPts val="1200"/>
               </a:spcBef>
@@ -7498,10 +7466,6 @@
               </a:spcAft>
               <a:buNone/>
             </a:pPr>
-            <a:r>
-              <a:t/>
-            </a:r>
-            <a:endParaRPr/>
           </a:p>
         </p:txBody>
       </p:sp>
@@ -7514,7 +7478,7 @@
 </file>
 
 <file path=ppt/slides/slide4.xml><?xml version="1.0" encoding="utf-8"?>
-<p:sld xmlns:a="http://schemas.openxmlformats.org/drawingml/2006/main" xmlns:r="http://schemas.openxmlformats.org/officeDocument/2006/relationships" xmlns:mc="http://schemas.openxmlformats.org/markup-compatibility/2006" xmlns:mv="urn:schemas-microsoft-com:mac:vml" xmlns:p="http://schemas.openxmlformats.org/presentationml/2006/main" xmlns:c="http://schemas.openxmlformats.org/drawingml/2006/chart" xmlns:dgm="http://schemas.openxmlformats.org/drawingml/2006/diagram" xmlns:o="urn:schemas-microsoft-com:office:office" xmlns:v="urn:schemas-microsoft-com:vml" xmlns:pvml="urn:schemas-microsoft-com:office:powerpoint" xmlns:com="http://schemas.openxmlformats.org/drawingml/2006/compatibility" xmlns:p14="http://schemas.microsoft.com/office/powerpoint/2010/main" xmlns:p15="http://schemas.microsoft.com/office/powerpoint/2012/main" xmlns:ahyp="http://schemas.microsoft.com/office/drawing/2018/hyperlinkcolor">
+<p:sld xmlns:a="http://schemas.openxmlformats.org/drawingml/2006/main" xmlns:r="http://schemas.openxmlformats.org/officeDocument/2006/relationships" xmlns:p="http://schemas.openxmlformats.org/presentationml/2006/main">
   <p:cSld>
     <p:spTree>
       <p:nvGrpSpPr>
@@ -7548,12 +7512,12 @@
           </a:prstGeom>
         </p:spPr>
         <p:txBody>
-          <a:bodyPr anchorCtr="0" anchor="t" bIns="91425" lIns="91425" spcFirstLastPara="1" rIns="91425" wrap="square" tIns="91425">
+          <a:bodyPr spcFirstLastPara="1" wrap="square" lIns="91425" tIns="91425" rIns="91425" bIns="91425" anchor="t" anchorCtr="0">
             <a:normAutofit fontScale="90000"/>
           </a:bodyPr>
           <a:lstStyle/>
           <a:p>
-            <a:pPr indent="0" lvl="0" marL="0" rtl="0" algn="l">
+            <a:pPr marL="0" lvl="0" indent="0" algn="l" rtl="0">
               <a:spcBef>
                 <a:spcPts val="0"/>
               </a:spcBef>
@@ -7566,7 +7530,7 @@
               <a:rPr lang="en-GB"/>
               <a:t>Features : Nutrition</a:t>
             </a:r>
-            <a:endParaRPr/>
+            <a:endParaRPr lang="en-GB"/>
           </a:p>
         </p:txBody>
       </p:sp>
@@ -7575,7 +7539,7 @@
           <p:cNvPr id="85" name="Google Shape;85;p16"/>
           <p:cNvSpPr txBox="1"/>
           <p:nvPr>
-            <p:ph idx="1" type="body"/>
+            <p:ph type="body" idx="1"/>
           </p:nvPr>
         </p:nvSpPr>
         <p:spPr>
@@ -7588,12 +7552,12 @@
           </a:prstGeom>
         </p:spPr>
         <p:txBody>
-          <a:bodyPr anchorCtr="0" anchor="t" bIns="91425" lIns="91425" spcFirstLastPara="1" rIns="91425" wrap="square" tIns="91425">
+          <a:bodyPr spcFirstLastPara="1" wrap="square" lIns="91425" tIns="91425" rIns="91425" bIns="91425" anchor="t" anchorCtr="0">
             <a:noAutofit/>
           </a:bodyPr>
           <a:lstStyle/>
           <a:p>
-            <a:pPr indent="-342900" lvl="0" marL="457200" rtl="0" algn="l">
+            <a:pPr marL="457200" lvl="0" indent="-342900" algn="l" rtl="0">
               <a:spcBef>
                 <a:spcPts val="0"/>
               </a:spcBef>
@@ -7604,7 +7568,7 @@
               <a:buChar char="●"/>
             </a:pPr>
             <a:r>
-              <a:rPr b="1" lang="en-GB"/>
+              <a:rPr lang="en-GB" b="1"/>
               <a:t>BMI Calculator</a:t>
             </a:r>
             <a:r>
@@ -7612,7 +7576,7 @@
               <a:t>: The platform includes a simple and accurate Body Mass Index (BMI) calculator that helps users </a:t>
             </a:r>
             <a:r>
-              <a:rPr b="1" lang="en-GB"/>
+              <a:rPr lang="en-GB" b="1"/>
               <a:t>understand </a:t>
             </a:r>
             <a:r>
@@ -7620,7 +7584,7 @@
               <a:t>their </a:t>
             </a:r>
             <a:r>
-              <a:rPr b="1" lang="en-GB"/>
+              <a:rPr lang="en-GB" b="1"/>
               <a:t>weight category</a:t>
             </a:r>
             <a:r>
@@ -7628,17 +7592,17 @@
               <a:t> (underweight, normal, overweight, or obese) based on </a:t>
             </a:r>
             <a:r>
-              <a:rPr b="1" lang="en-GB"/>
+              <a:rPr lang="en-GB" b="1"/>
               <a:t>their height and weight</a:t>
             </a:r>
             <a:r>
               <a:rPr lang="en-GB"/>
               <a:t>.</a:t>
             </a:r>
-            <a:endParaRPr/>
+            <a:endParaRPr lang="en-GB"/>
           </a:p>
           <a:p>
-            <a:pPr indent="-342900" lvl="0" marL="457200" rtl="0" algn="l">
+            <a:pPr marL="457200" lvl="0" indent="-342900" algn="l" rtl="0">
               <a:spcBef>
                 <a:spcPts val="0"/>
               </a:spcBef>
@@ -7649,7 +7613,7 @@
               <a:buChar char="●"/>
             </a:pPr>
             <a:r>
-              <a:rPr b="1" lang="en-GB"/>
+              <a:rPr lang="en-GB" b="1"/>
               <a:t>Health Plans &amp; Goal Setting</a:t>
             </a:r>
             <a:r>
@@ -7657,7 +7621,7 @@
               <a:t>: Users can </a:t>
             </a:r>
             <a:r>
-              <a:rPr b="1" lang="en-GB"/>
+              <a:rPr lang="en-GB" b="1"/>
               <a:t>input specific health goals</a:t>
             </a:r>
             <a:r>
@@ -7665,17 +7629,17 @@
               <a:t> (e.g., weight loss, weight gain, or maintenance), and the platform </a:t>
             </a:r>
             <a:r>
-              <a:rPr b="1" lang="en-GB"/>
+              <a:rPr lang="en-GB" b="1"/>
               <a:t>generates customized simple nutrition plans</a:t>
             </a:r>
             <a:r>
               <a:rPr lang="en-GB"/>
               <a:t> that align with their objectives. </a:t>
             </a:r>
-            <a:endParaRPr/>
+            <a:endParaRPr lang="en-GB"/>
           </a:p>
           <a:p>
-            <a:pPr indent="0" lvl="0" marL="0" rtl="0" algn="l">
+            <a:pPr marL="0" lvl="0" indent="0" algn="l" rtl="0">
               <a:spcBef>
                 <a:spcPts val="1200"/>
               </a:spcBef>
@@ -7684,10 +7648,6 @@
               </a:spcAft>
               <a:buNone/>
             </a:pPr>
-            <a:r>
-              <a:t/>
-            </a:r>
-            <a:endParaRPr/>
           </a:p>
         </p:txBody>
       </p:sp>
@@ -7700,7 +7660,7 @@
 </file>
 
 <file path=ppt/slides/slide5.xml><?xml version="1.0" encoding="utf-8"?>
-<p:sld xmlns:a="http://schemas.openxmlformats.org/drawingml/2006/main" xmlns:r="http://schemas.openxmlformats.org/officeDocument/2006/relationships" xmlns:mc="http://schemas.openxmlformats.org/markup-compatibility/2006" xmlns:mv="urn:schemas-microsoft-com:mac:vml" xmlns:p="http://schemas.openxmlformats.org/presentationml/2006/main" xmlns:c="http://schemas.openxmlformats.org/drawingml/2006/chart" xmlns:dgm="http://schemas.openxmlformats.org/drawingml/2006/diagram" xmlns:o="urn:schemas-microsoft-com:office:office" xmlns:v="urn:schemas-microsoft-com:vml" xmlns:pvml="urn:schemas-microsoft-com:office:powerpoint" xmlns:com="http://schemas.openxmlformats.org/drawingml/2006/compatibility" xmlns:p14="http://schemas.microsoft.com/office/powerpoint/2010/main" xmlns:p15="http://schemas.microsoft.com/office/powerpoint/2012/main" xmlns:ahyp="http://schemas.microsoft.com/office/drawing/2018/hyperlinkcolor">
+<p:sld xmlns:a="http://schemas.openxmlformats.org/drawingml/2006/main" xmlns:r="http://schemas.openxmlformats.org/officeDocument/2006/relationships" xmlns:p="http://schemas.openxmlformats.org/presentationml/2006/main">
   <p:cSld>
     <p:spTree>
       <p:nvGrpSpPr>
@@ -7734,12 +7694,12 @@
           </a:prstGeom>
         </p:spPr>
         <p:txBody>
-          <a:bodyPr anchorCtr="0" anchor="t" bIns="91425" lIns="91425" spcFirstLastPara="1" rIns="91425" wrap="square" tIns="91425">
+          <a:bodyPr spcFirstLastPara="1" wrap="square" lIns="91425" tIns="91425" rIns="91425" bIns="91425" anchor="t" anchorCtr="0">
             <a:normAutofit fontScale="90000"/>
           </a:bodyPr>
           <a:lstStyle/>
           <a:p>
-            <a:pPr indent="0" lvl="0" marL="0" rtl="0" algn="l">
+            <a:pPr marL="0" lvl="0" indent="0" algn="l" rtl="0">
               <a:spcBef>
                 <a:spcPts val="0"/>
               </a:spcBef>
@@ -7752,7 +7712,7 @@
               <a:rPr lang="en-GB"/>
               <a:t>Features : Exercises</a:t>
             </a:r>
-            <a:endParaRPr/>
+            <a:endParaRPr lang="en-GB"/>
           </a:p>
         </p:txBody>
       </p:sp>
@@ -7761,7 +7721,7 @@
           <p:cNvPr id="91" name="Google Shape;91;p17"/>
           <p:cNvSpPr txBox="1"/>
           <p:nvPr>
-            <p:ph idx="1" type="body"/>
+            <p:ph type="body" idx="1"/>
           </p:nvPr>
         </p:nvSpPr>
         <p:spPr>
@@ -7774,12 +7734,12 @@
           </a:prstGeom>
         </p:spPr>
         <p:txBody>
-          <a:bodyPr anchorCtr="0" anchor="t" bIns="91425" lIns="91425" spcFirstLastPara="1" rIns="91425" wrap="square" tIns="91425">
+          <a:bodyPr spcFirstLastPara="1" wrap="square" lIns="91425" tIns="91425" rIns="91425" bIns="91425" anchor="t" anchorCtr="0">
             <a:noAutofit/>
           </a:bodyPr>
           <a:lstStyle/>
           <a:p>
-            <a:pPr indent="-342900" lvl="0" marL="457200" rtl="0" algn="l">
+            <a:pPr marL="457200" lvl="0" indent="-342900" algn="l" rtl="0">
               <a:spcBef>
                 <a:spcPts val="0"/>
               </a:spcBef>
@@ -7790,54 +7750,54 @@
                 <a:schemeClr val="dk2"/>
               </a:buClr>
               <a:buSzPts val="1800"/>
-              <a:buFont typeface="Arial"/>
+              <a:buFont typeface="Arial" panose="020B0604020202020204"/>
               <a:buChar char="●"/>
             </a:pPr>
             <a:r>
-              <a:rPr b="1" lang="en-GB">
-                <a:latin typeface="Arial"/>
-                <a:ea typeface="Arial"/>
-                <a:cs typeface="Arial"/>
-                <a:sym typeface="Arial"/>
+              <a:rPr lang="en-GB" b="1">
+                <a:latin typeface="Arial" panose="020B0604020202020204"/>
+                <a:ea typeface="Arial" panose="020B0604020202020204"/>
+                <a:cs typeface="Arial" panose="020B0604020202020204"/>
+                <a:sym typeface="Arial" panose="020B0604020202020204"/>
               </a:rPr>
               <a:t>Beginner</a:t>
             </a:r>
             <a:r>
               <a:rPr lang="en-GB">
-                <a:latin typeface="Arial"/>
-                <a:ea typeface="Arial"/>
-                <a:cs typeface="Arial"/>
-                <a:sym typeface="Arial"/>
+                <a:latin typeface="Arial" panose="020B0604020202020204"/>
+                <a:ea typeface="Arial" panose="020B0604020202020204"/>
+                <a:cs typeface="Arial" panose="020B0604020202020204"/>
+                <a:sym typeface="Arial" panose="020B0604020202020204"/>
               </a:rPr>
               <a:t>: </a:t>
             </a:r>
             <a:r>
-              <a:rPr b="1" lang="en-GB">
-                <a:latin typeface="Arial"/>
-                <a:ea typeface="Arial"/>
-                <a:cs typeface="Arial"/>
-                <a:sym typeface="Arial"/>
+              <a:rPr lang="en-GB" b="1">
+                <a:latin typeface="Arial" panose="020B0604020202020204"/>
+                <a:ea typeface="Arial" panose="020B0604020202020204"/>
+                <a:cs typeface="Arial" panose="020B0604020202020204"/>
+                <a:sym typeface="Arial" panose="020B0604020202020204"/>
               </a:rPr>
               <a:t>Simple, short routines focusing on bodyweight </a:t>
             </a:r>
             <a:r>
               <a:rPr lang="en-GB">
-                <a:latin typeface="Arial"/>
-                <a:ea typeface="Arial"/>
-                <a:cs typeface="Arial"/>
-                <a:sym typeface="Arial"/>
+                <a:latin typeface="Arial" panose="020B0604020202020204"/>
+                <a:ea typeface="Arial" panose="020B0604020202020204"/>
+                <a:cs typeface="Arial" panose="020B0604020202020204"/>
+                <a:sym typeface="Arial" panose="020B0604020202020204"/>
               </a:rPr>
               <a:t>exercises perfect for those new to fitness.</a:t>
             </a:r>
             <a:endParaRPr>
-              <a:latin typeface="Arial"/>
-              <a:ea typeface="Arial"/>
-              <a:cs typeface="Arial"/>
-              <a:sym typeface="Arial"/>
+              <a:latin typeface="Arial" panose="020B0604020202020204"/>
+              <a:ea typeface="Arial" panose="020B0604020202020204"/>
+              <a:cs typeface="Arial" panose="020B0604020202020204"/>
+              <a:sym typeface="Arial" panose="020B0604020202020204"/>
             </a:endParaRPr>
           </a:p>
           <a:p>
-            <a:pPr indent="-342900" lvl="0" marL="457200" rtl="0" algn="l">
+            <a:pPr marL="457200" lvl="0" indent="-342900" algn="l" rtl="0">
               <a:spcBef>
                 <a:spcPts val="0"/>
               </a:spcBef>
@@ -7848,54 +7808,54 @@
                 <a:schemeClr val="dk2"/>
               </a:buClr>
               <a:buSzPts val="1800"/>
-              <a:buFont typeface="Arial"/>
+              <a:buFont typeface="Arial" panose="020B0604020202020204"/>
               <a:buChar char="●"/>
             </a:pPr>
             <a:r>
-              <a:rPr b="1" lang="en-GB">
-                <a:latin typeface="Arial"/>
-                <a:ea typeface="Arial"/>
-                <a:cs typeface="Arial"/>
-                <a:sym typeface="Arial"/>
+              <a:rPr lang="en-GB" b="1">
+                <a:latin typeface="Arial" panose="020B0604020202020204"/>
+                <a:ea typeface="Arial" panose="020B0604020202020204"/>
+                <a:cs typeface="Arial" panose="020B0604020202020204"/>
+                <a:sym typeface="Arial" panose="020B0604020202020204"/>
               </a:rPr>
               <a:t>Intermediate</a:t>
             </a:r>
             <a:r>
               <a:rPr lang="en-GB">
-                <a:latin typeface="Arial"/>
-                <a:ea typeface="Arial"/>
-                <a:cs typeface="Arial"/>
-                <a:sym typeface="Arial"/>
+                <a:latin typeface="Arial" panose="020B0604020202020204"/>
+                <a:ea typeface="Arial" panose="020B0604020202020204"/>
+                <a:cs typeface="Arial" panose="020B0604020202020204"/>
+                <a:sym typeface="Arial" panose="020B0604020202020204"/>
               </a:rPr>
               <a:t>: </a:t>
             </a:r>
             <a:r>
-              <a:rPr b="1" lang="en-GB">
-                <a:latin typeface="Arial"/>
-                <a:ea typeface="Arial"/>
-                <a:cs typeface="Arial"/>
-                <a:sym typeface="Arial"/>
+              <a:rPr lang="en-GB" b="1">
+                <a:latin typeface="Arial" panose="020B0604020202020204"/>
+                <a:ea typeface="Arial" panose="020B0604020202020204"/>
+                <a:cs typeface="Arial" panose="020B0604020202020204"/>
+                <a:sym typeface="Arial" panose="020B0604020202020204"/>
               </a:rPr>
               <a:t>More intense routines</a:t>
             </a:r>
             <a:r>
               <a:rPr lang="en-GB">
-                <a:latin typeface="Arial"/>
-                <a:ea typeface="Arial"/>
-                <a:cs typeface="Arial"/>
-                <a:sym typeface="Arial"/>
+                <a:latin typeface="Arial" panose="020B0604020202020204"/>
+                <a:ea typeface="Arial" panose="020B0604020202020204"/>
+                <a:cs typeface="Arial" panose="020B0604020202020204"/>
+                <a:sym typeface="Arial" panose="020B0604020202020204"/>
               </a:rPr>
               <a:t> incorporating weights, HIIT (High-Intensity Interval Training), and increased reps.</a:t>
             </a:r>
             <a:endParaRPr>
-              <a:latin typeface="Arial"/>
-              <a:ea typeface="Arial"/>
-              <a:cs typeface="Arial"/>
-              <a:sym typeface="Arial"/>
+              <a:latin typeface="Arial" panose="020B0604020202020204"/>
+              <a:ea typeface="Arial" panose="020B0604020202020204"/>
+              <a:cs typeface="Arial" panose="020B0604020202020204"/>
+              <a:sym typeface="Arial" panose="020B0604020202020204"/>
             </a:endParaRPr>
           </a:p>
           <a:p>
-            <a:pPr indent="-342900" lvl="0" marL="457200" rtl="0" algn="l">
+            <a:pPr marL="457200" lvl="0" indent="-342900" algn="l" rtl="0">
               <a:spcBef>
                 <a:spcPts val="0"/>
               </a:spcBef>
@@ -7906,54 +7866,54 @@
                 <a:schemeClr val="dk2"/>
               </a:buClr>
               <a:buSzPts val="1800"/>
-              <a:buFont typeface="Arial"/>
+              <a:buFont typeface="Arial" panose="020B0604020202020204"/>
               <a:buChar char="●"/>
             </a:pPr>
             <a:r>
-              <a:rPr b="1" lang="en-GB">
-                <a:latin typeface="Arial"/>
-                <a:ea typeface="Arial"/>
-                <a:cs typeface="Arial"/>
-                <a:sym typeface="Arial"/>
+              <a:rPr lang="en-GB" b="1">
+                <a:latin typeface="Arial" panose="020B0604020202020204"/>
+                <a:ea typeface="Arial" panose="020B0604020202020204"/>
+                <a:cs typeface="Arial" panose="020B0604020202020204"/>
+                <a:sym typeface="Arial" panose="020B0604020202020204"/>
               </a:rPr>
               <a:t>Advanced</a:t>
             </a:r>
             <a:r>
               <a:rPr lang="en-GB">
-                <a:latin typeface="Arial"/>
-                <a:ea typeface="Arial"/>
-                <a:cs typeface="Arial"/>
-                <a:sym typeface="Arial"/>
+                <a:latin typeface="Arial" panose="020B0604020202020204"/>
+                <a:ea typeface="Arial" panose="020B0604020202020204"/>
+                <a:cs typeface="Arial" panose="020B0604020202020204"/>
+                <a:sym typeface="Arial" panose="020B0604020202020204"/>
               </a:rPr>
               <a:t>: </a:t>
             </a:r>
             <a:r>
-              <a:rPr b="1" lang="en-GB">
-                <a:latin typeface="Arial"/>
-                <a:ea typeface="Arial"/>
-                <a:cs typeface="Arial"/>
-                <a:sym typeface="Arial"/>
+              <a:rPr lang="en-GB" b="1">
+                <a:latin typeface="Arial" panose="020B0604020202020204"/>
+                <a:ea typeface="Arial" panose="020B0604020202020204"/>
+                <a:cs typeface="Arial" panose="020B0604020202020204"/>
+                <a:sym typeface="Arial" panose="020B0604020202020204"/>
               </a:rPr>
               <a:t>Complex routines for experienced users</a:t>
             </a:r>
             <a:r>
               <a:rPr lang="en-GB">
-                <a:latin typeface="Arial"/>
-                <a:ea typeface="Arial"/>
-                <a:cs typeface="Arial"/>
-                <a:sym typeface="Arial"/>
+                <a:latin typeface="Arial" panose="020B0604020202020204"/>
+                <a:ea typeface="Arial" panose="020B0604020202020204"/>
+                <a:cs typeface="Arial" panose="020B0604020202020204"/>
+                <a:sym typeface="Arial" panose="020B0604020202020204"/>
               </a:rPr>
               <a:t>, including advanced strength training, endurance challenges, and longer workout times.</a:t>
             </a:r>
             <a:endParaRPr>
-              <a:latin typeface="Arial"/>
-              <a:ea typeface="Arial"/>
-              <a:cs typeface="Arial"/>
-              <a:sym typeface="Arial"/>
+              <a:latin typeface="Arial" panose="020B0604020202020204"/>
+              <a:ea typeface="Arial" panose="020B0604020202020204"/>
+              <a:cs typeface="Arial" panose="020B0604020202020204"/>
+              <a:sym typeface="Arial" panose="020B0604020202020204"/>
             </a:endParaRPr>
           </a:p>
           <a:p>
-            <a:pPr indent="-342900" lvl="0" marL="457200" rtl="0" algn="l">
+            <a:pPr marL="457200" lvl="0" indent="-342900" algn="l" rtl="0">
               <a:spcBef>
                 <a:spcPts val="0"/>
               </a:spcBef>
@@ -7964,54 +7924,54 @@
                 <a:schemeClr val="dk2"/>
               </a:buClr>
               <a:buSzPts val="1800"/>
-              <a:buFont typeface="Arial"/>
+              <a:buFont typeface="Arial" panose="020B0604020202020204"/>
               <a:buChar char="●"/>
             </a:pPr>
             <a:r>
-              <a:rPr b="1" lang="en-GB">
-                <a:latin typeface="Arial"/>
-                <a:ea typeface="Arial"/>
-                <a:cs typeface="Arial"/>
-                <a:sym typeface="Arial"/>
+              <a:rPr lang="en-GB" b="1">
+                <a:latin typeface="Arial" panose="020B0604020202020204"/>
+                <a:ea typeface="Arial" panose="020B0604020202020204"/>
+                <a:cs typeface="Arial" panose="020B0604020202020204"/>
+                <a:sym typeface="Arial" panose="020B0604020202020204"/>
               </a:rPr>
               <a:t>Challenge of the Day:</a:t>
             </a:r>
             <a:r>
               <a:rPr lang="en-GB">
-                <a:latin typeface="Arial"/>
-                <a:ea typeface="Arial"/>
-                <a:cs typeface="Arial"/>
-                <a:sym typeface="Arial"/>
+                <a:latin typeface="Arial" panose="020B0604020202020204"/>
+                <a:ea typeface="Arial" panose="020B0604020202020204"/>
+                <a:cs typeface="Arial" panose="020B0604020202020204"/>
+                <a:sym typeface="Arial" panose="020B0604020202020204"/>
               </a:rPr>
               <a:t> Every day, the bot </a:t>
             </a:r>
             <a:r>
-              <a:rPr b="1" lang="en-GB">
-                <a:latin typeface="Arial"/>
-                <a:ea typeface="Arial"/>
-                <a:cs typeface="Arial"/>
-                <a:sym typeface="Arial"/>
+              <a:rPr lang="en-GB" b="1">
+                <a:latin typeface="Arial" panose="020B0604020202020204"/>
+                <a:ea typeface="Arial" panose="020B0604020202020204"/>
+                <a:cs typeface="Arial" panose="020B0604020202020204"/>
+                <a:sym typeface="Arial" panose="020B0604020202020204"/>
               </a:rPr>
               <a:t>suggests </a:t>
             </a:r>
             <a:r>
               <a:rPr lang="en-GB">
-                <a:latin typeface="Arial"/>
-                <a:ea typeface="Arial"/>
-                <a:cs typeface="Arial"/>
-                <a:sym typeface="Arial"/>
+                <a:latin typeface="Arial" panose="020B0604020202020204"/>
+                <a:ea typeface="Arial" panose="020B0604020202020204"/>
+                <a:cs typeface="Arial" panose="020B0604020202020204"/>
+                <a:sym typeface="Arial" panose="020B0604020202020204"/>
               </a:rPr>
               <a:t>a new fitness challenge, such as "10,000 steps", "30 pushups", or "20-minute run.</a:t>
             </a:r>
             <a:endParaRPr>
-              <a:latin typeface="Arial"/>
-              <a:ea typeface="Arial"/>
-              <a:cs typeface="Arial"/>
-              <a:sym typeface="Arial"/>
+              <a:latin typeface="Arial" panose="020B0604020202020204"/>
+              <a:ea typeface="Arial" panose="020B0604020202020204"/>
+              <a:cs typeface="Arial" panose="020B0604020202020204"/>
+              <a:sym typeface="Arial" panose="020B0604020202020204"/>
             </a:endParaRPr>
           </a:p>
           <a:p>
-            <a:pPr indent="0" lvl="0" marL="0" rtl="0" algn="l">
+            <a:pPr marL="0" lvl="0" indent="0" algn="l" rtl="0">
               <a:spcBef>
                 <a:spcPts val="700"/>
               </a:spcBef>
@@ -8020,9 +7980,6 @@
               </a:spcAft>
               <a:buNone/>
             </a:pPr>
-            <a:r>
-              <a:t/>
-            </a:r>
             <a:endParaRPr sz="2100"/>
           </a:p>
         </p:txBody>
@@ -8036,7 +7993,7 @@
 </file>
 
 <file path=ppt/slides/slide6.xml><?xml version="1.0" encoding="utf-8"?>
-<p:sld xmlns:a="http://schemas.openxmlformats.org/drawingml/2006/main" xmlns:r="http://schemas.openxmlformats.org/officeDocument/2006/relationships" xmlns:mc="http://schemas.openxmlformats.org/markup-compatibility/2006" xmlns:mv="urn:schemas-microsoft-com:mac:vml" xmlns:p="http://schemas.openxmlformats.org/presentationml/2006/main" xmlns:c="http://schemas.openxmlformats.org/drawingml/2006/chart" xmlns:dgm="http://schemas.openxmlformats.org/drawingml/2006/diagram" xmlns:o="urn:schemas-microsoft-com:office:office" xmlns:v="urn:schemas-microsoft-com:vml" xmlns:pvml="urn:schemas-microsoft-com:office:powerpoint" xmlns:com="http://schemas.openxmlformats.org/drawingml/2006/compatibility" xmlns:p14="http://schemas.microsoft.com/office/powerpoint/2010/main" xmlns:p15="http://schemas.microsoft.com/office/powerpoint/2012/main" xmlns:ahyp="http://schemas.microsoft.com/office/drawing/2018/hyperlinkcolor">
+<p:sld xmlns:a="http://schemas.openxmlformats.org/drawingml/2006/main" xmlns:r="http://schemas.openxmlformats.org/officeDocument/2006/relationships" xmlns:p="http://schemas.openxmlformats.org/presentationml/2006/main">
   <p:cSld>
     <p:spTree>
       <p:nvGrpSpPr>
@@ -8070,12 +8027,12 @@
           </a:prstGeom>
         </p:spPr>
         <p:txBody>
-          <a:bodyPr anchorCtr="0" anchor="t" bIns="91425" lIns="91425" spcFirstLastPara="1" rIns="91425" wrap="square" tIns="91425">
+          <a:bodyPr spcFirstLastPara="1" wrap="square" lIns="91425" tIns="91425" rIns="91425" bIns="91425" anchor="t" anchorCtr="0">
             <a:normAutofit fontScale="90000"/>
           </a:bodyPr>
           <a:lstStyle/>
           <a:p>
-            <a:pPr indent="0" lvl="0" marL="0" rtl="0" algn="l">
+            <a:pPr marL="0" lvl="0" indent="0" algn="l" rtl="0">
               <a:spcBef>
                 <a:spcPts val="0"/>
               </a:spcBef>
@@ -8086,9 +8043,17 @@
             </a:pPr>
             <a:r>
               <a:rPr lang="en-GB"/>
-              <a:t>Features: Wellness</a:t>
-            </a:r>
-            <a:endParaRPr/>
+              <a:t>Features</a:t>
+            </a:r>
+            <a:r>
+              <a:rPr lang="en-US" altLang="en-GB"/>
+              <a:t> </a:t>
+            </a:r>
+            <a:r>
+              <a:rPr lang="en-GB"/>
+              <a:t>: Wellness</a:t>
+            </a:r>
+            <a:endParaRPr lang="en-GB"/>
           </a:p>
         </p:txBody>
       </p:sp>
@@ -8097,7 +8062,7 @@
           <p:cNvPr id="97" name="Google Shape;97;p18"/>
           <p:cNvSpPr txBox="1"/>
           <p:nvPr>
-            <p:ph idx="1" type="body"/>
+            <p:ph type="body" idx="1"/>
           </p:nvPr>
         </p:nvSpPr>
         <p:spPr>
@@ -8110,12 +8075,12 @@
           </a:prstGeom>
         </p:spPr>
         <p:txBody>
-          <a:bodyPr anchorCtr="0" anchor="t" bIns="91425" lIns="91425" spcFirstLastPara="1" rIns="91425" wrap="square" tIns="91425">
+          <a:bodyPr spcFirstLastPara="1" wrap="square" lIns="91425" tIns="91425" rIns="91425" bIns="91425" anchor="t" anchorCtr="0">
             <a:noAutofit/>
           </a:bodyPr>
           <a:lstStyle/>
           <a:p>
-            <a:pPr indent="-342900" lvl="0" marL="457200" rtl="0" algn="l">
+            <a:pPr marL="457200" lvl="0" indent="-342900" algn="l" rtl="0">
               <a:spcBef>
                 <a:spcPts val="0"/>
               </a:spcBef>
@@ -8126,72 +8091,72 @@
                 <a:schemeClr val="dk2"/>
               </a:buClr>
               <a:buSzPts val="1800"/>
-              <a:buFont typeface="Arial"/>
+              <a:buFont typeface="Arial" panose="020B0604020202020204"/>
               <a:buChar char="●"/>
             </a:pPr>
             <a:r>
-              <a:rPr b="1" lang="en-GB">
-                <a:latin typeface="Arial"/>
-                <a:ea typeface="Arial"/>
-                <a:cs typeface="Arial"/>
-                <a:sym typeface="Arial"/>
+              <a:rPr lang="en-GB" b="1">
+                <a:latin typeface="Arial" panose="020B0604020202020204"/>
+                <a:ea typeface="Arial" panose="020B0604020202020204"/>
+                <a:cs typeface="Arial" panose="020B0604020202020204"/>
+                <a:sym typeface="Arial" panose="020B0604020202020204"/>
               </a:rPr>
               <a:t>Mindfulness Tips:</a:t>
             </a:r>
             <a:r>
               <a:rPr lang="en-GB">
-                <a:latin typeface="Arial"/>
-                <a:ea typeface="Arial"/>
-                <a:cs typeface="Arial"/>
-                <a:sym typeface="Arial"/>
+                <a:latin typeface="Arial" panose="020B0604020202020204"/>
+                <a:ea typeface="Arial" panose="020B0604020202020204"/>
+                <a:cs typeface="Arial" panose="020B0604020202020204"/>
+                <a:sym typeface="Arial" panose="020B0604020202020204"/>
               </a:rPr>
               <a:t> Tips on </a:t>
             </a:r>
             <a:r>
-              <a:rPr b="1" lang="en-GB">
-                <a:latin typeface="Arial"/>
-                <a:ea typeface="Arial"/>
-                <a:cs typeface="Arial"/>
-                <a:sym typeface="Arial"/>
+              <a:rPr lang="en-GB" b="1">
+                <a:latin typeface="Arial" panose="020B0604020202020204"/>
+                <a:ea typeface="Arial" panose="020B0604020202020204"/>
+                <a:cs typeface="Arial" panose="020B0604020202020204"/>
+                <a:sym typeface="Arial" panose="020B0604020202020204"/>
               </a:rPr>
               <a:t>mental wellness</a:t>
             </a:r>
             <a:r>
               <a:rPr lang="en-GB">
-                <a:latin typeface="Arial"/>
-                <a:ea typeface="Arial"/>
-                <a:cs typeface="Arial"/>
-                <a:sym typeface="Arial"/>
+                <a:latin typeface="Arial" panose="020B0604020202020204"/>
+                <a:ea typeface="Arial" panose="020B0604020202020204"/>
+                <a:cs typeface="Arial" panose="020B0604020202020204"/>
+                <a:sym typeface="Arial" panose="020B0604020202020204"/>
               </a:rPr>
               <a:t>, such as </a:t>
             </a:r>
             <a:r>
-              <a:rPr b="1" lang="en-GB">
-                <a:latin typeface="Arial"/>
-                <a:ea typeface="Arial"/>
-                <a:cs typeface="Arial"/>
-                <a:sym typeface="Arial"/>
+              <a:rPr lang="en-GB" b="1">
+                <a:latin typeface="Arial" panose="020B0604020202020204"/>
+                <a:ea typeface="Arial" panose="020B0604020202020204"/>
+                <a:cs typeface="Arial" panose="020B0604020202020204"/>
+                <a:sym typeface="Arial" panose="020B0604020202020204"/>
               </a:rPr>
               <a:t>gratitude practices,affirmations</a:t>
             </a:r>
             <a:r>
               <a:rPr lang="en-GB">
-                <a:latin typeface="Arial"/>
-                <a:ea typeface="Arial"/>
-                <a:cs typeface="Arial"/>
-                <a:sym typeface="Arial"/>
+                <a:latin typeface="Arial" panose="020B0604020202020204"/>
+                <a:ea typeface="Arial" panose="020B0604020202020204"/>
+                <a:cs typeface="Arial" panose="020B0604020202020204"/>
+                <a:sym typeface="Arial" panose="020B0604020202020204"/>
               </a:rPr>
               <a:t> or mental clarity techniques, are shared to help users stay centered throughout the day.</a:t>
             </a:r>
             <a:endParaRPr>
-              <a:latin typeface="Arial"/>
-              <a:ea typeface="Arial"/>
-              <a:cs typeface="Arial"/>
-              <a:sym typeface="Arial"/>
+              <a:latin typeface="Arial" panose="020B0604020202020204"/>
+              <a:ea typeface="Arial" panose="020B0604020202020204"/>
+              <a:cs typeface="Arial" panose="020B0604020202020204"/>
+              <a:sym typeface="Arial" panose="020B0604020202020204"/>
             </a:endParaRPr>
           </a:p>
           <a:p>
-            <a:pPr indent="-342900" lvl="0" marL="457200" rtl="0" algn="l">
+            <a:pPr marL="457200" lvl="0" indent="-342900" algn="l" rtl="0">
               <a:spcBef>
                 <a:spcPts val="0"/>
               </a:spcBef>
@@ -8202,72 +8167,72 @@
                 <a:schemeClr val="dk2"/>
               </a:buClr>
               <a:buSzPts val="1800"/>
-              <a:buFont typeface="Arial"/>
+              <a:buFont typeface="Arial" panose="020B0604020202020204"/>
               <a:buChar char="●"/>
             </a:pPr>
             <a:r>
-              <a:rPr b="1" lang="en-GB">
-                <a:latin typeface="Arial"/>
-                <a:ea typeface="Arial"/>
-                <a:cs typeface="Arial"/>
-                <a:sym typeface="Arial"/>
+              <a:rPr lang="en-GB" b="1">
+                <a:latin typeface="Arial" panose="020B0604020202020204"/>
+                <a:ea typeface="Arial" panose="020B0604020202020204"/>
+                <a:cs typeface="Arial" panose="020B0604020202020204"/>
+                <a:sym typeface="Arial" panose="020B0604020202020204"/>
               </a:rPr>
               <a:t>Relaxing Audio:</a:t>
             </a:r>
             <a:r>
               <a:rPr lang="en-GB">
-                <a:latin typeface="Arial"/>
-                <a:ea typeface="Arial"/>
-                <a:cs typeface="Arial"/>
-                <a:sym typeface="Arial"/>
+                <a:latin typeface="Arial" panose="020B0604020202020204"/>
+                <a:ea typeface="Arial" panose="020B0604020202020204"/>
+                <a:cs typeface="Arial" panose="020B0604020202020204"/>
+                <a:sym typeface="Arial" panose="020B0604020202020204"/>
               </a:rPr>
               <a:t> This section provides </a:t>
             </a:r>
             <a:r>
-              <a:rPr b="1" lang="en-GB">
-                <a:latin typeface="Arial"/>
-                <a:ea typeface="Arial"/>
-                <a:cs typeface="Arial"/>
-                <a:sym typeface="Arial"/>
+              <a:rPr lang="en-GB" b="1">
+                <a:latin typeface="Arial" panose="020B0604020202020204"/>
+                <a:ea typeface="Arial" panose="020B0604020202020204"/>
+                <a:cs typeface="Arial" panose="020B0604020202020204"/>
+                <a:sym typeface="Arial" panose="020B0604020202020204"/>
               </a:rPr>
               <a:t>soothing music and nature sounds</a:t>
             </a:r>
             <a:r>
               <a:rPr lang="en-GB">
-                <a:latin typeface="Arial"/>
-                <a:ea typeface="Arial"/>
-                <a:cs typeface="Arial"/>
-                <a:sym typeface="Arial"/>
+                <a:latin typeface="Arial" panose="020B0604020202020204"/>
+                <a:ea typeface="Arial" panose="020B0604020202020204"/>
+                <a:cs typeface="Arial" panose="020B0604020202020204"/>
+                <a:sym typeface="Arial" panose="020B0604020202020204"/>
               </a:rPr>
               <a:t> that </a:t>
             </a:r>
             <a:r>
-              <a:rPr b="1" lang="en-GB">
-                <a:latin typeface="Arial"/>
-                <a:ea typeface="Arial"/>
-                <a:cs typeface="Arial"/>
-                <a:sym typeface="Arial"/>
+              <a:rPr lang="en-GB" b="1">
+                <a:latin typeface="Arial" panose="020B0604020202020204"/>
+                <a:ea typeface="Arial" panose="020B0604020202020204"/>
+                <a:cs typeface="Arial" panose="020B0604020202020204"/>
+                <a:sym typeface="Arial" panose="020B0604020202020204"/>
               </a:rPr>
               <a:t>can help with relaxation, focus, or sleep</a:t>
             </a:r>
             <a:r>
               <a:rPr lang="en-GB">
-                <a:latin typeface="Arial"/>
-                <a:ea typeface="Arial"/>
-                <a:cs typeface="Arial"/>
-                <a:sym typeface="Arial"/>
+                <a:latin typeface="Arial" panose="020B0604020202020204"/>
+                <a:ea typeface="Arial" panose="020B0604020202020204"/>
+                <a:cs typeface="Arial" panose="020B0604020202020204"/>
+                <a:sym typeface="Arial" panose="020B0604020202020204"/>
               </a:rPr>
               <a:t>. Users can choose audio based on their mood.</a:t>
             </a:r>
             <a:endParaRPr>
-              <a:latin typeface="Arial"/>
-              <a:ea typeface="Arial"/>
-              <a:cs typeface="Arial"/>
-              <a:sym typeface="Arial"/>
+              <a:latin typeface="Arial" panose="020B0604020202020204"/>
+              <a:ea typeface="Arial" panose="020B0604020202020204"/>
+              <a:cs typeface="Arial" panose="020B0604020202020204"/>
+              <a:sym typeface="Arial" panose="020B0604020202020204"/>
             </a:endParaRPr>
           </a:p>
           <a:p>
-            <a:pPr indent="-342900" lvl="0" marL="457200" rtl="0" algn="l">
+            <a:pPr marL="457200" lvl="0" indent="-342900" algn="l" rtl="0">
               <a:spcBef>
                 <a:spcPts val="0"/>
               </a:spcBef>
@@ -8278,90 +8243,90 @@
                 <a:schemeClr val="dk2"/>
               </a:buClr>
               <a:buSzPts val="1800"/>
-              <a:buFont typeface="Arial"/>
+              <a:buFont typeface="Arial" panose="020B0604020202020204"/>
               <a:buChar char="●"/>
             </a:pPr>
             <a:r>
-              <a:rPr b="1" lang="en-GB">
-                <a:latin typeface="Arial"/>
-                <a:ea typeface="Arial"/>
-                <a:cs typeface="Arial"/>
-                <a:sym typeface="Arial"/>
+              <a:rPr lang="en-GB" b="1">
+                <a:latin typeface="Arial" panose="020B0604020202020204"/>
+                <a:ea typeface="Arial" panose="020B0604020202020204"/>
+                <a:cs typeface="Arial" panose="020B0604020202020204"/>
+                <a:sym typeface="Arial" panose="020B0604020202020204"/>
               </a:rPr>
               <a:t>Meditation Sessions:</a:t>
             </a:r>
             <a:r>
               <a:rPr lang="en-GB">
-                <a:latin typeface="Arial"/>
-                <a:ea typeface="Arial"/>
-                <a:cs typeface="Arial"/>
-                <a:sym typeface="Arial"/>
+                <a:latin typeface="Arial" panose="020B0604020202020204"/>
+                <a:ea typeface="Arial" panose="020B0604020202020204"/>
+                <a:cs typeface="Arial" panose="020B0604020202020204"/>
+                <a:sym typeface="Arial" panose="020B0604020202020204"/>
               </a:rPr>
               <a:t> </a:t>
             </a:r>
             <a:r>
-              <a:rPr b="1" lang="en-GB">
-                <a:latin typeface="Arial"/>
-                <a:ea typeface="Arial"/>
-                <a:cs typeface="Arial"/>
-                <a:sym typeface="Arial"/>
+              <a:rPr lang="en-GB" b="1">
+                <a:latin typeface="Arial" panose="020B0604020202020204"/>
+                <a:ea typeface="Arial" panose="020B0604020202020204"/>
+                <a:cs typeface="Arial" panose="020B0604020202020204"/>
+                <a:sym typeface="Arial" panose="020B0604020202020204"/>
               </a:rPr>
               <a:t>Guided meditation sessions</a:t>
             </a:r>
             <a:r>
               <a:rPr lang="en-GB">
-                <a:latin typeface="Arial"/>
-                <a:ea typeface="Arial"/>
-                <a:cs typeface="Arial"/>
-                <a:sym typeface="Arial"/>
+                <a:latin typeface="Arial" panose="020B0604020202020204"/>
+                <a:ea typeface="Arial" panose="020B0604020202020204"/>
+                <a:cs typeface="Arial" panose="020B0604020202020204"/>
+                <a:sym typeface="Arial" panose="020B0604020202020204"/>
               </a:rPr>
               <a:t> range from short, 5-minute breathing exercises to 10-minute deep relaxation routines. These sessions </a:t>
             </a:r>
             <a:r>
-              <a:rPr b="1" lang="en-GB">
-                <a:latin typeface="Arial"/>
-                <a:ea typeface="Arial"/>
-                <a:cs typeface="Arial"/>
-                <a:sym typeface="Arial"/>
+              <a:rPr lang="en-GB" b="1">
+                <a:latin typeface="Arial" panose="020B0604020202020204"/>
+                <a:ea typeface="Arial" panose="020B0604020202020204"/>
+                <a:cs typeface="Arial" panose="020B0604020202020204"/>
+                <a:sym typeface="Arial" panose="020B0604020202020204"/>
               </a:rPr>
               <a:t>come with clear instructions</a:t>
             </a:r>
             <a:r>
               <a:rPr lang="en-GB">
-                <a:latin typeface="Arial"/>
-                <a:ea typeface="Arial"/>
-                <a:cs typeface="Arial"/>
-                <a:sym typeface="Arial"/>
+                <a:latin typeface="Arial" panose="020B0604020202020204"/>
+                <a:ea typeface="Arial" panose="020B0604020202020204"/>
+                <a:cs typeface="Arial" panose="020B0604020202020204"/>
+                <a:sym typeface="Arial" panose="020B0604020202020204"/>
               </a:rPr>
               <a:t>, making them </a:t>
             </a:r>
             <a:r>
-              <a:rPr b="1" lang="en-GB">
-                <a:latin typeface="Arial"/>
-                <a:ea typeface="Arial"/>
-                <a:cs typeface="Arial"/>
-                <a:sym typeface="Arial"/>
+              <a:rPr lang="en-GB" b="1">
+                <a:latin typeface="Arial" panose="020B0604020202020204"/>
+                <a:ea typeface="Arial" panose="020B0604020202020204"/>
+                <a:cs typeface="Arial" panose="020B0604020202020204"/>
+                <a:sym typeface="Arial" panose="020B0604020202020204"/>
               </a:rPr>
               <a:t>accessible for beginners</a:t>
             </a:r>
             <a:r>
               <a:rPr lang="en-GB">
-                <a:latin typeface="Arial"/>
-                <a:ea typeface="Arial"/>
-                <a:cs typeface="Arial"/>
-                <a:sym typeface="Arial"/>
+                <a:latin typeface="Arial" panose="020B0604020202020204"/>
+                <a:ea typeface="Arial" panose="020B0604020202020204"/>
+                <a:cs typeface="Arial" panose="020B0604020202020204"/>
+                <a:sym typeface="Arial" panose="020B0604020202020204"/>
               </a:rPr>
               <a:t> and useful for advanced practitioners.</a:t>
             </a:r>
             <a:endParaRPr>
-              <a:latin typeface="Arial"/>
-              <a:ea typeface="Arial"/>
-              <a:cs typeface="Arial"/>
-              <a:sym typeface="Arial"/>
+              <a:latin typeface="Arial" panose="020B0604020202020204"/>
+              <a:ea typeface="Arial" panose="020B0604020202020204"/>
+              <a:cs typeface="Arial" panose="020B0604020202020204"/>
+              <a:sym typeface="Arial" panose="020B0604020202020204"/>
             </a:endParaRPr>
           </a:p>
           <a:p>
-            <a:pPr indent="0" lvl="0" marL="0" rtl="0" algn="l">
+            <a:pPr marL="0" lvl="0" indent="0" algn="l" rtl="0">
               <a:spcBef>
                 <a:spcPts val="700"/>
               </a:spcBef>
@@ -8370,10 +8335,6 @@
               </a:spcAft>
               <a:buNone/>
             </a:pPr>
-            <a:r>
-              <a:t/>
-            </a:r>
-            <a:endParaRPr/>
           </a:p>
         </p:txBody>
       </p:sp>
@@ -8386,7 +8347,7 @@
 </file>
 
 <file path=ppt/slides/slide7.xml><?xml version="1.0" encoding="utf-8"?>
-<p:sld xmlns:a="http://schemas.openxmlformats.org/drawingml/2006/main" xmlns:r="http://schemas.openxmlformats.org/officeDocument/2006/relationships" xmlns:mc="http://schemas.openxmlformats.org/markup-compatibility/2006" xmlns:mv="urn:schemas-microsoft-com:mac:vml" xmlns:p="http://schemas.openxmlformats.org/presentationml/2006/main" xmlns:c="http://schemas.openxmlformats.org/drawingml/2006/chart" xmlns:dgm="http://schemas.openxmlformats.org/drawingml/2006/diagram" xmlns:o="urn:schemas-microsoft-com:office:office" xmlns:v="urn:schemas-microsoft-com:vml" xmlns:pvml="urn:schemas-microsoft-com:office:powerpoint" xmlns:com="http://schemas.openxmlformats.org/drawingml/2006/compatibility" xmlns:p14="http://schemas.microsoft.com/office/powerpoint/2010/main" xmlns:p15="http://schemas.microsoft.com/office/powerpoint/2012/main" xmlns:ahyp="http://schemas.microsoft.com/office/drawing/2018/hyperlinkcolor">
+<p:sld xmlns:a="http://schemas.openxmlformats.org/drawingml/2006/main" xmlns:r="http://schemas.openxmlformats.org/officeDocument/2006/relationships" xmlns:p="http://schemas.openxmlformats.org/presentationml/2006/main">
   <p:cSld>
     <p:spTree>
       <p:nvGrpSpPr>
@@ -8420,12 +8381,12 @@
           </a:prstGeom>
         </p:spPr>
         <p:txBody>
-          <a:bodyPr anchorCtr="0" anchor="t" bIns="91425" lIns="91425" spcFirstLastPara="1" rIns="91425" wrap="square" tIns="91425">
+          <a:bodyPr spcFirstLastPara="1" wrap="square" lIns="91425" tIns="91425" rIns="91425" bIns="91425" anchor="t" anchorCtr="0">
             <a:normAutofit fontScale="90000"/>
           </a:bodyPr>
           <a:lstStyle/>
           <a:p>
-            <a:pPr indent="0" lvl="0" marL="0" rtl="0" algn="l">
+            <a:pPr marL="0" lvl="0" indent="0" algn="l" rtl="0">
               <a:spcBef>
                 <a:spcPts val="0"/>
               </a:spcBef>
@@ -8438,7 +8399,7 @@
               <a:rPr lang="en-GB"/>
               <a:t>Features : Reminders</a:t>
             </a:r>
-            <a:endParaRPr/>
+            <a:endParaRPr lang="en-GB"/>
           </a:p>
         </p:txBody>
       </p:sp>
@@ -8447,7 +8408,7 @@
           <p:cNvPr id="103" name="Google Shape;103;p19"/>
           <p:cNvSpPr txBox="1"/>
           <p:nvPr>
-            <p:ph idx="1" type="body"/>
+            <p:ph type="body" idx="1"/>
           </p:nvPr>
         </p:nvSpPr>
         <p:spPr>
@@ -8460,12 +8421,12 @@
           </a:prstGeom>
         </p:spPr>
         <p:txBody>
-          <a:bodyPr anchorCtr="0" anchor="t" bIns="91425" lIns="91425" spcFirstLastPara="1" rIns="91425" wrap="square" tIns="91425">
+          <a:bodyPr spcFirstLastPara="1" wrap="square" lIns="91425" tIns="91425" rIns="91425" bIns="91425" anchor="t" anchorCtr="0">
             <a:noAutofit/>
           </a:bodyPr>
           <a:lstStyle/>
           <a:p>
-            <a:pPr indent="-342900" lvl="0" marL="457200" rtl="0" algn="l">
+            <a:pPr marL="457200" lvl="0" indent="-342900" algn="l" rtl="0">
               <a:spcBef>
                 <a:spcPts val="0"/>
               </a:spcBef>
@@ -8476,7 +8437,7 @@
               <a:buChar char="●"/>
             </a:pPr>
             <a:r>
-              <a:rPr b="1" lang="en-GB"/>
+              <a:rPr lang="en-GB" b="1"/>
               <a:t>Daily Reminders:</a:t>
             </a:r>
             <a:r>
@@ -8484,7 +8445,7 @@
               <a:t> Users can </a:t>
             </a:r>
             <a:r>
-              <a:rPr b="1" lang="en-GB"/>
+              <a:rPr lang="en-GB" b="1"/>
               <a:t>set up reminders for their health routines</a:t>
             </a:r>
             <a:r>
@@ -8492,7 +8453,7 @@
               <a:t>, such as </a:t>
             </a:r>
             <a:r>
-              <a:rPr b="1" lang="en-GB"/>
+              <a:rPr lang="en-GB" b="1"/>
               <a:t>taking medication, drinking water, eating meals on time</a:t>
             </a:r>
             <a:r>
@@ -8500,7 +8461,7 @@
               <a:t>, or fitting in a workout. These reminders </a:t>
             </a:r>
             <a:r>
-              <a:rPr b="1" lang="en-GB"/>
+              <a:rPr lang="en-GB" b="1"/>
               <a:t>can be linked to their wearable devices or their phones</a:t>
             </a:r>
             <a:r>
@@ -8508,17 +8469,17 @@
               <a:t> to ensure they </a:t>
             </a:r>
             <a:r>
-              <a:rPr b="1" lang="en-GB"/>
+              <a:rPr lang="en-GB" b="1"/>
               <a:t>stay consistent</a:t>
             </a:r>
             <a:r>
               <a:rPr lang="en-GB"/>
               <a:t> with their wellness plans.</a:t>
             </a:r>
-            <a:endParaRPr/>
+            <a:endParaRPr lang="en-GB"/>
           </a:p>
           <a:p>
-            <a:pPr indent="-342900" lvl="0" marL="457200" rtl="0" algn="l">
+            <a:pPr marL="457200" lvl="0" indent="-342900" algn="l" rtl="0">
               <a:spcBef>
                 <a:spcPts val="0"/>
               </a:spcBef>
@@ -8529,7 +8490,7 @@
               <a:buChar char="●"/>
             </a:pPr>
             <a:r>
-              <a:rPr b="1" lang="en-GB"/>
+              <a:rPr lang="en-GB" b="1"/>
               <a:t>Goal Progress Alerts:</a:t>
             </a:r>
             <a:r>
@@ -8537,7 +8498,7 @@
               <a:t> Users </a:t>
             </a:r>
             <a:r>
-              <a:rPr b="1" lang="en-GB"/>
+              <a:rPr lang="en-GB" b="1"/>
               <a:t>receive notifications on their fitness and health goals</a:t>
             </a:r>
             <a:r>
@@ -8545,7 +8506,7 @@
               <a:t>, like </a:t>
             </a:r>
             <a:r>
-              <a:rPr b="1" lang="en-GB"/>
+              <a:rPr lang="en-GB" b="1"/>
               <a:t>"You've hit 50% of your step goal today!"</a:t>
             </a:r>
             <a:r>
@@ -8553,14 +8514,14 @@
               <a:t> or </a:t>
             </a:r>
             <a:r>
-              <a:rPr b="1" lang="en-GB"/>
+              <a:rPr lang="en-GB" b="1"/>
               <a:t>"Time to log your meal for the day."</a:t>
             </a:r>
             <a:r>
               <a:rPr lang="en-GB"/>
               <a:t> This feature helps users stay accountable and motivated.</a:t>
             </a:r>
-            <a:endParaRPr/>
+            <a:endParaRPr lang="en-GB"/>
           </a:p>
         </p:txBody>
       </p:sp>
@@ -8573,7 +8534,7 @@
 </file>
 
 <file path=ppt/slides/slide8.xml><?xml version="1.0" encoding="utf-8"?>
-<p:sld xmlns:a="http://schemas.openxmlformats.org/drawingml/2006/main" xmlns:r="http://schemas.openxmlformats.org/officeDocument/2006/relationships" xmlns:mc="http://schemas.openxmlformats.org/markup-compatibility/2006" xmlns:mv="urn:schemas-microsoft-com:mac:vml" xmlns:p="http://schemas.openxmlformats.org/presentationml/2006/main" xmlns:c="http://schemas.openxmlformats.org/drawingml/2006/chart" xmlns:dgm="http://schemas.openxmlformats.org/drawingml/2006/diagram" xmlns:o="urn:schemas-microsoft-com:office:office" xmlns:v="urn:schemas-microsoft-com:vml" xmlns:pvml="urn:schemas-microsoft-com:office:powerpoint" xmlns:com="http://schemas.openxmlformats.org/drawingml/2006/compatibility" xmlns:p14="http://schemas.microsoft.com/office/powerpoint/2010/main" xmlns:p15="http://schemas.microsoft.com/office/powerpoint/2012/main" xmlns:ahyp="http://schemas.microsoft.com/office/drawing/2018/hyperlinkcolor">
+<p:sld xmlns:a="http://schemas.openxmlformats.org/drawingml/2006/main" xmlns:r="http://schemas.openxmlformats.org/officeDocument/2006/relationships" xmlns:p="http://schemas.openxmlformats.org/presentationml/2006/main">
   <p:cSld>
     <p:spTree>
       <p:nvGrpSpPr>
@@ -8607,12 +8568,12 @@
           </a:prstGeom>
         </p:spPr>
         <p:txBody>
-          <a:bodyPr anchorCtr="0" anchor="t" bIns="91425" lIns="91425" spcFirstLastPara="1" rIns="91425" wrap="square" tIns="91425">
+          <a:bodyPr spcFirstLastPara="1" wrap="square" lIns="91425" tIns="91425" rIns="91425" bIns="91425" anchor="t" anchorCtr="0">
             <a:normAutofit fontScale="90000"/>
           </a:bodyPr>
           <a:lstStyle/>
           <a:p>
-            <a:pPr indent="0" lvl="0" marL="0" rtl="0" algn="l">
+            <a:pPr marL="0" lvl="0" indent="0" algn="l" rtl="0">
               <a:spcBef>
                 <a:spcPts val="0"/>
               </a:spcBef>
@@ -8625,7 +8586,7 @@
               <a:rPr lang="en-GB"/>
               <a:t>Features yet to be implemented </a:t>
             </a:r>
-            <a:endParaRPr/>
+            <a:endParaRPr lang="en-GB"/>
           </a:p>
         </p:txBody>
       </p:sp>
@@ -8634,7 +8595,7 @@
           <p:cNvPr id="109" name="Google Shape;109;p20"/>
           <p:cNvSpPr txBox="1"/>
           <p:nvPr>
-            <p:ph idx="1" type="body"/>
+            <p:ph type="body" idx="1"/>
           </p:nvPr>
         </p:nvSpPr>
         <p:spPr>
@@ -8647,12 +8608,12 @@
           </a:prstGeom>
         </p:spPr>
         <p:txBody>
-          <a:bodyPr anchorCtr="0" anchor="t" bIns="91425" lIns="91425" spcFirstLastPara="1" rIns="91425" wrap="square" tIns="91425">
+          <a:bodyPr spcFirstLastPara="1" wrap="square" lIns="91425" tIns="91425" rIns="91425" bIns="91425" anchor="t" anchorCtr="0">
             <a:normAutofit fontScale="77500" lnSpcReduction="20000"/>
           </a:bodyPr>
           <a:lstStyle/>
           <a:p>
-            <a:pPr indent="-317182" lvl="0" marL="457200" rtl="0" algn="l">
+            <a:pPr marL="457200" lvl="0" indent="-316865" algn="l" rtl="0">
               <a:spcBef>
                 <a:spcPts val="0"/>
               </a:spcBef>
@@ -8663,7 +8624,7 @@
               <a:buChar char="●"/>
             </a:pPr>
             <a:r>
-              <a:rPr b="1" lang="en-GB"/>
+              <a:rPr lang="en-GB" b="1"/>
               <a:t>Nutrition </a:t>
             </a:r>
             <a:r>
@@ -8675,7 +8636,7 @@
               <a:t> </a:t>
             </a:r>
             <a:r>
-              <a:rPr b="1" lang="en-GB"/>
+              <a:rPr lang="en-GB" b="1"/>
               <a:t>Progress Tracker:</a:t>
             </a:r>
             <a:r>
@@ -8683,7 +8644,7 @@
               <a:t> Users </a:t>
             </a:r>
             <a:r>
-              <a:rPr b="1" lang="en-GB"/>
+              <a:rPr lang="en-GB" b="1"/>
               <a:t>can log daily meals and track progress toward their goals</a:t>
             </a:r>
             <a:r>
@@ -8691,7 +8652,7 @@
               <a:t>, such as weight loss or energy levels. The system </a:t>
             </a:r>
             <a:r>
-              <a:rPr b="1" lang="en-GB"/>
+              <a:rPr lang="en-GB" b="1"/>
               <a:t>provides weekly reports and suggestions</a:t>
             </a:r>
             <a:r>
@@ -8699,17 +8660,17 @@
               <a:t> for </a:t>
             </a:r>
             <a:r>
-              <a:rPr b="1" lang="en-GB"/>
+              <a:rPr lang="en-GB" b="1"/>
               <a:t>adjustments </a:t>
             </a:r>
             <a:r>
               <a:rPr lang="en-GB"/>
               <a:t>to keep users on track.</a:t>
             </a:r>
-            <a:endParaRPr/>
+            <a:endParaRPr lang="en-GB"/>
           </a:p>
           <a:p>
-            <a:pPr indent="-317182" lvl="0" marL="457200" rtl="0" algn="l">
+            <a:pPr marL="457200" lvl="0" indent="-316865" algn="l" rtl="0">
               <a:spcBef>
                 <a:spcPts val="0"/>
               </a:spcBef>
@@ -8720,7 +8681,7 @@
               <a:buChar char="●"/>
             </a:pPr>
             <a:r>
-              <a:rPr b="1" lang="en-GB"/>
+              <a:rPr lang="en-GB" b="1"/>
               <a:t>Exercises</a:t>
             </a:r>
             <a:r>
@@ -8728,95 +8689,95 @@
               <a:t> → </a:t>
             </a:r>
             <a:r>
-              <a:rPr b="1" lang="en-GB">
-                <a:latin typeface="Arial"/>
-                <a:ea typeface="Arial"/>
-                <a:cs typeface="Arial"/>
-                <a:sym typeface="Arial"/>
+              <a:rPr lang="en-GB" b="1">
+                <a:latin typeface="Arial" panose="020B0604020202020204"/>
+                <a:ea typeface="Arial" panose="020B0604020202020204"/>
+                <a:cs typeface="Arial" panose="020B0604020202020204"/>
+                <a:sym typeface="Arial" panose="020B0604020202020204"/>
               </a:rPr>
               <a:t>Reward System:</a:t>
             </a:r>
             <a:r>
               <a:rPr lang="en-GB">
-                <a:latin typeface="Arial"/>
-                <a:ea typeface="Arial"/>
-                <a:cs typeface="Arial"/>
-                <a:sym typeface="Arial"/>
+                <a:latin typeface="Arial" panose="020B0604020202020204"/>
+                <a:ea typeface="Arial" panose="020B0604020202020204"/>
+                <a:cs typeface="Arial" panose="020B0604020202020204"/>
+                <a:sym typeface="Arial" panose="020B0604020202020204"/>
               </a:rPr>
               <a:t> We </a:t>
             </a:r>
             <a:r>
-              <a:rPr b="1" lang="en-GB">
-                <a:latin typeface="Arial"/>
-                <a:ea typeface="Arial"/>
-                <a:cs typeface="Arial"/>
-                <a:sym typeface="Arial"/>
+              <a:rPr lang="en-GB" b="1">
+                <a:latin typeface="Arial" panose="020B0604020202020204"/>
+                <a:ea typeface="Arial" panose="020B0604020202020204"/>
+                <a:cs typeface="Arial" panose="020B0604020202020204"/>
+                <a:sym typeface="Arial" panose="020B0604020202020204"/>
               </a:rPr>
               <a:t>gamify the platform</a:t>
             </a:r>
             <a:r>
               <a:rPr lang="en-GB">
-                <a:latin typeface="Arial"/>
-                <a:ea typeface="Arial"/>
-                <a:cs typeface="Arial"/>
-                <a:sym typeface="Arial"/>
+                <a:latin typeface="Arial" panose="020B0604020202020204"/>
+                <a:ea typeface="Arial" panose="020B0604020202020204"/>
+                <a:cs typeface="Arial" panose="020B0604020202020204"/>
+                <a:sym typeface="Arial" panose="020B0604020202020204"/>
               </a:rPr>
               <a:t> by </a:t>
             </a:r>
             <a:r>
-              <a:rPr b="1" lang="en-GB">
-                <a:latin typeface="Arial"/>
-                <a:ea typeface="Arial"/>
-                <a:cs typeface="Arial"/>
-                <a:sym typeface="Arial"/>
+              <a:rPr lang="en-GB" b="1">
+                <a:latin typeface="Arial" panose="020B0604020202020204"/>
+                <a:ea typeface="Arial" panose="020B0604020202020204"/>
+                <a:cs typeface="Arial" panose="020B0604020202020204"/>
+                <a:sym typeface="Arial" panose="020B0604020202020204"/>
               </a:rPr>
               <a:t>offering badges and points</a:t>
             </a:r>
             <a:r>
               <a:rPr lang="en-GB">
-                <a:latin typeface="Arial"/>
-                <a:ea typeface="Arial"/>
-                <a:cs typeface="Arial"/>
-                <a:sym typeface="Arial"/>
+                <a:latin typeface="Arial" panose="020B0604020202020204"/>
+                <a:ea typeface="Arial" panose="020B0604020202020204"/>
+                <a:cs typeface="Arial" panose="020B0604020202020204"/>
+                <a:sym typeface="Arial" panose="020B0604020202020204"/>
               </a:rPr>
               <a:t> for </a:t>
             </a:r>
             <a:r>
-              <a:rPr b="1" lang="en-GB">
-                <a:latin typeface="Arial"/>
-                <a:ea typeface="Arial"/>
-                <a:cs typeface="Arial"/>
-                <a:sym typeface="Arial"/>
+              <a:rPr lang="en-GB" b="1">
+                <a:latin typeface="Arial" panose="020B0604020202020204"/>
+                <a:ea typeface="Arial" panose="020B0604020202020204"/>
+                <a:cs typeface="Arial" panose="020B0604020202020204"/>
+                <a:sym typeface="Arial" panose="020B0604020202020204"/>
               </a:rPr>
               <a:t>completing challenges</a:t>
             </a:r>
             <a:r>
               <a:rPr lang="en-GB">
-                <a:latin typeface="Arial"/>
-                <a:ea typeface="Arial"/>
-                <a:cs typeface="Arial"/>
-                <a:sym typeface="Arial"/>
+                <a:latin typeface="Arial" panose="020B0604020202020204"/>
+                <a:ea typeface="Arial" panose="020B0604020202020204"/>
+                <a:cs typeface="Arial" panose="020B0604020202020204"/>
+                <a:sym typeface="Arial" panose="020B0604020202020204"/>
               </a:rPr>
               <a:t>, which can </a:t>
             </a:r>
             <a:r>
-              <a:rPr b="1" lang="en-GB">
-                <a:latin typeface="Arial"/>
-                <a:ea typeface="Arial"/>
-                <a:cs typeface="Arial"/>
-                <a:sym typeface="Arial"/>
+              <a:rPr lang="en-GB" b="1">
+                <a:latin typeface="Arial" panose="020B0604020202020204"/>
+                <a:ea typeface="Arial" panose="020B0604020202020204"/>
+                <a:cs typeface="Arial" panose="020B0604020202020204"/>
+                <a:sym typeface="Arial" panose="020B0604020202020204"/>
               </a:rPr>
               <a:t>keep users motivated.</a:t>
             </a:r>
             <a:endParaRPr b="1">
-              <a:latin typeface="Arial"/>
-              <a:ea typeface="Arial"/>
-              <a:cs typeface="Arial"/>
-              <a:sym typeface="Arial"/>
+              <a:latin typeface="Arial" panose="020B0604020202020204"/>
+              <a:ea typeface="Arial" panose="020B0604020202020204"/>
+              <a:cs typeface="Arial" panose="020B0604020202020204"/>
+              <a:sym typeface="Arial" panose="020B0604020202020204"/>
             </a:endParaRPr>
           </a:p>
           <a:p>
-            <a:pPr indent="-317182" lvl="0" marL="457200" rtl="0" algn="l">
+            <a:pPr marL="457200" lvl="0" indent="-316865" algn="l" rtl="0">
               <a:spcBef>
                 <a:spcPts val="0"/>
               </a:spcBef>
@@ -8827,7 +8788,7 @@
               <a:buChar char="●"/>
             </a:pPr>
             <a:r>
-              <a:rPr b="1" lang="en-GB"/>
+              <a:rPr lang="en-GB" b="1"/>
               <a:t>Wellness</a:t>
             </a:r>
             <a:r>
@@ -8835,86 +8796,86 @@
               <a:t> → </a:t>
             </a:r>
             <a:r>
-              <a:rPr b="1" lang="en-GB">
-                <a:latin typeface="Arial"/>
-                <a:ea typeface="Arial"/>
-                <a:cs typeface="Arial"/>
-                <a:sym typeface="Arial"/>
+              <a:rPr lang="en-GB" b="1">
+                <a:latin typeface="Arial" panose="020B0604020202020204"/>
+                <a:ea typeface="Arial" panose="020B0604020202020204"/>
+                <a:cs typeface="Arial" panose="020B0604020202020204"/>
+                <a:sym typeface="Arial" panose="020B0604020202020204"/>
               </a:rPr>
               <a:t>Mood Tracker:</a:t>
             </a:r>
             <a:r>
               <a:rPr lang="en-GB">
-                <a:latin typeface="Arial"/>
-                <a:ea typeface="Arial"/>
-                <a:cs typeface="Arial"/>
-                <a:sym typeface="Arial"/>
+                <a:latin typeface="Arial" panose="020B0604020202020204"/>
+                <a:ea typeface="Arial" panose="020B0604020202020204"/>
+                <a:cs typeface="Arial" panose="020B0604020202020204"/>
+                <a:sym typeface="Arial" panose="020B0604020202020204"/>
               </a:rPr>
               <a:t> Users can </a:t>
             </a:r>
             <a:r>
-              <a:rPr b="1" lang="en-GB">
-                <a:latin typeface="Arial"/>
-                <a:ea typeface="Arial"/>
-                <a:cs typeface="Arial"/>
-                <a:sym typeface="Arial"/>
+              <a:rPr lang="en-GB" b="1">
+                <a:latin typeface="Arial" panose="020B0604020202020204"/>
+                <a:ea typeface="Arial" panose="020B0604020202020204"/>
+                <a:cs typeface="Arial" panose="020B0604020202020204"/>
+                <a:sym typeface="Arial" panose="020B0604020202020204"/>
               </a:rPr>
               <a:t>track their mental and emotional states daily</a:t>
             </a:r>
             <a:r>
               <a:rPr lang="en-GB">
-                <a:latin typeface="Arial"/>
-                <a:ea typeface="Arial"/>
-                <a:cs typeface="Arial"/>
-                <a:sym typeface="Arial"/>
+                <a:latin typeface="Arial" panose="020B0604020202020204"/>
+                <a:ea typeface="Arial" panose="020B0604020202020204"/>
+                <a:cs typeface="Arial" panose="020B0604020202020204"/>
+                <a:sym typeface="Arial" panose="020B0604020202020204"/>
               </a:rPr>
               <a:t>, </a:t>
             </a:r>
             <a:r>
-              <a:rPr b="1" lang="en-GB">
-                <a:latin typeface="Arial"/>
-                <a:ea typeface="Arial"/>
-                <a:cs typeface="Arial"/>
-                <a:sym typeface="Arial"/>
+              <a:rPr lang="en-GB" b="1">
+                <a:latin typeface="Arial" panose="020B0604020202020204"/>
+                <a:ea typeface="Arial" panose="020B0604020202020204"/>
+                <a:cs typeface="Arial" panose="020B0604020202020204"/>
+                <a:sym typeface="Arial" panose="020B0604020202020204"/>
               </a:rPr>
               <a:t>logging feelings of stress, anxiety, or happiness.</a:t>
             </a:r>
             <a:r>
               <a:rPr lang="en-GB">
-                <a:latin typeface="Arial"/>
-                <a:ea typeface="Arial"/>
-                <a:cs typeface="Arial"/>
-                <a:sym typeface="Arial"/>
+                <a:latin typeface="Arial" panose="020B0604020202020204"/>
+                <a:ea typeface="Arial" panose="020B0604020202020204"/>
+                <a:cs typeface="Arial" panose="020B0604020202020204"/>
+                <a:sym typeface="Arial" panose="020B0604020202020204"/>
               </a:rPr>
               <a:t> The bot can use this data to </a:t>
             </a:r>
             <a:r>
-              <a:rPr b="1" lang="en-GB">
-                <a:latin typeface="Arial"/>
-                <a:ea typeface="Arial"/>
-                <a:cs typeface="Arial"/>
-                <a:sym typeface="Arial"/>
+              <a:rPr lang="en-GB" b="1">
+                <a:latin typeface="Arial" panose="020B0604020202020204"/>
+                <a:ea typeface="Arial" panose="020B0604020202020204"/>
+                <a:cs typeface="Arial" panose="020B0604020202020204"/>
+                <a:sym typeface="Arial" panose="020B0604020202020204"/>
               </a:rPr>
               <a:t>suggest appropriate mindfulness techniques or meditations</a:t>
             </a:r>
             <a:r>
               <a:rPr lang="en-GB">
-                <a:latin typeface="Arial"/>
-                <a:ea typeface="Arial"/>
-                <a:cs typeface="Arial"/>
-                <a:sym typeface="Arial"/>
+                <a:latin typeface="Arial" panose="020B0604020202020204"/>
+                <a:ea typeface="Arial" panose="020B0604020202020204"/>
+                <a:cs typeface="Arial" panose="020B0604020202020204"/>
+                <a:sym typeface="Arial" panose="020B0604020202020204"/>
               </a:rPr>
               <a:t> based on how the user feels.</a:t>
             </a:r>
             <a:endParaRPr>
-              <a:latin typeface="Arial"/>
-              <a:ea typeface="Arial"/>
-              <a:cs typeface="Arial"/>
-              <a:sym typeface="Arial"/>
+              <a:latin typeface="Arial" panose="020B0604020202020204"/>
+              <a:ea typeface="Arial" panose="020B0604020202020204"/>
+              <a:cs typeface="Arial" panose="020B0604020202020204"/>
+              <a:sym typeface="Arial" panose="020B0604020202020204"/>
             </a:endParaRPr>
           </a:p>
           <a:p>
-            <a:pPr indent="-314721" lvl="0" marL="457200" rtl="0" algn="l">
+            <a:pPr marL="457200" lvl="0" indent="-314960" algn="l" rtl="0">
               <a:spcBef>
                 <a:spcPts val="0"/>
               </a:spcBef>
@@ -8922,20 +8883,20 @@
                 <a:spcPts val="0"/>
               </a:spcAft>
               <a:buSzPct val="100000"/>
-              <a:buFont typeface="Arial"/>
+              <a:buFont typeface="Arial" panose="020B0604020202020204"/>
               <a:buChar char="●"/>
             </a:pPr>
             <a:r>
-              <a:rPr b="1" lang="en-GB" sz="1750">
-                <a:latin typeface="Arial"/>
-                <a:ea typeface="Arial"/>
-                <a:cs typeface="Arial"/>
-                <a:sym typeface="Arial"/>
+              <a:rPr lang="en-GB" sz="1750" b="1">
+                <a:latin typeface="Arial" panose="020B0604020202020204"/>
+                <a:ea typeface="Arial" panose="020B0604020202020204"/>
+                <a:cs typeface="Arial" panose="020B0604020202020204"/>
+                <a:sym typeface="Arial" panose="020B0604020202020204"/>
               </a:rPr>
               <a:t>Wearable integration → </a:t>
             </a:r>
             <a:r>
-              <a:rPr b="1" lang="en-GB" sz="1750"/>
+              <a:rPr lang="en-GB" sz="1750" b="1"/>
               <a:t>Integrating data from wearables</a:t>
             </a:r>
             <a:r>
@@ -8943,13 +8904,13 @@
               <a:t> like Fitbit or Apple Watch to </a:t>
             </a:r>
             <a:r>
-              <a:rPr b="1" lang="en-GB" sz="1750"/>
+              <a:rPr lang="en-GB" sz="1750" b="1"/>
               <a:t>provide even more personalized recommendations.</a:t>
             </a:r>
-            <a:endParaRPr b="1" sz="1750"/>
+            <a:endParaRPr sz="1750" b="1"/>
           </a:p>
           <a:p>
-            <a:pPr indent="457200" lvl="0" marL="0" rtl="0" algn="l">
+            <a:pPr marL="0" lvl="0" indent="457200" algn="l" rtl="0">
               <a:spcBef>
                 <a:spcPts val="1200"/>
               </a:spcBef>
@@ -8959,13 +8920,13 @@
               <a:buNone/>
             </a:pPr>
             <a:r>
-              <a:rPr b="1" lang="en-GB" sz="2137"/>
+              <a:rPr lang="en-GB" sz="2135" b="1"/>
               <a:t>This webpage will be transformed into an application !!!</a:t>
             </a:r>
-            <a:endParaRPr b="1" sz="2137"/>
+            <a:endParaRPr sz="2135" b="1"/>
           </a:p>
           <a:p>
-            <a:pPr indent="0" lvl="0" marL="457200" rtl="0" algn="l">
+            <a:pPr marL="457200" lvl="0" indent="0" algn="l" rtl="0">
               <a:spcBef>
                 <a:spcPts val="1200"/>
               </a:spcBef>
@@ -8974,13 +8935,10 @@
               </a:spcAft>
               <a:buNone/>
             </a:pPr>
-            <a:r>
-              <a:t/>
-            </a:r>
             <a:endParaRPr sz="1750"/>
           </a:p>
           <a:p>
-            <a:pPr indent="0" lvl="0" marL="0" rtl="0" algn="l">
+            <a:pPr marL="0" lvl="0" indent="0" algn="l" rtl="0">
               <a:spcBef>
                 <a:spcPts val="1200"/>
               </a:spcBef>
@@ -8989,10 +8947,6 @@
               </a:spcAft>
               <a:buNone/>
             </a:pPr>
-            <a:r>
-              <a:t/>
-            </a:r>
-            <a:endParaRPr/>
           </a:p>
         </p:txBody>
       </p:sp>
@@ -9005,7 +8959,7 @@
 </file>
 
 <file path=ppt/slides/slide9.xml><?xml version="1.0" encoding="utf-8"?>
-<p:sld xmlns:a="http://schemas.openxmlformats.org/drawingml/2006/main" xmlns:r="http://schemas.openxmlformats.org/officeDocument/2006/relationships" xmlns:mc="http://schemas.openxmlformats.org/markup-compatibility/2006" xmlns:mv="urn:schemas-microsoft-com:mac:vml" xmlns:p="http://schemas.openxmlformats.org/presentationml/2006/main" xmlns:c="http://schemas.openxmlformats.org/drawingml/2006/chart" xmlns:dgm="http://schemas.openxmlformats.org/drawingml/2006/diagram" xmlns:o="urn:schemas-microsoft-com:office:office" xmlns:v="urn:schemas-microsoft-com:vml" xmlns:pvml="urn:schemas-microsoft-com:office:powerpoint" xmlns:com="http://schemas.openxmlformats.org/drawingml/2006/compatibility" xmlns:p14="http://schemas.microsoft.com/office/powerpoint/2010/main" xmlns:p15="http://schemas.microsoft.com/office/powerpoint/2012/main" xmlns:ahyp="http://schemas.microsoft.com/office/drawing/2018/hyperlinkcolor">
+<p:sld xmlns:a="http://schemas.openxmlformats.org/drawingml/2006/main" xmlns:r="http://schemas.openxmlformats.org/officeDocument/2006/relationships" xmlns:p="http://schemas.openxmlformats.org/presentationml/2006/main">
   <p:cSld>
     <p:spTree>
       <p:nvGrpSpPr>
@@ -9041,12 +8995,12 @@
           </a:ln>
         </p:spPr>
         <p:txBody>
-          <a:bodyPr anchorCtr="0" anchor="t" bIns="91425" lIns="91425" spcFirstLastPara="1" rIns="91425" wrap="square" tIns="91425">
+          <a:bodyPr spcFirstLastPara="1" wrap="square" lIns="91425" tIns="91425" rIns="91425" bIns="91425" anchor="t" anchorCtr="0">
             <a:noAutofit/>
           </a:bodyPr>
           <a:lstStyle/>
           <a:p>
-            <a:pPr indent="0" lvl="0" marL="0" rtl="0" algn="l">
+            <a:pPr marL="0" lvl="0" indent="0" algn="l" rtl="0">
               <a:spcBef>
                 <a:spcPts val="0"/>
               </a:spcBef>
@@ -9055,9 +9009,6 @@
               </a:spcAft>
               <a:buNone/>
             </a:pPr>
-            <a:r>
-              <a:t/>
-            </a:r>
             <a:endParaRPr sz="1800">
               <a:solidFill>
                 <a:schemeClr val="dk2"/>
@@ -9078,8 +9029,8 @@
         </p:nvSpPr>
         <p:spPr>
           <a:xfrm>
-            <a:off x="2066750" y="1757250"/>
-            <a:ext cx="4907700" cy="1413900"/>
+            <a:off x="1224915" y="1719580"/>
+            <a:ext cx="7339965" cy="1414145"/>
           </a:xfrm>
           <a:prstGeom prst="rect">
             <a:avLst/>
@@ -9090,12 +9041,12 @@
           </a:ln>
         </p:spPr>
         <p:txBody>
-          <a:bodyPr anchorCtr="0" anchor="t" bIns="91425" lIns="91425" spcFirstLastPara="1" rIns="91425" wrap="square" tIns="91425">
+          <a:bodyPr spcFirstLastPara="1" wrap="square" lIns="91425" tIns="91425" rIns="91425" bIns="91425" anchor="t" anchorCtr="0">
             <a:noAutofit/>
           </a:bodyPr>
           <a:lstStyle/>
           <a:p>
-            <a:pPr indent="0" lvl="0" marL="0" rtl="0" algn="l">
+            <a:pPr marL="0" lvl="0" indent="0" algn="l" rtl="0">
               <a:spcBef>
                 <a:spcPts val="0"/>
               </a:spcBef>
@@ -9105,7 +9056,7 @@
               <a:buNone/>
             </a:pPr>
             <a:r>
-              <a:rPr b="1" lang="en-GB" sz="6000">
+              <a:rPr lang="en-GB" sz="6000" b="1">
                 <a:solidFill>
                   <a:schemeClr val="accent1"/>
                 </a:solidFill>
@@ -9116,7 +9067,7 @@
               </a:rPr>
               <a:t>THANK YOU</a:t>
             </a:r>
-            <a:endParaRPr b="1" sz="6000">
+            <a:endParaRPr sz="6000" b="1">
               <a:solidFill>
                 <a:schemeClr val="accent1"/>
               </a:solidFill>
@@ -9137,7 +9088,291 @@
 </file>
 
 <file path=ppt/theme/theme1.xml><?xml version="1.0" encoding="utf-8"?>
-<a:theme xmlns:a="http://schemas.openxmlformats.org/drawingml/2006/main" xmlns:r="http://schemas.openxmlformats.org/officeDocument/2006/relationships">
+<a:theme xmlns:a="http://schemas.openxmlformats.org/drawingml/2006/main" name="Tropic">
+  <a:themeElements>
+    <a:clrScheme name="Tropic">
+      <a:dk1>
+        <a:srgbClr val="A1E8D9"/>
+      </a:dk1>
+      <a:lt1>
+        <a:srgbClr val="FFFFFF"/>
+      </a:lt1>
+      <a:dk2>
+        <a:srgbClr val="695D46"/>
+      </a:dk2>
+      <a:lt2>
+        <a:srgbClr val="B3A77D"/>
+      </a:lt2>
+      <a:accent1>
+        <a:srgbClr val="EF6C00"/>
+      </a:accent1>
+      <a:accent2>
+        <a:srgbClr val="CE93D8"/>
+      </a:accent2>
+      <a:accent3>
+        <a:srgbClr val="4DB6AC"/>
+      </a:accent3>
+      <a:accent4>
+        <a:srgbClr val="FF9800"/>
+      </a:accent4>
+      <a:accent5>
+        <a:srgbClr val="009668"/>
+      </a:accent5>
+      <a:accent6>
+        <a:srgbClr val="EEFF41"/>
+      </a:accent6>
+      <a:hlink>
+        <a:srgbClr val="009668"/>
+      </a:hlink>
+      <a:folHlink>
+        <a:srgbClr val="009668"/>
+      </a:folHlink>
+    </a:clrScheme>
+    <a:fontScheme name="Office">
+      <a:majorFont>
+        <a:latin typeface="Arial"/>
+        <a:ea typeface=""/>
+        <a:cs typeface=""/>
+        <a:font script="Jpan" typeface="ＭＳ Ｐゴシック"/>
+        <a:font script="Hang" typeface="맑은 고딕"/>
+        <a:font script="Hans" typeface="宋体"/>
+        <a:font script="Hant" typeface="新細明體"/>
+        <a:font script="Arab" typeface="Times New Roman"/>
+        <a:font script="Hebr" typeface="Times New Roman"/>
+        <a:font script="Thai" typeface="Angsana New"/>
+        <a:font script="Ethi" typeface="Nyala"/>
+        <a:font script="Beng" typeface="Vrinda"/>
+        <a:font script="Gujr" typeface="Shruti"/>
+        <a:font script="Khmr" typeface="MoolBoran"/>
+        <a:font script="Knda" typeface="Tunga"/>
+        <a:font script="Guru" typeface="Raavi"/>
+        <a:font script="Cans" typeface="Euphemia"/>
+        <a:font script="Cher" typeface="Plantagenet Cherokee"/>
+        <a:font script="Yiii" typeface="Microsoft Yi Baiti"/>
+        <a:font script="Tibt" typeface="Microsoft Himalaya"/>
+        <a:font script="Thaa" typeface="MV Boli"/>
+        <a:font script="Deva" typeface="Mangal"/>
+        <a:font script="Telu" typeface="Gautami"/>
+        <a:font script="Taml" typeface="Latha"/>
+        <a:font script="Syrc" typeface="Estrangelo Edessa"/>
+        <a:font script="Orya" typeface="Kalinga"/>
+        <a:font script="Mlym" typeface="Kartika"/>
+        <a:font script="Laoo" typeface="DokChampa"/>
+        <a:font script="Sinh" typeface="Iskoola Pota"/>
+        <a:font script="Mong" typeface="Mongolian Baiti"/>
+        <a:font script="Viet" typeface="Times New Roman"/>
+        <a:font script="Uigh" typeface="Microsoft Uighur"/>
+        <a:font script="Geor" typeface="Sylfaen"/>
+      </a:majorFont>
+      <a:minorFont>
+        <a:latin typeface="Arial"/>
+        <a:ea typeface=""/>
+        <a:cs typeface=""/>
+        <a:font script="Jpan" typeface="ＭＳ Ｐゴシック"/>
+        <a:font script="Hang" typeface="맑은 고딕"/>
+        <a:font script="Hans" typeface="宋体"/>
+        <a:font script="Hant" typeface="新細明體"/>
+        <a:font script="Arab" typeface="Arial"/>
+        <a:font script="Hebr" typeface="Arial"/>
+        <a:font script="Thai" typeface="Cordia New"/>
+        <a:font script="Ethi" typeface="Nyala"/>
+        <a:font script="Beng" typeface="Vrinda"/>
+        <a:font script="Gujr" typeface="Shruti"/>
+        <a:font script="Khmr" typeface="DaunPenh"/>
+        <a:font script="Knda" typeface="Tunga"/>
+        <a:font script="Guru" typeface="Raavi"/>
+        <a:font script="Cans" typeface="Euphemia"/>
+        <a:font script="Cher" typeface="Plantagenet Cherokee"/>
+        <a:font script="Yiii" typeface="Microsoft Yi Baiti"/>
+        <a:font script="Tibt" typeface="Microsoft Himalaya"/>
+        <a:font script="Thaa" typeface="MV Boli"/>
+        <a:font script="Deva" typeface="Mangal"/>
+        <a:font script="Telu" typeface="Gautami"/>
+        <a:font script="Taml" typeface="Latha"/>
+        <a:font script="Syrc" typeface="Estrangelo Edessa"/>
+        <a:font script="Orya" typeface="Kalinga"/>
+        <a:font script="Mlym" typeface="Kartika"/>
+        <a:font script="Laoo" typeface="DokChampa"/>
+        <a:font script="Sinh" typeface="Iskoola Pota"/>
+        <a:font script="Mong" typeface="Mongolian Baiti"/>
+        <a:font script="Viet" typeface="Arial"/>
+        <a:font script="Uigh" typeface="Microsoft Uighur"/>
+        <a:font script="Geor" typeface="Sylfaen"/>
+      </a:minorFont>
+    </a:fontScheme>
+    <a:fmtScheme name="Office">
+      <a:fillStyleLst>
+        <a:solidFill>
+          <a:schemeClr val="phClr"/>
+        </a:solidFill>
+        <a:gradFill rotWithShape="1">
+          <a:gsLst>
+            <a:gs pos="0">
+              <a:schemeClr val="phClr">
+                <a:tint val="50000"/>
+                <a:satMod val="300000"/>
+              </a:schemeClr>
+            </a:gs>
+            <a:gs pos="35000">
+              <a:schemeClr val="phClr">
+                <a:tint val="37000"/>
+                <a:satMod val="300000"/>
+              </a:schemeClr>
+            </a:gs>
+            <a:gs pos="100000">
+              <a:schemeClr val="phClr">
+                <a:tint val="15000"/>
+                <a:satMod val="350000"/>
+              </a:schemeClr>
+            </a:gs>
+          </a:gsLst>
+          <a:lin ang="16200000" scaled="1"/>
+        </a:gradFill>
+        <a:gradFill rotWithShape="1">
+          <a:gsLst>
+            <a:gs pos="0">
+              <a:schemeClr val="phClr">
+                <a:tint val="100000"/>
+                <a:shade val="100000"/>
+                <a:satMod val="130000"/>
+              </a:schemeClr>
+            </a:gs>
+            <a:gs pos="100000">
+              <a:schemeClr val="phClr">
+                <a:tint val="50000"/>
+                <a:shade val="100000"/>
+                <a:satMod val="350000"/>
+              </a:schemeClr>
+            </a:gs>
+          </a:gsLst>
+          <a:lin ang="16200000" scaled="0"/>
+        </a:gradFill>
+      </a:fillStyleLst>
+      <a:lnStyleLst>
+        <a:ln w="9525" cap="flat" cmpd="sng" algn="ctr">
+          <a:solidFill>
+            <a:schemeClr val="phClr">
+              <a:shade val="95000"/>
+              <a:satMod val="105000"/>
+            </a:schemeClr>
+          </a:solidFill>
+          <a:prstDash val="solid"/>
+        </a:ln>
+        <a:ln w="25400" cap="flat" cmpd="sng" algn="ctr">
+          <a:solidFill>
+            <a:schemeClr val="phClr"/>
+          </a:solidFill>
+          <a:prstDash val="solid"/>
+        </a:ln>
+        <a:ln w="38100" cap="flat" cmpd="sng" algn="ctr">
+          <a:solidFill>
+            <a:schemeClr val="phClr"/>
+          </a:solidFill>
+          <a:prstDash val="solid"/>
+        </a:ln>
+      </a:lnStyleLst>
+      <a:effectStyleLst>
+        <a:effectStyle>
+          <a:effectLst>
+            <a:outerShdw blurRad="40000" dist="20000" dir="5400000" rotWithShape="0">
+              <a:srgbClr val="000000">
+                <a:alpha val="38000"/>
+              </a:srgbClr>
+            </a:outerShdw>
+          </a:effectLst>
+        </a:effectStyle>
+        <a:effectStyle>
+          <a:effectLst>
+            <a:outerShdw blurRad="40000" dist="23000" dir="5400000" rotWithShape="0">
+              <a:srgbClr val="000000">
+                <a:alpha val="35000"/>
+              </a:srgbClr>
+            </a:outerShdw>
+          </a:effectLst>
+        </a:effectStyle>
+        <a:effectStyle>
+          <a:effectLst>
+            <a:outerShdw blurRad="40000" dist="23000" dir="5400000" rotWithShape="0">
+              <a:srgbClr val="000000">
+                <a:alpha val="35000"/>
+              </a:srgbClr>
+            </a:outerShdw>
+          </a:effectLst>
+          <a:scene3d>
+            <a:camera prst="orthographicFront">
+              <a:rot lat="0" lon="0" rev="0"/>
+            </a:camera>
+            <a:lightRig rig="threePt" dir="t">
+              <a:rot lat="0" lon="0" rev="1200000"/>
+            </a:lightRig>
+          </a:scene3d>
+          <a:sp3d>
+            <a:bevelT w="63500" h="25400"/>
+          </a:sp3d>
+        </a:effectStyle>
+      </a:effectStyleLst>
+      <a:bgFillStyleLst>
+        <a:solidFill>
+          <a:schemeClr val="phClr"/>
+        </a:solidFill>
+        <a:gradFill rotWithShape="1">
+          <a:gsLst>
+            <a:gs pos="0">
+              <a:schemeClr val="phClr">
+                <a:tint val="40000"/>
+                <a:satMod val="350000"/>
+              </a:schemeClr>
+            </a:gs>
+            <a:gs pos="40000">
+              <a:schemeClr val="phClr">
+                <a:tint val="45000"/>
+                <a:shade val="99000"/>
+                <a:satMod val="350000"/>
+              </a:schemeClr>
+            </a:gs>
+            <a:gs pos="100000">
+              <a:schemeClr val="phClr">
+                <a:shade val="20000"/>
+                <a:satMod val="255000"/>
+              </a:schemeClr>
+            </a:gs>
+          </a:gsLst>
+          <a:path path="circle">
+            <a:fillToRect l="50000" t="-80000" r="50000" b="180000"/>
+          </a:path>
+        </a:gradFill>
+        <a:gradFill rotWithShape="1">
+          <a:gsLst>
+            <a:gs pos="0">
+              <a:schemeClr val="phClr">
+                <a:tint val="80000"/>
+                <a:satMod val="300000"/>
+              </a:schemeClr>
+            </a:gs>
+            <a:gs pos="100000">
+              <a:schemeClr val="phClr">
+                <a:shade val="30000"/>
+                <a:satMod val="200000"/>
+              </a:schemeClr>
+            </a:gs>
+          </a:gsLst>
+          <a:path path="circle">
+            <a:fillToRect l="50000" t="50000" r="50000" b="50000"/>
+          </a:path>
+        </a:gradFill>
+      </a:bgFillStyleLst>
+    </a:fmtScheme>
+  </a:themeElements>
+  <a:extLst>
+    <a:ext uri="{05A4C25C-085E-4340-85A3-A5531E510DB2}">
+      <thm15:themeFamily xmlns:thm15="http://schemas.microsoft.com/office/thememl/2012/main" name="Office Theme" id="{62F939B6-93AF-4DB8-9C6B-D6C7DFDC589F}" vid="{4A3C46E8-61CC-4603-A589-7422A47A8E4A}"/>
+    </a:ext>
+  </a:extLst>
+</a:theme>
+</file>
+
+<file path=ppt/theme/theme2.xml><?xml version="1.0" encoding="utf-8"?>
+<a:theme xmlns:a="http://schemas.openxmlformats.org/drawingml/2006/main">
   <a:themeElements>
     <a:clrScheme name="Default">
       <a:dk1>
@@ -9412,284 +9647,10 @@
       </a:bgFillStyleLst>
     </a:fmtScheme>
   </a:themeElements>
-</a:theme>
-</file>
-
-<file path=ppt/theme/theme2.xml><?xml version="1.0" encoding="utf-8"?>
-<a:theme xmlns:a="http://schemas.openxmlformats.org/drawingml/2006/main" xmlns:r="http://schemas.openxmlformats.org/officeDocument/2006/relationships" name="Tropic">
-  <a:themeElements>
-    <a:clrScheme name="Tropic">
-      <a:dk1>
-        <a:srgbClr val="A1E8D9"/>
-      </a:dk1>
-      <a:lt1>
-        <a:srgbClr val="FFFFFF"/>
-      </a:lt1>
-      <a:dk2>
-        <a:srgbClr val="695D46"/>
-      </a:dk2>
-      <a:lt2>
-        <a:srgbClr val="B3A77D"/>
-      </a:lt2>
-      <a:accent1>
-        <a:srgbClr val="EF6C00"/>
-      </a:accent1>
-      <a:accent2>
-        <a:srgbClr val="CE93D8"/>
-      </a:accent2>
-      <a:accent3>
-        <a:srgbClr val="4DB6AC"/>
-      </a:accent3>
-      <a:accent4>
-        <a:srgbClr val="FF9800"/>
-      </a:accent4>
-      <a:accent5>
-        <a:srgbClr val="009668"/>
-      </a:accent5>
-      <a:accent6>
-        <a:srgbClr val="EEFF41"/>
-      </a:accent6>
-      <a:hlink>
-        <a:srgbClr val="009668"/>
-      </a:hlink>
-      <a:folHlink>
-        <a:srgbClr val="009668"/>
-      </a:folHlink>
-    </a:clrScheme>
-    <a:fontScheme name="Office">
-      <a:majorFont>
-        <a:latin typeface="Arial"/>
-        <a:ea typeface=""/>
-        <a:cs typeface=""/>
-        <a:font script="Jpan" typeface="ＭＳ Ｐゴシック"/>
-        <a:font script="Hang" typeface="맑은 고딕"/>
-        <a:font script="Hans" typeface="宋体"/>
-        <a:font script="Hant" typeface="新細明體"/>
-        <a:font script="Arab" typeface="Times New Roman"/>
-        <a:font script="Hebr" typeface="Times New Roman"/>
-        <a:font script="Thai" typeface="Angsana New"/>
-        <a:font script="Ethi" typeface="Nyala"/>
-        <a:font script="Beng" typeface="Vrinda"/>
-        <a:font script="Gujr" typeface="Shruti"/>
-        <a:font script="Khmr" typeface="MoolBoran"/>
-        <a:font script="Knda" typeface="Tunga"/>
-        <a:font script="Guru" typeface="Raavi"/>
-        <a:font script="Cans" typeface="Euphemia"/>
-        <a:font script="Cher" typeface="Plantagenet Cherokee"/>
-        <a:font script="Yiii" typeface="Microsoft Yi Baiti"/>
-        <a:font script="Tibt" typeface="Microsoft Himalaya"/>
-        <a:font script="Thaa" typeface="MV Boli"/>
-        <a:font script="Deva" typeface="Mangal"/>
-        <a:font script="Telu" typeface="Gautami"/>
-        <a:font script="Taml" typeface="Latha"/>
-        <a:font script="Syrc" typeface="Estrangelo Edessa"/>
-        <a:font script="Orya" typeface="Kalinga"/>
-        <a:font script="Mlym" typeface="Kartika"/>
-        <a:font script="Laoo" typeface="DokChampa"/>
-        <a:font script="Sinh" typeface="Iskoola Pota"/>
-        <a:font script="Mong" typeface="Mongolian Baiti"/>
-        <a:font script="Viet" typeface="Times New Roman"/>
-        <a:font script="Uigh" typeface="Microsoft Uighur"/>
-        <a:font script="Geor" typeface="Sylfaen"/>
-      </a:majorFont>
-      <a:minorFont>
-        <a:latin typeface="Arial"/>
-        <a:ea typeface=""/>
-        <a:cs typeface=""/>
-        <a:font script="Jpan" typeface="ＭＳ Ｐゴシック"/>
-        <a:font script="Hang" typeface="맑은 고딕"/>
-        <a:font script="Hans" typeface="宋体"/>
-        <a:font script="Hant" typeface="新細明體"/>
-        <a:font script="Arab" typeface="Arial"/>
-        <a:font script="Hebr" typeface="Arial"/>
-        <a:font script="Thai" typeface="Cordia New"/>
-        <a:font script="Ethi" typeface="Nyala"/>
-        <a:font script="Beng" typeface="Vrinda"/>
-        <a:font script="Gujr" typeface="Shruti"/>
-        <a:font script="Khmr" typeface="DaunPenh"/>
-        <a:font script="Knda" typeface="Tunga"/>
-        <a:font script="Guru" typeface="Raavi"/>
-        <a:font script="Cans" typeface="Euphemia"/>
-        <a:font script="Cher" typeface="Plantagenet Cherokee"/>
-        <a:font script="Yiii" typeface="Microsoft Yi Baiti"/>
-        <a:font script="Tibt" typeface="Microsoft Himalaya"/>
-        <a:font script="Thaa" typeface="MV Boli"/>
-        <a:font script="Deva" typeface="Mangal"/>
-        <a:font script="Telu" typeface="Gautami"/>
-        <a:font script="Taml" typeface="Latha"/>
-        <a:font script="Syrc" typeface="Estrangelo Edessa"/>
-        <a:font script="Orya" typeface="Kalinga"/>
-        <a:font script="Mlym" typeface="Kartika"/>
-        <a:font script="Laoo" typeface="DokChampa"/>
-        <a:font script="Sinh" typeface="Iskoola Pota"/>
-        <a:font script="Mong" typeface="Mongolian Baiti"/>
-        <a:font script="Viet" typeface="Arial"/>
-        <a:font script="Uigh" typeface="Microsoft Uighur"/>
-        <a:font script="Geor" typeface="Sylfaen"/>
-      </a:minorFont>
-    </a:fontScheme>
-    <a:fmtScheme name="Office">
-      <a:fillStyleLst>
-        <a:solidFill>
-          <a:schemeClr val="phClr"/>
-        </a:solidFill>
-        <a:gradFill rotWithShape="1">
-          <a:gsLst>
-            <a:gs pos="0">
-              <a:schemeClr val="phClr">
-                <a:tint val="50000"/>
-                <a:satMod val="300000"/>
-              </a:schemeClr>
-            </a:gs>
-            <a:gs pos="35000">
-              <a:schemeClr val="phClr">
-                <a:tint val="37000"/>
-                <a:satMod val="300000"/>
-              </a:schemeClr>
-            </a:gs>
-            <a:gs pos="100000">
-              <a:schemeClr val="phClr">
-                <a:tint val="15000"/>
-                <a:satMod val="350000"/>
-              </a:schemeClr>
-            </a:gs>
-          </a:gsLst>
-          <a:lin ang="16200000" scaled="1"/>
-        </a:gradFill>
-        <a:gradFill rotWithShape="1">
-          <a:gsLst>
-            <a:gs pos="0">
-              <a:schemeClr val="phClr">
-                <a:tint val="100000"/>
-                <a:shade val="100000"/>
-                <a:satMod val="130000"/>
-              </a:schemeClr>
-            </a:gs>
-            <a:gs pos="100000">
-              <a:schemeClr val="phClr">
-                <a:tint val="50000"/>
-                <a:shade val="100000"/>
-                <a:satMod val="350000"/>
-              </a:schemeClr>
-            </a:gs>
-          </a:gsLst>
-          <a:lin ang="16200000" scaled="0"/>
-        </a:gradFill>
-      </a:fillStyleLst>
-      <a:lnStyleLst>
-        <a:ln w="9525" cap="flat" cmpd="sng" algn="ctr">
-          <a:solidFill>
-            <a:schemeClr val="phClr">
-              <a:shade val="95000"/>
-              <a:satMod val="105000"/>
-            </a:schemeClr>
-          </a:solidFill>
-          <a:prstDash val="solid"/>
-        </a:ln>
-        <a:ln w="25400" cap="flat" cmpd="sng" algn="ctr">
-          <a:solidFill>
-            <a:schemeClr val="phClr"/>
-          </a:solidFill>
-          <a:prstDash val="solid"/>
-        </a:ln>
-        <a:ln w="38100" cap="flat" cmpd="sng" algn="ctr">
-          <a:solidFill>
-            <a:schemeClr val="phClr"/>
-          </a:solidFill>
-          <a:prstDash val="solid"/>
-        </a:ln>
-      </a:lnStyleLst>
-      <a:effectStyleLst>
-        <a:effectStyle>
-          <a:effectLst>
-            <a:outerShdw blurRad="40000" dist="20000" dir="5400000" rotWithShape="0">
-              <a:srgbClr val="000000">
-                <a:alpha val="38000"/>
-              </a:srgbClr>
-            </a:outerShdw>
-          </a:effectLst>
-        </a:effectStyle>
-        <a:effectStyle>
-          <a:effectLst>
-            <a:outerShdw blurRad="40000" dist="23000" dir="5400000" rotWithShape="0">
-              <a:srgbClr val="000000">
-                <a:alpha val="35000"/>
-              </a:srgbClr>
-            </a:outerShdw>
-          </a:effectLst>
-        </a:effectStyle>
-        <a:effectStyle>
-          <a:effectLst>
-            <a:outerShdw blurRad="40000" dist="23000" dir="5400000" rotWithShape="0">
-              <a:srgbClr val="000000">
-                <a:alpha val="35000"/>
-              </a:srgbClr>
-            </a:outerShdw>
-          </a:effectLst>
-          <a:scene3d>
-            <a:camera prst="orthographicFront">
-              <a:rot lat="0" lon="0" rev="0"/>
-            </a:camera>
-            <a:lightRig rig="threePt" dir="t">
-              <a:rot lat="0" lon="0" rev="1200000"/>
-            </a:lightRig>
-          </a:scene3d>
-          <a:sp3d>
-            <a:bevelT w="63500" h="25400"/>
-          </a:sp3d>
-        </a:effectStyle>
-      </a:effectStyleLst>
-      <a:bgFillStyleLst>
-        <a:solidFill>
-          <a:schemeClr val="phClr"/>
-        </a:solidFill>
-        <a:gradFill rotWithShape="1">
-          <a:gsLst>
-            <a:gs pos="0">
-              <a:schemeClr val="phClr">
-                <a:tint val="40000"/>
-                <a:satMod val="350000"/>
-              </a:schemeClr>
-            </a:gs>
-            <a:gs pos="40000">
-              <a:schemeClr val="phClr">
-                <a:tint val="45000"/>
-                <a:shade val="99000"/>
-                <a:satMod val="350000"/>
-              </a:schemeClr>
-            </a:gs>
-            <a:gs pos="100000">
-              <a:schemeClr val="phClr">
-                <a:shade val="20000"/>
-                <a:satMod val="255000"/>
-              </a:schemeClr>
-            </a:gs>
-          </a:gsLst>
-          <a:path path="circle">
-            <a:fillToRect l="50000" t="-80000" r="50000" b="180000"/>
-          </a:path>
-        </a:gradFill>
-        <a:gradFill rotWithShape="1">
-          <a:gsLst>
-            <a:gs pos="0">
-              <a:schemeClr val="phClr">
-                <a:tint val="80000"/>
-                <a:satMod val="300000"/>
-              </a:schemeClr>
-            </a:gs>
-            <a:gs pos="100000">
-              <a:schemeClr val="phClr">
-                <a:shade val="30000"/>
-                <a:satMod val="200000"/>
-              </a:schemeClr>
-            </a:gs>
-          </a:gsLst>
-          <a:path path="circle">
-            <a:fillToRect l="50000" t="50000" r="50000" b="50000"/>
-          </a:path>
-        </a:gradFill>
-      </a:bgFillStyleLst>
-    </a:fmtScheme>
-  </a:themeElements>
+  <a:extLst>
+    <a:ext uri="{05A4C25C-085E-4340-85A3-A5531E510DB2}">
+      <thm15:themeFamily xmlns:thm15="http://schemas.microsoft.com/office/thememl/2012/main" name="Office Theme" id="{62F939B6-93AF-4DB8-9C6B-D6C7DFDC589F}" vid="{4A3C46E8-61CC-4603-A589-7422A47A8E4A}"/>
+    </a:ext>
+  </a:extLst>
 </a:theme>
 </file>